--- a/presentation_v02.pptx
+++ b/presentation_v02.pptx
@@ -11,10 +11,11 @@
     <p:sldId id="262" r:id="rId5"/>
     <p:sldId id="259" r:id="rId6"/>
     <p:sldId id="263" r:id="rId7"/>
-    <p:sldId id="264" r:id="rId8"/>
-    <p:sldId id="260" r:id="rId9"/>
-    <p:sldId id="265" r:id="rId10"/>
-    <p:sldId id="266" r:id="rId11"/>
+    <p:sldId id="267" r:id="rId8"/>
+    <p:sldId id="264" r:id="rId9"/>
+    <p:sldId id="260" r:id="rId10"/>
+    <p:sldId id="265" r:id="rId11"/>
+    <p:sldId id="266" r:id="rId12"/>
   </p:sldIdLst>
   <p:sldSz cx="12192000" cy="6858000"/>
   <p:notesSz cx="6858000" cy="9144000"/>
@@ -325,7 +326,7 @@
             <a:fld id="{B61BEF0D-F0BB-DE4B-95CE-6DB70DBA9567}" type="datetimeFigureOut">
               <a:rPr lang="en-US" dirty="0"/>
               <a:pPr/>
-              <a:t>6/3/2019</a:t>
+              <a:t>6/5/2019</a:t>
             </a:fld>
             <a:endParaRPr lang="en-US" dirty="0"/>
           </a:p>
@@ -758,7 +759,7 @@
             <a:fld id="{B61BEF0D-F0BB-DE4B-95CE-6DB70DBA9567}" type="datetimeFigureOut">
               <a:rPr lang="en-US" dirty="0"/>
               <a:pPr/>
-              <a:t>6/3/2019</a:t>
+              <a:t>6/5/2019</a:t>
             </a:fld>
             <a:endParaRPr lang="en-US" dirty="0"/>
           </a:p>
@@ -1005,7 +1006,7 @@
             <a:fld id="{B61BEF0D-F0BB-DE4B-95CE-6DB70DBA9567}" type="datetimeFigureOut">
               <a:rPr lang="en-US" dirty="0"/>
               <a:pPr/>
-              <a:t>6/3/2019</a:t>
+              <a:t>6/5/2019</a:t>
             </a:fld>
             <a:endParaRPr lang="en-US" dirty="0"/>
           </a:p>
@@ -1310,7 +1311,7 @@
             <a:fld id="{B61BEF0D-F0BB-DE4B-95CE-6DB70DBA9567}" type="datetimeFigureOut">
               <a:rPr lang="en-US" dirty="0"/>
               <a:pPr/>
-              <a:t>6/3/2019</a:t>
+              <a:t>6/5/2019</a:t>
             </a:fld>
             <a:endParaRPr lang="en-US" dirty="0"/>
           </a:p>
@@ -1625,7 +1626,7 @@
             <a:fld id="{B61BEF0D-F0BB-DE4B-95CE-6DB70DBA9567}" type="datetimeFigureOut">
               <a:rPr lang="en-US" dirty="0"/>
               <a:pPr/>
-              <a:t>6/3/2019</a:t>
+              <a:t>6/5/2019</a:t>
             </a:fld>
             <a:endParaRPr lang="en-US" dirty="0"/>
           </a:p>
@@ -1924,7 +1925,7 @@
             <a:fld id="{B61BEF0D-F0BB-DE4B-95CE-6DB70DBA9567}" type="datetimeFigureOut">
               <a:rPr lang="en-US" dirty="0"/>
               <a:pPr/>
-              <a:t>6/3/2019</a:t>
+              <a:t>6/5/2019</a:t>
             </a:fld>
             <a:endParaRPr lang="en-US" dirty="0"/>
           </a:p>
@@ -2288,7 +2289,7 @@
             <a:fld id="{B61BEF0D-F0BB-DE4B-95CE-6DB70DBA9567}" type="datetimeFigureOut">
               <a:rPr lang="en-US" dirty="0"/>
               <a:pPr/>
-              <a:t>6/3/2019</a:t>
+              <a:t>6/5/2019</a:t>
             </a:fld>
             <a:endParaRPr lang="en-US" dirty="0"/>
           </a:p>
@@ -2459,7 +2460,7 @@
             <a:fld id="{B61BEF0D-F0BB-DE4B-95CE-6DB70DBA9567}" type="datetimeFigureOut">
               <a:rPr lang="en-US" dirty="0"/>
               <a:pPr/>
-              <a:t>6/3/2019</a:t>
+              <a:t>6/5/2019</a:t>
             </a:fld>
             <a:endParaRPr lang="en-US" dirty="0"/>
           </a:p>
@@ -2636,7 +2637,7 @@
             <a:fld id="{B61BEF0D-F0BB-DE4B-95CE-6DB70DBA9567}" type="datetimeFigureOut">
               <a:rPr lang="en-US" dirty="0"/>
               <a:pPr/>
-              <a:t>6/3/2019</a:t>
+              <a:t>6/5/2019</a:t>
             </a:fld>
             <a:endParaRPr lang="en-US" dirty="0"/>
           </a:p>
@@ -2803,7 +2804,7 @@
             <a:fld id="{B61BEF0D-F0BB-DE4B-95CE-6DB70DBA9567}" type="datetimeFigureOut">
               <a:rPr lang="en-US" dirty="0"/>
               <a:pPr/>
-              <a:t>6/3/2019</a:t>
+              <a:t>6/5/2019</a:t>
             </a:fld>
             <a:endParaRPr lang="en-US" dirty="0"/>
           </a:p>
@@ -3050,7 +3051,7 @@
             <a:fld id="{B61BEF0D-F0BB-DE4B-95CE-6DB70DBA9567}" type="datetimeFigureOut">
               <a:rPr lang="en-US" dirty="0"/>
               <a:pPr/>
-              <a:t>6/3/2019</a:t>
+              <a:t>6/5/2019</a:t>
             </a:fld>
             <a:endParaRPr lang="en-US" dirty="0"/>
           </a:p>
@@ -3283,7 +3284,7 @@
             <a:fld id="{B61BEF0D-F0BB-DE4B-95CE-6DB70DBA9567}" type="datetimeFigureOut">
               <a:rPr lang="en-US" dirty="0"/>
               <a:pPr/>
-              <a:t>6/3/2019</a:t>
+              <a:t>6/5/2019</a:t>
             </a:fld>
             <a:endParaRPr lang="en-US" dirty="0"/>
           </a:p>
@@ -3662,7 +3663,7 @@
             <a:fld id="{B61BEF0D-F0BB-DE4B-95CE-6DB70DBA9567}" type="datetimeFigureOut">
               <a:rPr lang="en-US" dirty="0"/>
               <a:pPr/>
-              <a:t>6/3/2019</a:t>
+              <a:t>6/5/2019</a:t>
             </a:fld>
             <a:endParaRPr lang="en-US" dirty="0"/>
           </a:p>
@@ -3777,7 +3778,7 @@
             <a:fld id="{B61BEF0D-F0BB-DE4B-95CE-6DB70DBA9567}" type="datetimeFigureOut">
               <a:rPr lang="en-US" dirty="0"/>
               <a:pPr/>
-              <a:t>6/3/2019</a:t>
+              <a:t>6/5/2019</a:t>
             </a:fld>
             <a:endParaRPr lang="en-US" dirty="0"/>
           </a:p>
@@ -3869,7 +3870,7 @@
             <a:fld id="{B61BEF0D-F0BB-DE4B-95CE-6DB70DBA9567}" type="datetimeFigureOut">
               <a:rPr lang="en-US" dirty="0"/>
               <a:pPr/>
-              <a:t>6/3/2019</a:t>
+              <a:t>6/5/2019</a:t>
             </a:fld>
             <a:endParaRPr lang="en-US" dirty="0"/>
           </a:p>
@@ -4121,7 +4122,7 @@
             <a:fld id="{B61BEF0D-F0BB-DE4B-95CE-6DB70DBA9567}" type="datetimeFigureOut">
               <a:rPr lang="en-US" dirty="0"/>
               <a:pPr/>
-              <a:t>6/3/2019</a:t>
+              <a:t>6/5/2019</a:t>
             </a:fld>
             <a:endParaRPr lang="en-US" dirty="0"/>
           </a:p>
@@ -4401,7 +4402,7 @@
             <a:fld id="{B61BEF0D-F0BB-DE4B-95CE-6DB70DBA9567}" type="datetimeFigureOut">
               <a:rPr lang="en-US" dirty="0"/>
               <a:pPr/>
-              <a:t>6/3/2019</a:t>
+              <a:t>6/5/2019</a:t>
             </a:fld>
             <a:endParaRPr lang="en-US" dirty="0"/>
           </a:p>
@@ -4804,7 +4805,7 @@
             <a:fld id="{B61BEF0D-F0BB-DE4B-95CE-6DB70DBA9567}" type="datetimeFigureOut">
               <a:rPr lang="en-US" dirty="0"/>
               <a:pPr/>
-              <a:t>6/3/2019</a:t>
+              <a:t>6/5/2019</a:t>
             </a:fld>
             <a:endParaRPr lang="en-US" dirty="0"/>
           </a:p>
@@ -5438,6 +5439,621 @@
           <p:cNvPr id="2" name="Title 1">
             <a:extLst>
               <a:ext uri="{FF2B5EF4-FFF2-40B4-BE49-F238E27FC236}">
+                <a16:creationId xmlns:a16="http://schemas.microsoft.com/office/drawing/2014/main" id="{AECDA23B-A9DB-4176-B947-B31BE5051237}"/>
+              </a:ext>
+            </a:extLst>
+          </p:cNvPr>
+          <p:cNvSpPr>
+            <a:spLocks noGrp="1"/>
+          </p:cNvSpPr>
+          <p:nvPr>
+            <p:ph type="title"/>
+          </p:nvPr>
+        </p:nvSpPr>
+        <p:spPr>
+          <a:xfrm>
+            <a:off x="524415" y="3777814"/>
+            <a:ext cx="8534400" cy="925250"/>
+          </a:xfrm>
+        </p:spPr>
+        <p:txBody>
+          <a:bodyPr/>
+          <a:lstStyle/>
+          <a:p>
+            <a:r>
+              <a:rPr lang="en-US" dirty="0"/>
+              <a:t>Further Investigation</a:t>
+            </a:r>
+          </a:p>
+        </p:txBody>
+      </p:sp>
+      <p:sp>
+        <p:nvSpPr>
+          <p:cNvPr id="4" name="TextBox 3">
+            <a:extLst>
+              <a:ext uri="{FF2B5EF4-FFF2-40B4-BE49-F238E27FC236}">
+                <a16:creationId xmlns:a16="http://schemas.microsoft.com/office/drawing/2014/main" id="{23A22EFA-755B-4F22-9D84-236866AC2C9D}"/>
+              </a:ext>
+            </a:extLst>
+          </p:cNvPr>
+          <p:cNvSpPr txBox="1"/>
+          <p:nvPr/>
+        </p:nvSpPr>
+        <p:spPr>
+          <a:xfrm>
+            <a:off x="1963445" y="4703064"/>
+            <a:ext cx="8265110" cy="1754326"/>
+          </a:xfrm>
+          <a:prstGeom prst="rect">
+            <a:avLst/>
+          </a:prstGeom>
+          <a:noFill/>
+        </p:spPr>
+        <p:txBody>
+          <a:bodyPr wrap="square" rtlCol="0">
+            <a:spAutoFit/>
+          </a:bodyPr>
+          <a:lstStyle/>
+          <a:p>
+            <a:r>
+              <a:rPr lang="en-US" dirty="0"/>
+              <a:t>The current model could likely be enhanced by the addition of more variables. </a:t>
+            </a:r>
+          </a:p>
+          <a:p>
+            <a:endParaRPr lang="en-US" dirty="0"/>
+          </a:p>
+          <a:p>
+            <a:r>
+              <a:rPr lang="en-US" dirty="0"/>
+              <a:t>In particular, information on crime rates, transportation accessibility, school district ratings, etc. would be useful as these factors have in the past been shown to influence real estate pricing.</a:t>
+            </a:r>
+          </a:p>
+        </p:txBody>
+      </p:sp>
+      <p:sp>
+        <p:nvSpPr>
+          <p:cNvPr id="5" name="Title 1">
+            <a:extLst>
+              <a:ext uri="{FF2B5EF4-FFF2-40B4-BE49-F238E27FC236}">
+                <a16:creationId xmlns:a16="http://schemas.microsoft.com/office/drawing/2014/main" id="{1A4CC0FA-5C76-4B51-815D-5A657C5F0F9B}"/>
+              </a:ext>
+            </a:extLst>
+          </p:cNvPr>
+          <p:cNvSpPr txBox="1">
+            <a:spLocks/>
+          </p:cNvSpPr>
+          <p:nvPr/>
+        </p:nvSpPr>
+        <p:spPr>
+          <a:xfrm>
+            <a:off x="524415" y="0"/>
+            <a:ext cx="5571585" cy="925250"/>
+          </a:xfrm>
+          <a:prstGeom prst="rect">
+            <a:avLst/>
+          </a:prstGeom>
+          <a:effectLst/>
+        </p:spPr>
+        <p:txBody>
+          <a:bodyPr vert="horz" lIns="91440" tIns="45720" rIns="91440" bIns="45720" rtlCol="0" anchor="ctr">
+            <a:normAutofit/>
+          </a:bodyPr>
+          <a:lstStyle>
+            <a:lvl1pPr algn="l" defTabSz="457200" rtl="0" eaLnBrk="1" latinLnBrk="0" hangingPunct="1">
+              <a:spcBef>
+                <a:spcPct val="0"/>
+              </a:spcBef>
+              <a:buNone/>
+              <a:defRPr sz="3600" kern="1200" cap="all">
+                <a:ln w="3175" cmpd="sng">
+                  <a:noFill/>
+                </a:ln>
+                <a:solidFill>
+                  <a:schemeClr val="tx1"/>
+                </a:solidFill>
+                <a:effectLst/>
+                <a:latin typeface="+mj-lt"/>
+                <a:ea typeface="+mj-ea"/>
+                <a:cs typeface="+mj-cs"/>
+              </a:defRPr>
+            </a:lvl1pPr>
+            <a:lvl2pPr eaLnBrk="1" hangingPunct="1">
+              <a:defRPr>
+                <a:solidFill>
+                  <a:schemeClr val="tx2"/>
+                </a:solidFill>
+              </a:defRPr>
+            </a:lvl2pPr>
+            <a:lvl3pPr eaLnBrk="1" hangingPunct="1">
+              <a:defRPr>
+                <a:solidFill>
+                  <a:schemeClr val="tx2"/>
+                </a:solidFill>
+              </a:defRPr>
+            </a:lvl3pPr>
+            <a:lvl4pPr eaLnBrk="1" hangingPunct="1">
+              <a:defRPr>
+                <a:solidFill>
+                  <a:schemeClr val="tx2"/>
+                </a:solidFill>
+              </a:defRPr>
+            </a:lvl4pPr>
+            <a:lvl5pPr eaLnBrk="1" hangingPunct="1">
+              <a:defRPr>
+                <a:solidFill>
+                  <a:schemeClr val="tx2"/>
+                </a:solidFill>
+              </a:defRPr>
+            </a:lvl5pPr>
+            <a:lvl6pPr eaLnBrk="1" hangingPunct="1">
+              <a:defRPr>
+                <a:solidFill>
+                  <a:schemeClr val="tx2"/>
+                </a:solidFill>
+              </a:defRPr>
+            </a:lvl6pPr>
+            <a:lvl7pPr eaLnBrk="1" hangingPunct="1">
+              <a:defRPr>
+                <a:solidFill>
+                  <a:schemeClr val="tx2"/>
+                </a:solidFill>
+              </a:defRPr>
+            </a:lvl7pPr>
+            <a:lvl8pPr eaLnBrk="1" hangingPunct="1">
+              <a:defRPr>
+                <a:solidFill>
+                  <a:schemeClr val="tx2"/>
+                </a:solidFill>
+              </a:defRPr>
+            </a:lvl8pPr>
+            <a:lvl9pPr eaLnBrk="1" hangingPunct="1">
+              <a:defRPr>
+                <a:solidFill>
+                  <a:schemeClr val="tx2"/>
+                </a:solidFill>
+              </a:defRPr>
+            </a:lvl9pPr>
+          </a:lstStyle>
+          <a:p>
+            <a:r>
+              <a:rPr lang="en-US" dirty="0"/>
+              <a:t>Recommendations</a:t>
+            </a:r>
+          </a:p>
+        </p:txBody>
+      </p:sp>
+      <p:sp>
+        <p:nvSpPr>
+          <p:cNvPr id="6" name="TextBox 5">
+            <a:extLst>
+              <a:ext uri="{FF2B5EF4-FFF2-40B4-BE49-F238E27FC236}">
+                <a16:creationId xmlns:a16="http://schemas.microsoft.com/office/drawing/2014/main" id="{BF290046-9D27-4C9F-B797-B42A7B8A3EDA}"/>
+              </a:ext>
+            </a:extLst>
+          </p:cNvPr>
+          <p:cNvSpPr txBox="1"/>
+          <p:nvPr/>
+        </p:nvSpPr>
+        <p:spPr>
+          <a:xfrm>
+            <a:off x="1963445" y="925250"/>
+            <a:ext cx="8265110" cy="2554545"/>
+          </a:xfrm>
+          <a:prstGeom prst="rect">
+            <a:avLst/>
+          </a:prstGeom>
+          <a:noFill/>
+        </p:spPr>
+        <p:txBody>
+          <a:bodyPr wrap="square" rtlCol="0">
+            <a:spAutoFit/>
+          </a:bodyPr>
+          <a:lstStyle/>
+          <a:p>
+            <a:pPr marL="342900" indent="-342900">
+              <a:buFont typeface="+mj-lt"/>
+              <a:buAutoNum type="arabicPeriod"/>
+            </a:pPr>
+            <a:r>
+              <a:rPr lang="en-US" sz="2000" dirty="0"/>
+              <a:t>If you can purchase a house for $126,700 less than the price predicted by our model, you will definitely make a profit.</a:t>
+            </a:r>
+            <a:br>
+              <a:rPr lang="en-US" sz="2000" dirty="0"/>
+            </a:br>
+            <a:endParaRPr lang="en-US" sz="2000" dirty="0"/>
+          </a:p>
+          <a:p>
+            <a:pPr marL="342900" indent="-342900">
+              <a:buFont typeface="+mj-lt"/>
+              <a:buAutoNum type="arabicPeriod"/>
+            </a:pPr>
+            <a:r>
+              <a:rPr lang="en-US" sz="2000" dirty="0"/>
+              <a:t>Houses in the northern half of Kings County fetch higher prices, try to sell northern properties</a:t>
+            </a:r>
+            <a:br>
+              <a:rPr lang="en-US" sz="2000" dirty="0"/>
+            </a:br>
+            <a:endParaRPr lang="en-US" sz="2000" dirty="0"/>
+          </a:p>
+          <a:p>
+            <a:pPr marL="342900" indent="-342900">
+              <a:buFont typeface="+mj-lt"/>
+              <a:buAutoNum type="arabicPeriod"/>
+            </a:pPr>
+            <a:r>
+              <a:rPr lang="en-US" sz="2000" dirty="0"/>
+              <a:t>The more times a house has been viewed, the higher it’s final selling price is likely to be. Invest in advertising your properties.</a:t>
+            </a:r>
+          </a:p>
+        </p:txBody>
+      </p:sp>
+    </p:spTree>
+    <p:extLst>
+      <p:ext uri="{BB962C8B-B14F-4D97-AF65-F5344CB8AC3E}">
+        <p14:creationId xmlns:p14="http://schemas.microsoft.com/office/powerpoint/2010/main" val="1510063357"/>
+      </p:ext>
+    </p:extLst>
+  </p:cSld>
+  <p:clrMapOvr>
+    <a:masterClrMapping/>
+  </p:clrMapOvr>
+  <mc:AlternateContent xmlns:mc="http://schemas.openxmlformats.org/markup-compatibility/2006" xmlns:p14="http://schemas.microsoft.com/office/powerpoint/2010/main">
+    <mc:Choice Requires="p14">
+      <p:transition spd="slow" p14:dur="1500">
+        <p:pull/>
+      </p:transition>
+    </mc:Choice>
+    <mc:Fallback xmlns="">
+      <p:transition spd="slow">
+        <p:pull/>
+      </p:transition>
+    </mc:Fallback>
+  </mc:AlternateContent>
+  <p:timing>
+    <p:tnLst>
+      <p:par>
+        <p:cTn id="1" dur="indefinite" restart="never" nodeType="tmRoot">
+          <p:childTnLst>
+            <p:seq concurrent="1" nextAc="seek">
+              <p:cTn id="2" dur="indefinite" nodeType="mainSeq">
+                <p:childTnLst>
+                  <p:par>
+                    <p:cTn id="3" fill="hold">
+                      <p:stCondLst>
+                        <p:cond delay="indefinite"/>
+                        <p:cond evt="onBegin" delay="0">
+                          <p:tn val="2"/>
+                        </p:cond>
+                      </p:stCondLst>
+                      <p:childTnLst>
+                        <p:par>
+                          <p:cTn id="4" fill="hold">
+                            <p:stCondLst>
+                              <p:cond delay="0"/>
+                            </p:stCondLst>
+                            <p:childTnLst>
+                              <p:par>
+                                <p:cTn id="5" presetID="42" presetClass="entr" presetSubtype="0" fill="hold" grpId="0" nodeType="afterEffect">
+                                  <p:stCondLst>
+                                    <p:cond delay="1000"/>
+                                  </p:stCondLst>
+                                  <p:childTnLst>
+                                    <p:set>
+                                      <p:cBhvr>
+                                        <p:cTn id="6" dur="1" fill="hold">
+                                          <p:stCondLst>
+                                            <p:cond delay="0"/>
+                                          </p:stCondLst>
+                                        </p:cTn>
+                                        <p:tgtEl>
+                                          <p:spTgt spid="6"/>
+                                        </p:tgtEl>
+                                        <p:attrNameLst>
+                                          <p:attrName>style.visibility</p:attrName>
+                                        </p:attrNameLst>
+                                      </p:cBhvr>
+                                      <p:to>
+                                        <p:strVal val="visible"/>
+                                      </p:to>
+                                    </p:set>
+                                    <p:animEffect transition="in" filter="fade">
+                                      <p:cBhvr>
+                                        <p:cTn id="7" dur="1000"/>
+                                        <p:tgtEl>
+                                          <p:spTgt spid="6"/>
+                                        </p:tgtEl>
+                                      </p:cBhvr>
+                                    </p:animEffect>
+                                    <p:anim calcmode="lin" valueType="num">
+                                      <p:cBhvr>
+                                        <p:cTn id="8" dur="1000" fill="hold"/>
+                                        <p:tgtEl>
+                                          <p:spTgt spid="6"/>
+                                        </p:tgtEl>
+                                        <p:attrNameLst>
+                                          <p:attrName>ppt_x</p:attrName>
+                                        </p:attrNameLst>
+                                      </p:cBhvr>
+                                      <p:tavLst>
+                                        <p:tav tm="0">
+                                          <p:val>
+                                            <p:strVal val="#ppt_x"/>
+                                          </p:val>
+                                        </p:tav>
+                                        <p:tav tm="100000">
+                                          <p:val>
+                                            <p:strVal val="#ppt_x"/>
+                                          </p:val>
+                                        </p:tav>
+                                      </p:tavLst>
+                                    </p:anim>
+                                    <p:anim calcmode="lin" valueType="num">
+                                      <p:cBhvr>
+                                        <p:cTn id="9" dur="1000" fill="hold"/>
+                                        <p:tgtEl>
+                                          <p:spTgt spid="6"/>
+                                        </p:tgtEl>
+                                        <p:attrNameLst>
+                                          <p:attrName>ppt_y</p:attrName>
+                                        </p:attrNameLst>
+                                      </p:cBhvr>
+                                      <p:tavLst>
+                                        <p:tav tm="0">
+                                          <p:val>
+                                            <p:strVal val="#ppt_y+.1"/>
+                                          </p:val>
+                                        </p:tav>
+                                        <p:tav tm="100000">
+                                          <p:val>
+                                            <p:strVal val="#ppt_y"/>
+                                          </p:val>
+                                        </p:tav>
+                                      </p:tavLst>
+                                    </p:anim>
+                                  </p:childTnLst>
+                                </p:cTn>
+                              </p:par>
+                            </p:childTnLst>
+                          </p:cTn>
+                        </p:par>
+                        <p:par>
+                          <p:cTn id="10" fill="hold">
+                            <p:stCondLst>
+                              <p:cond delay="2000"/>
+                            </p:stCondLst>
+                            <p:childTnLst>
+                              <p:par>
+                                <p:cTn id="11" presetID="42" presetClass="entr" presetSubtype="0" fill="hold" grpId="0" nodeType="afterEffect">
+                                  <p:stCondLst>
+                                    <p:cond delay="1000"/>
+                                  </p:stCondLst>
+                                  <p:childTnLst>
+                                    <p:set>
+                                      <p:cBhvr>
+                                        <p:cTn id="12" dur="1" fill="hold">
+                                          <p:stCondLst>
+                                            <p:cond delay="0"/>
+                                          </p:stCondLst>
+                                        </p:cTn>
+                                        <p:tgtEl>
+                                          <p:spTgt spid="2"/>
+                                        </p:tgtEl>
+                                        <p:attrNameLst>
+                                          <p:attrName>style.visibility</p:attrName>
+                                        </p:attrNameLst>
+                                      </p:cBhvr>
+                                      <p:to>
+                                        <p:strVal val="visible"/>
+                                      </p:to>
+                                    </p:set>
+                                    <p:animEffect transition="in" filter="fade">
+                                      <p:cBhvr>
+                                        <p:cTn id="13" dur="1000"/>
+                                        <p:tgtEl>
+                                          <p:spTgt spid="2"/>
+                                        </p:tgtEl>
+                                      </p:cBhvr>
+                                    </p:animEffect>
+                                    <p:anim calcmode="lin" valueType="num">
+                                      <p:cBhvr>
+                                        <p:cTn id="14" dur="1000" fill="hold"/>
+                                        <p:tgtEl>
+                                          <p:spTgt spid="2"/>
+                                        </p:tgtEl>
+                                        <p:attrNameLst>
+                                          <p:attrName>ppt_x</p:attrName>
+                                        </p:attrNameLst>
+                                      </p:cBhvr>
+                                      <p:tavLst>
+                                        <p:tav tm="0">
+                                          <p:val>
+                                            <p:strVal val="#ppt_x"/>
+                                          </p:val>
+                                        </p:tav>
+                                        <p:tav tm="100000">
+                                          <p:val>
+                                            <p:strVal val="#ppt_x"/>
+                                          </p:val>
+                                        </p:tav>
+                                      </p:tavLst>
+                                    </p:anim>
+                                    <p:anim calcmode="lin" valueType="num">
+                                      <p:cBhvr>
+                                        <p:cTn id="15" dur="1000" fill="hold"/>
+                                        <p:tgtEl>
+                                          <p:spTgt spid="2"/>
+                                        </p:tgtEl>
+                                        <p:attrNameLst>
+                                          <p:attrName>ppt_y</p:attrName>
+                                        </p:attrNameLst>
+                                      </p:cBhvr>
+                                      <p:tavLst>
+                                        <p:tav tm="0">
+                                          <p:val>
+                                            <p:strVal val="#ppt_y+.1"/>
+                                          </p:val>
+                                        </p:tav>
+                                        <p:tav tm="100000">
+                                          <p:val>
+                                            <p:strVal val="#ppt_y"/>
+                                          </p:val>
+                                        </p:tav>
+                                      </p:tavLst>
+                                    </p:anim>
+                                  </p:childTnLst>
+                                </p:cTn>
+                              </p:par>
+                            </p:childTnLst>
+                          </p:cTn>
+                        </p:par>
+                        <p:par>
+                          <p:cTn id="16" fill="hold">
+                            <p:stCondLst>
+                              <p:cond delay="4000"/>
+                            </p:stCondLst>
+                            <p:childTnLst>
+                              <p:par>
+                                <p:cTn id="17" presetID="42" presetClass="entr" presetSubtype="0" fill="hold" grpId="0" nodeType="afterEffect">
+                                  <p:stCondLst>
+                                    <p:cond delay="1000"/>
+                                  </p:stCondLst>
+                                  <p:childTnLst>
+                                    <p:set>
+                                      <p:cBhvr>
+                                        <p:cTn id="18" dur="1" fill="hold">
+                                          <p:stCondLst>
+                                            <p:cond delay="0"/>
+                                          </p:stCondLst>
+                                        </p:cTn>
+                                        <p:tgtEl>
+                                          <p:spTgt spid="4"/>
+                                        </p:tgtEl>
+                                        <p:attrNameLst>
+                                          <p:attrName>style.visibility</p:attrName>
+                                        </p:attrNameLst>
+                                      </p:cBhvr>
+                                      <p:to>
+                                        <p:strVal val="visible"/>
+                                      </p:to>
+                                    </p:set>
+                                    <p:animEffect transition="in" filter="fade">
+                                      <p:cBhvr>
+                                        <p:cTn id="19" dur="1000"/>
+                                        <p:tgtEl>
+                                          <p:spTgt spid="4"/>
+                                        </p:tgtEl>
+                                      </p:cBhvr>
+                                    </p:animEffect>
+                                    <p:anim calcmode="lin" valueType="num">
+                                      <p:cBhvr>
+                                        <p:cTn id="20" dur="1000" fill="hold"/>
+                                        <p:tgtEl>
+                                          <p:spTgt spid="4"/>
+                                        </p:tgtEl>
+                                        <p:attrNameLst>
+                                          <p:attrName>ppt_x</p:attrName>
+                                        </p:attrNameLst>
+                                      </p:cBhvr>
+                                      <p:tavLst>
+                                        <p:tav tm="0">
+                                          <p:val>
+                                            <p:strVal val="#ppt_x"/>
+                                          </p:val>
+                                        </p:tav>
+                                        <p:tav tm="100000">
+                                          <p:val>
+                                            <p:strVal val="#ppt_x"/>
+                                          </p:val>
+                                        </p:tav>
+                                      </p:tavLst>
+                                    </p:anim>
+                                    <p:anim calcmode="lin" valueType="num">
+                                      <p:cBhvr>
+                                        <p:cTn id="21" dur="1000" fill="hold"/>
+                                        <p:tgtEl>
+                                          <p:spTgt spid="4"/>
+                                        </p:tgtEl>
+                                        <p:attrNameLst>
+                                          <p:attrName>ppt_y</p:attrName>
+                                        </p:attrNameLst>
+                                      </p:cBhvr>
+                                      <p:tavLst>
+                                        <p:tav tm="0">
+                                          <p:val>
+                                            <p:strVal val="#ppt_y+.1"/>
+                                          </p:val>
+                                        </p:tav>
+                                        <p:tav tm="100000">
+                                          <p:val>
+                                            <p:strVal val="#ppt_y"/>
+                                          </p:val>
+                                        </p:tav>
+                                      </p:tavLst>
+                                    </p:anim>
+                                  </p:childTnLst>
+                                </p:cTn>
+                              </p:par>
+                            </p:childTnLst>
+                          </p:cTn>
+                        </p:par>
+                      </p:childTnLst>
+                    </p:cTn>
+                  </p:par>
+                </p:childTnLst>
+              </p:cTn>
+              <p:prevCondLst>
+                <p:cond evt="onPrev" delay="0">
+                  <p:tgtEl>
+                    <p:sldTgt/>
+                  </p:tgtEl>
+                </p:cond>
+              </p:prevCondLst>
+              <p:nextCondLst>
+                <p:cond evt="onNext" delay="0">
+                  <p:tgtEl>
+                    <p:sldTgt/>
+                  </p:tgtEl>
+                </p:cond>
+              </p:nextCondLst>
+            </p:seq>
+          </p:childTnLst>
+        </p:cTn>
+      </p:par>
+    </p:tnLst>
+    <p:bldLst>
+      <p:bldP spid="2" grpId="0"/>
+      <p:bldP spid="4" grpId="0"/>
+      <p:bldP spid="6" grpId="0"/>
+    </p:bldLst>
+  </p:timing>
+</p:sld>
+</file>
+
+<file path=ppt/slides/slide11.xml><?xml version="1.0" encoding="utf-8"?>
+<p:sld xmlns:a="http://schemas.openxmlformats.org/drawingml/2006/main" xmlns:r="http://schemas.openxmlformats.org/officeDocument/2006/relationships" xmlns:p="http://schemas.openxmlformats.org/presentationml/2006/main">
+  <p:cSld>
+    <p:spTree>
+      <p:nvGrpSpPr>
+        <p:cNvPr id="1" name=""/>
+        <p:cNvGrpSpPr/>
+        <p:nvPr/>
+      </p:nvGrpSpPr>
+      <p:grpSpPr>
+        <a:xfrm>
+          <a:off x="0" y="0"/>
+          <a:ext cx="0" cy="0"/>
+          <a:chOff x="0" y="0"/>
+          <a:chExt cx="0" cy="0"/>
+        </a:xfrm>
+      </p:grpSpPr>
+      <p:sp>
+        <p:nvSpPr>
+          <p:cNvPr id="2" name="Title 1">
+            <a:extLst>
+              <a:ext uri="{FF2B5EF4-FFF2-40B4-BE49-F238E27FC236}">
                 <a16:creationId xmlns:a16="http://schemas.microsoft.com/office/drawing/2014/main" id="{C2273BAD-256F-4489-A640-79EF8310250C}"/>
               </a:ext>
             </a:extLst>
@@ -5600,10 +6216,10 @@
         </p:nvGrpSpPr>
         <p:grpSpPr>
           <a:xfrm>
-            <a:off x="1807384" y="952642"/>
-            <a:ext cx="3271707" cy="4553486"/>
-            <a:chOff x="-404721" y="1665524"/>
-            <a:chExt cx="3271707" cy="4553486"/>
+            <a:off x="450645" y="2228294"/>
+            <a:ext cx="2829641" cy="3286711"/>
+            <a:chOff x="-401117" y="2932298"/>
+            <a:chExt cx="2829641" cy="3286711"/>
           </a:xfrm>
         </p:grpSpPr>
         <p:pic>
@@ -5627,8 +6243,8 @@
           </p:blipFill>
           <p:spPr>
             <a:xfrm>
-              <a:off x="1290914" y="1665524"/>
-              <a:ext cx="1576072" cy="4553486"/>
+              <a:off x="1290914" y="2932298"/>
+              <a:ext cx="1137610" cy="3286711"/>
             </a:xfrm>
             <a:prstGeom prst="rect">
               <a:avLst/>
@@ -5649,7 +6265,7 @@
           </p:nvSpPr>
           <p:spPr>
             <a:xfrm>
-              <a:off x="-404721" y="3757601"/>
+              <a:off x="-401117" y="4390987"/>
               <a:ext cx="1576072" cy="369332"/>
             </a:xfrm>
             <a:prstGeom prst="rect">
@@ -5805,6 +6421,194 @@
           </a:p>
         </p:txBody>
       </p:sp>
+      <p:pic>
+        <p:nvPicPr>
+          <p:cNvPr id="1026" name="Picture 2" descr="https://cdn2.iconfinder.com/data/icons/keep-clean/456/broom_clean_clear_sweep_housework_dust-512.png">
+            <a:extLst>
+              <a:ext uri="{FF2B5EF4-FFF2-40B4-BE49-F238E27FC236}">
+                <a16:creationId xmlns:a16="http://schemas.microsoft.com/office/drawing/2014/main" id="{FCBEB5C9-DC6B-45AA-A13E-B3506EF50DB0}"/>
+              </a:ext>
+            </a:extLst>
+          </p:cNvPr>
+          <p:cNvPicPr>
+            <a:picLocks noChangeAspect="1" noChangeArrowheads="1"/>
+          </p:cNvPicPr>
+          <p:nvPr/>
+        </p:nvPicPr>
+        <p:blipFill>
+          <a:blip r:embed="rId3">
+            <a:extLst>
+              <a:ext uri="{28A0092B-C50C-407E-A947-70E740481C1C}">
+                <a14:useLocalDpi xmlns:a14="http://schemas.microsoft.com/office/drawing/2010/main" val="0"/>
+              </a:ext>
+            </a:extLst>
+          </a:blip>
+          <a:srcRect/>
+          <a:stretch>
+            <a:fillRect/>
+          </a:stretch>
+        </p:blipFill>
+        <p:spPr bwMode="auto">
+          <a:xfrm>
+            <a:off x="8359537" y="1700318"/>
+            <a:ext cx="848724" cy="905305"/>
+          </a:xfrm>
+          <a:prstGeom prst="rect">
+            <a:avLst/>
+          </a:prstGeom>
+          <a:noFill/>
+          <a:extLst>
+            <a:ext uri="{909E8E84-426E-40DD-AFC4-6F175D3DCCD1}">
+              <a14:hiddenFill xmlns:a14="http://schemas.microsoft.com/office/drawing/2010/main">
+                <a:solidFill>
+                  <a:srgbClr val="FFFFFF"/>
+                </a:solidFill>
+              </a14:hiddenFill>
+            </a:ext>
+          </a:extLst>
+        </p:spPr>
+      </p:pic>
+      <p:pic>
+        <p:nvPicPr>
+          <p:cNvPr id="1028" name="Picture 4" descr="https://cdn0.iconfinder.com/data/icons/mobile-development-svg-icons/60/locate-512.png">
+            <a:extLst>
+              <a:ext uri="{FF2B5EF4-FFF2-40B4-BE49-F238E27FC236}">
+                <a16:creationId xmlns:a16="http://schemas.microsoft.com/office/drawing/2014/main" id="{A7BED577-332A-4441-8A38-3E969FB2F0BF}"/>
+              </a:ext>
+            </a:extLst>
+          </p:cNvPr>
+          <p:cNvPicPr>
+            <a:picLocks noChangeAspect="1" noChangeArrowheads="1"/>
+          </p:cNvPicPr>
+          <p:nvPr/>
+        </p:nvPicPr>
+        <p:blipFill>
+          <a:blip r:embed="rId4">
+            <a:extLst>
+              <a:ext uri="{28A0092B-C50C-407E-A947-70E740481C1C}">
+                <a14:useLocalDpi xmlns:a14="http://schemas.microsoft.com/office/drawing/2010/main" val="0"/>
+              </a:ext>
+            </a:extLst>
+          </a:blip>
+          <a:srcRect/>
+          <a:stretch>
+            <a:fillRect/>
+          </a:stretch>
+        </p:blipFill>
+        <p:spPr bwMode="auto">
+          <a:xfrm>
+            <a:off x="10290090" y="2904548"/>
+            <a:ext cx="848724" cy="848724"/>
+          </a:xfrm>
+          <a:prstGeom prst="rect">
+            <a:avLst/>
+          </a:prstGeom>
+          <a:noFill/>
+          <a:extLst>
+            <a:ext uri="{909E8E84-426E-40DD-AFC4-6F175D3DCCD1}">
+              <a14:hiddenFill xmlns:a14="http://schemas.microsoft.com/office/drawing/2010/main">
+                <a:solidFill>
+                  <a:srgbClr val="FFFFFF"/>
+                </a:solidFill>
+              </a14:hiddenFill>
+            </a:ext>
+          </a:extLst>
+        </p:spPr>
+      </p:pic>
+      <p:pic>
+        <p:nvPicPr>
+          <p:cNvPr id="1032" name="Picture 8" descr="https://cdn0.iconfinder.com/data/icons/vote-and-reward-3/512/132-512.png">
+            <a:extLst>
+              <a:ext uri="{FF2B5EF4-FFF2-40B4-BE49-F238E27FC236}">
+                <a16:creationId xmlns:a16="http://schemas.microsoft.com/office/drawing/2014/main" id="{07782F67-1BD6-46E0-8774-D72D7B764232}"/>
+              </a:ext>
+            </a:extLst>
+          </p:cNvPr>
+          <p:cNvPicPr>
+            <a:picLocks noChangeAspect="1" noChangeArrowheads="1"/>
+          </p:cNvPicPr>
+          <p:nvPr/>
+        </p:nvPicPr>
+        <p:blipFill>
+          <a:blip r:embed="rId5">
+            <a:extLst>
+              <a:ext uri="{28A0092B-C50C-407E-A947-70E740481C1C}">
+                <a14:useLocalDpi xmlns:a14="http://schemas.microsoft.com/office/drawing/2010/main" val="0"/>
+              </a:ext>
+            </a:extLst>
+          </a:blip>
+          <a:srcRect/>
+          <a:stretch>
+            <a:fillRect/>
+          </a:stretch>
+        </p:blipFill>
+        <p:spPr bwMode="auto">
+          <a:xfrm>
+            <a:off x="11038643" y="5235278"/>
+            <a:ext cx="1153357" cy="1153357"/>
+          </a:xfrm>
+          <a:prstGeom prst="rect">
+            <a:avLst/>
+          </a:prstGeom>
+          <a:noFill/>
+          <a:extLst>
+            <a:ext uri="{909E8E84-426E-40DD-AFC4-6F175D3DCCD1}">
+              <a14:hiddenFill xmlns:a14="http://schemas.microsoft.com/office/drawing/2010/main">
+                <a:solidFill>
+                  <a:srgbClr val="FFFFFF"/>
+                </a:solidFill>
+              </a14:hiddenFill>
+            </a:ext>
+          </a:extLst>
+        </p:spPr>
+      </p:pic>
+      <p:pic>
+        <p:nvPicPr>
+          <p:cNvPr id="1034" name="Picture 10" descr="https://cdn2.iconfinder.com/data/icons/construction-and-maintenance/24/_build_wall-512.png">
+            <a:extLst>
+              <a:ext uri="{FF2B5EF4-FFF2-40B4-BE49-F238E27FC236}">
+                <a16:creationId xmlns:a16="http://schemas.microsoft.com/office/drawing/2014/main" id="{4CF72D99-C8C6-476C-9582-9997964A8FA9}"/>
+              </a:ext>
+            </a:extLst>
+          </p:cNvPr>
+          <p:cNvPicPr>
+            <a:picLocks noChangeAspect="1" noChangeArrowheads="1"/>
+          </p:cNvPicPr>
+          <p:nvPr/>
+        </p:nvPicPr>
+        <p:blipFill>
+          <a:blip r:embed="rId6">
+            <a:extLst>
+              <a:ext uri="{28A0092B-C50C-407E-A947-70E740481C1C}">
+                <a14:useLocalDpi xmlns:a14="http://schemas.microsoft.com/office/drawing/2010/main" val="0"/>
+              </a:ext>
+            </a:extLst>
+          </a:blip>
+          <a:srcRect/>
+          <a:stretch>
+            <a:fillRect/>
+          </a:stretch>
+        </p:blipFill>
+        <p:spPr bwMode="auto">
+          <a:xfrm flipH="1">
+            <a:off x="8783899" y="4252378"/>
+            <a:ext cx="959288" cy="959288"/>
+          </a:xfrm>
+          <a:prstGeom prst="rect">
+            <a:avLst/>
+          </a:prstGeom>
+          <a:noFill/>
+          <a:extLst>
+            <a:ext uri="{909E8E84-426E-40DD-AFC4-6F175D3DCCD1}">
+              <a14:hiddenFill xmlns:a14="http://schemas.microsoft.com/office/drawing/2010/main">
+                <a:solidFill>
+                  <a:srgbClr val="FFFFFF"/>
+                </a:solidFill>
+              </a14:hiddenFill>
+            </a:ext>
+          </a:extLst>
+        </p:spPr>
+      </p:pic>
     </p:spTree>
     <p:extLst>
       <p:ext uri="{BB962C8B-B14F-4D97-AF65-F5344CB8AC3E}">
@@ -6107,7 +6911,7 @@
                             </p:stCondLst>
                             <p:childTnLst>
                               <p:par>
-                                <p:cTn id="21" presetID="42" presetClass="entr" presetSubtype="0" fill="hold" grpId="0" nodeType="afterEffect">
+                                <p:cTn id="21" presetID="2" presetClass="entr" presetSubtype="2" fill="hold" nodeType="afterEffect">
                                   <p:stCondLst>
                                     <p:cond delay="0"/>
                                   </p:stCondLst>
@@ -6120,6 +6924,88 @@
                                           </p:stCondLst>
                                         </p:cTn>
                                         <p:tgtEl>
+                                          <p:spTgt spid="1026"/>
+                                        </p:tgtEl>
+                                        <p:attrNameLst>
+                                          <p:attrName>style.visibility</p:attrName>
+                                        </p:attrNameLst>
+                                      </p:cBhvr>
+                                      <p:to>
+                                        <p:strVal val="visible"/>
+                                      </p:to>
+                                    </p:set>
+                                    <p:anim calcmode="lin" valueType="num">
+                                      <p:cBhvr additive="base">
+                                        <p:cTn id="23" dur="1000" fill="hold"/>
+                                        <p:tgtEl>
+                                          <p:spTgt spid="1026"/>
+                                        </p:tgtEl>
+                                        <p:attrNameLst>
+                                          <p:attrName>ppt_x</p:attrName>
+                                        </p:attrNameLst>
+                                      </p:cBhvr>
+                                      <p:tavLst>
+                                        <p:tav tm="0">
+                                          <p:val>
+                                            <p:strVal val="1+#ppt_w/2"/>
+                                          </p:val>
+                                        </p:tav>
+                                        <p:tav tm="100000">
+                                          <p:val>
+                                            <p:strVal val="#ppt_x"/>
+                                          </p:val>
+                                        </p:tav>
+                                      </p:tavLst>
+                                    </p:anim>
+                                    <p:anim calcmode="lin" valueType="num">
+                                      <p:cBhvr additive="base">
+                                        <p:cTn id="24" dur="1000" fill="hold"/>
+                                        <p:tgtEl>
+                                          <p:spTgt spid="1026"/>
+                                        </p:tgtEl>
+                                        <p:attrNameLst>
+                                          <p:attrName>ppt_y</p:attrName>
+                                        </p:attrNameLst>
+                                      </p:cBhvr>
+                                      <p:tavLst>
+                                        <p:tav tm="0">
+                                          <p:val>
+                                            <p:strVal val="#ppt_y"/>
+                                          </p:val>
+                                        </p:tav>
+                                        <p:tav tm="100000">
+                                          <p:val>
+                                            <p:strVal val="#ppt_y"/>
+                                          </p:val>
+                                        </p:tav>
+                                      </p:tavLst>
+                                    </p:anim>
+                                  </p:childTnLst>
+                                </p:cTn>
+                              </p:par>
+                            </p:childTnLst>
+                          </p:cTn>
+                        </p:par>
+                        <p:par>
+                          <p:cTn id="25" fill="hold">
+                            <p:stCondLst>
+                              <p:cond delay="6000"/>
+                            </p:stCondLst>
+                            <p:childTnLst>
+                              <p:par>
+                                <p:cTn id="26" presetID="42" presetClass="entr" presetSubtype="0" fill="hold" grpId="0" nodeType="afterEffect">
+                                  <p:stCondLst>
+                                    <p:cond delay="0"/>
+                                  </p:stCondLst>
+                                  <p:childTnLst>
+                                    <p:set>
+                                      <p:cBhvr>
+                                        <p:cTn id="27" dur="1" fill="hold">
+                                          <p:stCondLst>
+                                            <p:cond delay="0"/>
+                                          </p:stCondLst>
+                                        </p:cTn>
+                                        <p:tgtEl>
                                           <p:spTgt spid="11">
                                             <p:txEl>
                                               <p:pRg st="4" end="4"/>
@@ -6136,7 +7022,7 @@
                                     </p:set>
                                     <p:animEffect transition="in" filter="fade">
                                       <p:cBhvr>
-                                        <p:cTn id="23" dur="1000"/>
+                                        <p:cTn id="28" dur="1000"/>
                                         <p:tgtEl>
                                           <p:spTgt spid="11">
                                             <p:txEl>
@@ -6148,7 +7034,7 @@
                                     </p:animEffect>
                                     <p:anim calcmode="lin" valueType="num">
                                       <p:cBhvr>
-                                        <p:cTn id="24" dur="1000" fill="hold"/>
+                                        <p:cTn id="29" dur="1000" fill="hold"/>
                                         <p:tgtEl>
                                           <p:spTgt spid="11">
                                             <p:txEl>
@@ -6175,7 +7061,7 @@
                                     </p:anim>
                                     <p:anim calcmode="lin" valueType="num">
                                       <p:cBhvr>
-                                        <p:cTn id="25" dur="1000" fill="hold"/>
+                                        <p:cTn id="30" dur="1000" fill="hold"/>
                                         <p:tgtEl>
                                           <p:spTgt spid="11">
                                             <p:txEl>
@@ -6207,20 +7093,102 @@
                           </p:cTn>
                         </p:par>
                         <p:par>
-                          <p:cTn id="26" fill="hold">
+                          <p:cTn id="31" fill="hold">
                             <p:stCondLst>
-                              <p:cond delay="6000"/>
+                              <p:cond delay="7000"/>
                             </p:stCondLst>
                             <p:childTnLst>
                               <p:par>
-                                <p:cTn id="27" presetID="42" presetClass="entr" presetSubtype="0" fill="hold" grpId="0" nodeType="afterEffect">
+                                <p:cTn id="32" presetID="2" presetClass="entr" presetSubtype="2" fill="hold" nodeType="afterEffect">
                                   <p:stCondLst>
                                     <p:cond delay="0"/>
                                   </p:stCondLst>
                                   <p:childTnLst>
                                     <p:set>
                                       <p:cBhvr>
-                                        <p:cTn id="28" dur="1" fill="hold">
+                                        <p:cTn id="33" dur="1" fill="hold">
+                                          <p:stCondLst>
+                                            <p:cond delay="0"/>
+                                          </p:stCondLst>
+                                        </p:cTn>
+                                        <p:tgtEl>
+                                          <p:spTgt spid="1028"/>
+                                        </p:tgtEl>
+                                        <p:attrNameLst>
+                                          <p:attrName>style.visibility</p:attrName>
+                                        </p:attrNameLst>
+                                      </p:cBhvr>
+                                      <p:to>
+                                        <p:strVal val="visible"/>
+                                      </p:to>
+                                    </p:set>
+                                    <p:anim calcmode="lin" valueType="num">
+                                      <p:cBhvr additive="base">
+                                        <p:cTn id="34" dur="1000" fill="hold"/>
+                                        <p:tgtEl>
+                                          <p:spTgt spid="1028"/>
+                                        </p:tgtEl>
+                                        <p:attrNameLst>
+                                          <p:attrName>ppt_x</p:attrName>
+                                        </p:attrNameLst>
+                                      </p:cBhvr>
+                                      <p:tavLst>
+                                        <p:tav tm="0">
+                                          <p:val>
+                                            <p:strVal val="1+#ppt_w/2"/>
+                                          </p:val>
+                                        </p:tav>
+                                        <p:tav tm="100000">
+                                          <p:val>
+                                            <p:strVal val="#ppt_x"/>
+                                          </p:val>
+                                        </p:tav>
+                                      </p:tavLst>
+                                    </p:anim>
+                                    <p:anim calcmode="lin" valueType="num">
+                                      <p:cBhvr additive="base">
+                                        <p:cTn id="35" dur="1000" fill="hold"/>
+                                        <p:tgtEl>
+                                          <p:spTgt spid="1028"/>
+                                        </p:tgtEl>
+                                        <p:attrNameLst>
+                                          <p:attrName>ppt_y</p:attrName>
+                                        </p:attrNameLst>
+                                      </p:cBhvr>
+                                      <p:tavLst>
+                                        <p:tav tm="0">
+                                          <p:val>
+                                            <p:strVal val="#ppt_y"/>
+                                          </p:val>
+                                        </p:tav>
+                                        <p:tav tm="100000">
+                                          <p:val>
+                                            <p:strVal val="#ppt_y"/>
+                                          </p:val>
+                                        </p:tav>
+                                      </p:tavLst>
+                                    </p:anim>
+                                  </p:childTnLst>
+                                </p:cTn>
+                              </p:par>
+                            </p:childTnLst>
+                          </p:cTn>
+                        </p:par>
+                        <p:par>
+                          <p:cTn id="36" fill="hold">
+                            <p:stCondLst>
+                              <p:cond delay="8000"/>
+                            </p:stCondLst>
+                            <p:childTnLst>
+                              <p:par>
+                                <p:cTn id="37" presetID="42" presetClass="entr" presetSubtype="0" fill="hold" grpId="0" nodeType="afterEffect">
+                                  <p:stCondLst>
+                                    <p:cond delay="0"/>
+                                  </p:stCondLst>
+                                  <p:childTnLst>
+                                    <p:set>
+                                      <p:cBhvr>
+                                        <p:cTn id="38" dur="1" fill="hold">
                                           <p:stCondLst>
                                             <p:cond delay="0"/>
                                           </p:stCondLst>
@@ -6242,7 +7210,7 @@
                                     </p:set>
                                     <p:animEffect transition="in" filter="fade">
                                       <p:cBhvr>
-                                        <p:cTn id="29" dur="1000"/>
+                                        <p:cTn id="39" dur="1000"/>
                                         <p:tgtEl>
                                           <p:spTgt spid="11">
                                             <p:txEl>
@@ -6254,7 +7222,7 @@
                                     </p:animEffect>
                                     <p:anim calcmode="lin" valueType="num">
                                       <p:cBhvr>
-                                        <p:cTn id="30" dur="1000" fill="hold"/>
+                                        <p:cTn id="40" dur="1000" fill="hold"/>
                                         <p:tgtEl>
                                           <p:spTgt spid="11">
                                             <p:txEl>
@@ -6281,7 +7249,7 @@
                                     </p:anim>
                                     <p:anim calcmode="lin" valueType="num">
                                       <p:cBhvr>
-                                        <p:cTn id="31" dur="1000" fill="hold"/>
+                                        <p:cTn id="41" dur="1000" fill="hold"/>
                                         <p:tgtEl>
                                           <p:spTgt spid="11">
                                             <p:txEl>
@@ -6313,20 +7281,102 @@
                           </p:cTn>
                         </p:par>
                         <p:par>
-                          <p:cTn id="32" fill="hold">
+                          <p:cTn id="42" fill="hold">
                             <p:stCondLst>
-                              <p:cond delay="7000"/>
+                              <p:cond delay="9000"/>
                             </p:stCondLst>
                             <p:childTnLst>
                               <p:par>
-                                <p:cTn id="33" presetID="42" presetClass="entr" presetSubtype="0" fill="hold" grpId="0" nodeType="afterEffect">
+                                <p:cTn id="43" presetID="2" presetClass="entr" presetSubtype="2" fill="hold" nodeType="afterEffect">
                                   <p:stCondLst>
                                     <p:cond delay="0"/>
                                   </p:stCondLst>
                                   <p:childTnLst>
                                     <p:set>
                                       <p:cBhvr>
-                                        <p:cTn id="34" dur="1" fill="hold">
+                                        <p:cTn id="44" dur="1" fill="hold">
+                                          <p:stCondLst>
+                                            <p:cond delay="0"/>
+                                          </p:stCondLst>
+                                        </p:cTn>
+                                        <p:tgtEl>
+                                          <p:spTgt spid="1034"/>
+                                        </p:tgtEl>
+                                        <p:attrNameLst>
+                                          <p:attrName>style.visibility</p:attrName>
+                                        </p:attrNameLst>
+                                      </p:cBhvr>
+                                      <p:to>
+                                        <p:strVal val="visible"/>
+                                      </p:to>
+                                    </p:set>
+                                    <p:anim calcmode="lin" valueType="num">
+                                      <p:cBhvr additive="base">
+                                        <p:cTn id="45" dur="1000" fill="hold"/>
+                                        <p:tgtEl>
+                                          <p:spTgt spid="1034"/>
+                                        </p:tgtEl>
+                                        <p:attrNameLst>
+                                          <p:attrName>ppt_x</p:attrName>
+                                        </p:attrNameLst>
+                                      </p:cBhvr>
+                                      <p:tavLst>
+                                        <p:tav tm="0">
+                                          <p:val>
+                                            <p:strVal val="1+#ppt_w/2"/>
+                                          </p:val>
+                                        </p:tav>
+                                        <p:tav tm="100000">
+                                          <p:val>
+                                            <p:strVal val="#ppt_x"/>
+                                          </p:val>
+                                        </p:tav>
+                                      </p:tavLst>
+                                    </p:anim>
+                                    <p:anim calcmode="lin" valueType="num">
+                                      <p:cBhvr additive="base">
+                                        <p:cTn id="46" dur="1000" fill="hold"/>
+                                        <p:tgtEl>
+                                          <p:spTgt spid="1034"/>
+                                        </p:tgtEl>
+                                        <p:attrNameLst>
+                                          <p:attrName>ppt_y</p:attrName>
+                                        </p:attrNameLst>
+                                      </p:cBhvr>
+                                      <p:tavLst>
+                                        <p:tav tm="0">
+                                          <p:val>
+                                            <p:strVal val="#ppt_y"/>
+                                          </p:val>
+                                        </p:tav>
+                                        <p:tav tm="100000">
+                                          <p:val>
+                                            <p:strVal val="#ppt_y"/>
+                                          </p:val>
+                                        </p:tav>
+                                      </p:tavLst>
+                                    </p:anim>
+                                  </p:childTnLst>
+                                </p:cTn>
+                              </p:par>
+                            </p:childTnLst>
+                          </p:cTn>
+                        </p:par>
+                        <p:par>
+                          <p:cTn id="47" fill="hold">
+                            <p:stCondLst>
+                              <p:cond delay="10000"/>
+                            </p:stCondLst>
+                            <p:childTnLst>
+                              <p:par>
+                                <p:cTn id="48" presetID="42" presetClass="entr" presetSubtype="0" fill="hold" grpId="0" nodeType="afterEffect">
+                                  <p:stCondLst>
+                                    <p:cond delay="0"/>
+                                  </p:stCondLst>
+                                  <p:childTnLst>
+                                    <p:set>
+                                      <p:cBhvr>
+                                        <p:cTn id="49" dur="1" fill="hold">
                                           <p:stCondLst>
                                             <p:cond delay="0"/>
                                           </p:stCondLst>
@@ -6348,7 +7398,7 @@
                                     </p:set>
                                     <p:animEffect transition="in" filter="fade">
                                       <p:cBhvr>
-                                        <p:cTn id="35" dur="1000"/>
+                                        <p:cTn id="50" dur="1000"/>
                                         <p:tgtEl>
                                           <p:spTgt spid="11">
                                             <p:txEl>
@@ -6360,7 +7410,7 @@
                                     </p:animEffect>
                                     <p:anim calcmode="lin" valueType="num">
                                       <p:cBhvr>
-                                        <p:cTn id="36" dur="1000" fill="hold"/>
+                                        <p:cTn id="51" dur="1000" fill="hold"/>
                                         <p:tgtEl>
                                           <p:spTgt spid="11">
                                             <p:txEl>
@@ -6387,7 +7437,7 @@
                                     </p:anim>
                                     <p:anim calcmode="lin" valueType="num">
                                       <p:cBhvr>
-                                        <p:cTn id="37" dur="1000" fill="hold"/>
+                                        <p:cTn id="52" dur="1000" fill="hold"/>
                                         <p:tgtEl>
                                           <p:spTgt spid="11">
                                             <p:txEl>
@@ -6403,6 +7453,88 @@
                                         <p:tav tm="0">
                                           <p:val>
                                             <p:strVal val="#ppt_y+.1"/>
+                                          </p:val>
+                                        </p:tav>
+                                        <p:tav tm="100000">
+                                          <p:val>
+                                            <p:strVal val="#ppt_y"/>
+                                          </p:val>
+                                        </p:tav>
+                                      </p:tavLst>
+                                    </p:anim>
+                                  </p:childTnLst>
+                                </p:cTn>
+                              </p:par>
+                            </p:childTnLst>
+                          </p:cTn>
+                        </p:par>
+                        <p:par>
+                          <p:cTn id="53" fill="hold">
+                            <p:stCondLst>
+                              <p:cond delay="11000"/>
+                            </p:stCondLst>
+                            <p:childTnLst>
+                              <p:par>
+                                <p:cTn id="54" presetID="2" presetClass="entr" presetSubtype="2" fill="hold" nodeType="afterEffect">
+                                  <p:stCondLst>
+                                    <p:cond delay="0"/>
+                                  </p:stCondLst>
+                                  <p:childTnLst>
+                                    <p:set>
+                                      <p:cBhvr>
+                                        <p:cTn id="55" dur="1" fill="hold">
+                                          <p:stCondLst>
+                                            <p:cond delay="0"/>
+                                          </p:stCondLst>
+                                        </p:cTn>
+                                        <p:tgtEl>
+                                          <p:spTgt spid="1032"/>
+                                        </p:tgtEl>
+                                        <p:attrNameLst>
+                                          <p:attrName>style.visibility</p:attrName>
+                                        </p:attrNameLst>
+                                      </p:cBhvr>
+                                      <p:to>
+                                        <p:strVal val="visible"/>
+                                      </p:to>
+                                    </p:set>
+                                    <p:anim calcmode="lin" valueType="num">
+                                      <p:cBhvr additive="base">
+                                        <p:cTn id="56" dur="1000" fill="hold"/>
+                                        <p:tgtEl>
+                                          <p:spTgt spid="1032"/>
+                                        </p:tgtEl>
+                                        <p:attrNameLst>
+                                          <p:attrName>ppt_x</p:attrName>
+                                        </p:attrNameLst>
+                                      </p:cBhvr>
+                                      <p:tavLst>
+                                        <p:tav tm="0">
+                                          <p:val>
+                                            <p:strVal val="1+#ppt_w/2"/>
+                                          </p:val>
+                                        </p:tav>
+                                        <p:tav tm="100000">
+                                          <p:val>
+                                            <p:strVal val="#ppt_x"/>
+                                          </p:val>
+                                        </p:tav>
+                                      </p:tavLst>
+                                    </p:anim>
+                                    <p:anim calcmode="lin" valueType="num">
+                                      <p:cBhvr additive="base">
+                                        <p:cTn id="57" dur="1000" fill="hold"/>
+                                        <p:tgtEl>
+                                          <p:spTgt spid="1032"/>
+                                        </p:tgtEl>
+                                        <p:attrNameLst>
+                                          <p:attrName>ppt_y</p:attrName>
+                                        </p:attrNameLst>
+                                      </p:cBhvr>
+                                      <p:tavLst>
+                                        <p:tav tm="0">
+                                          <p:val>
+                                            <p:strVal val="#ppt_y"/>
                                           </p:val>
                                         </p:tav>
                                         <p:tav tm="100000">
@@ -6466,6 +7598,231 @@
           <a:chExt cx="0" cy="0"/>
         </a:xfrm>
       </p:grpSpPr>
+      <p:grpSp>
+        <p:nvGrpSpPr>
+          <p:cNvPr id="27" name="Group 26">
+            <a:extLst>
+              <a:ext uri="{FF2B5EF4-FFF2-40B4-BE49-F238E27FC236}">
+                <a16:creationId xmlns:a16="http://schemas.microsoft.com/office/drawing/2014/main" id="{2620FEB8-CADE-4C80-8BCF-3FCE34A4AB9A}"/>
+              </a:ext>
+            </a:extLst>
+          </p:cNvPr>
+          <p:cNvGrpSpPr/>
+          <p:nvPr/>
+        </p:nvGrpSpPr>
+        <p:grpSpPr>
+          <a:xfrm>
+            <a:off x="385156" y="179961"/>
+            <a:ext cx="5389617" cy="2726555"/>
+            <a:chOff x="385156" y="179961"/>
+            <a:chExt cx="5389617" cy="2726555"/>
+          </a:xfrm>
+        </p:grpSpPr>
+        <p:grpSp>
+          <p:nvGrpSpPr>
+            <p:cNvPr id="21" name="Group 20">
+              <a:extLst>
+                <a:ext uri="{FF2B5EF4-FFF2-40B4-BE49-F238E27FC236}">
+                  <a16:creationId xmlns:a16="http://schemas.microsoft.com/office/drawing/2014/main" id="{0BCE379B-F186-4100-96AB-6731703D63C2}"/>
+                </a:ext>
+              </a:extLst>
+            </p:cNvPr>
+            <p:cNvGrpSpPr/>
+            <p:nvPr/>
+          </p:nvGrpSpPr>
+          <p:grpSpPr>
+            <a:xfrm>
+              <a:off x="385156" y="179961"/>
+              <a:ext cx="5389617" cy="2726555"/>
+              <a:chOff x="385156" y="179961"/>
+              <a:chExt cx="5389617" cy="2726555"/>
+            </a:xfrm>
+          </p:grpSpPr>
+          <p:grpSp>
+            <p:nvGrpSpPr>
+              <p:cNvPr id="3" name="Group 2">
+                <a:extLst>
+                  <a:ext uri="{FF2B5EF4-FFF2-40B4-BE49-F238E27FC236}">
+                    <a16:creationId xmlns:a16="http://schemas.microsoft.com/office/drawing/2014/main" id="{7EBD3BFF-D681-4A1A-B3EE-94327EE6183F}"/>
+                  </a:ext>
+                </a:extLst>
+              </p:cNvPr>
+              <p:cNvGrpSpPr/>
+              <p:nvPr/>
+            </p:nvGrpSpPr>
+            <p:grpSpPr>
+              <a:xfrm>
+                <a:off x="385156" y="179961"/>
+                <a:ext cx="5389617" cy="2726555"/>
+                <a:chOff x="-271791" y="55674"/>
+                <a:chExt cx="5389617" cy="2726555"/>
+              </a:xfrm>
+            </p:grpSpPr>
+            <p:sp>
+              <p:nvSpPr>
+                <p:cNvPr id="4" name="TextBox 3">
+                  <a:extLst>
+                    <a:ext uri="{FF2B5EF4-FFF2-40B4-BE49-F238E27FC236}">
+                      <a16:creationId xmlns:a16="http://schemas.microsoft.com/office/drawing/2014/main" id="{65E4BA73-94F6-4665-A8D7-69B1D196C34F}"/>
+                    </a:ext>
+                  </a:extLst>
+                </p:cNvPr>
+                <p:cNvSpPr txBox="1"/>
+                <p:nvPr/>
+              </p:nvSpPr>
+              <p:spPr>
+                <a:xfrm>
+                  <a:off x="-271791" y="55674"/>
+                  <a:ext cx="5389617" cy="461665"/>
+                </a:xfrm>
+                <a:prstGeom prst="rect">
+                  <a:avLst/>
+                </a:prstGeom>
+                <a:noFill/>
+              </p:spPr>
+              <p:txBody>
+                <a:bodyPr wrap="none" rtlCol="0">
+                  <a:spAutoFit/>
+                </a:bodyPr>
+                <a:lstStyle/>
+                <a:p>
+                  <a:r>
+                    <a:rPr lang="en-US" sz="2400" dirty="0"/>
+                    <a:t>Removing outliers from the dataset</a:t>
+                  </a:r>
+                </a:p>
+              </p:txBody>
+            </p:sp>
+            <p:pic>
+              <p:nvPicPr>
+                <p:cNvPr id="1026" name="Picture 2" descr="https://i.stack.imgur.com/e9e3f.jpg">
+                  <a:extLst>
+                    <a:ext uri="{FF2B5EF4-FFF2-40B4-BE49-F238E27FC236}">
+                      <a16:creationId xmlns:a16="http://schemas.microsoft.com/office/drawing/2014/main" id="{12495C33-FB18-4094-A869-CF685AE26B5F}"/>
+                    </a:ext>
+                  </a:extLst>
+                </p:cNvPr>
+                <p:cNvPicPr>
+                  <a:picLocks noChangeAspect="1" noChangeArrowheads="1"/>
+                </p:cNvPicPr>
+                <p:nvPr/>
+              </p:nvPicPr>
+              <p:blipFill rotWithShape="1">
+                <a:blip r:embed="rId2">
+                  <a:extLst>
+                    <a:ext uri="{28A0092B-C50C-407E-A947-70E740481C1C}">
+                      <a14:useLocalDpi xmlns:a14="http://schemas.microsoft.com/office/drawing/2010/main" val="0"/>
+                    </a:ext>
+                  </a:extLst>
+                </a:blip>
+                <a:srcRect b="11098"/>
+                <a:stretch/>
+              </p:blipFill>
+              <p:spPr bwMode="auto">
+                <a:xfrm>
+                  <a:off x="568663" y="504372"/>
+                  <a:ext cx="3752850" cy="2277857"/>
+                </a:xfrm>
+                <a:prstGeom prst="rect">
+                  <a:avLst/>
+                </a:prstGeom>
+                <a:noFill/>
+                <a:extLst>
+                  <a:ext uri="{909E8E84-426E-40DD-AFC4-6F175D3DCCD1}">
+                    <a14:hiddenFill xmlns:a14="http://schemas.microsoft.com/office/drawing/2010/main">
+                      <a:solidFill>
+                        <a:srgbClr val="FFFFFF"/>
+                      </a:solidFill>
+                    </a14:hiddenFill>
+                  </a:ext>
+                </a:extLst>
+              </p:spPr>
+            </p:pic>
+          </p:grpSp>
+          <p:sp>
+            <p:nvSpPr>
+              <p:cNvPr id="16" name="Oval 15">
+                <a:extLst>
+                  <a:ext uri="{FF2B5EF4-FFF2-40B4-BE49-F238E27FC236}">
+                    <a16:creationId xmlns:a16="http://schemas.microsoft.com/office/drawing/2014/main" id="{73C60E3A-B9A9-49D7-9485-35EB63F1A6CF}"/>
+                  </a:ext>
+                </a:extLst>
+              </p:cNvPr>
+              <p:cNvSpPr/>
+              <p:nvPr/>
+            </p:nvSpPr>
+            <p:spPr>
+              <a:xfrm>
+                <a:off x="3102035" y="1038687"/>
+                <a:ext cx="399495" cy="285288"/>
+              </a:xfrm>
+              <a:prstGeom prst="ellipse">
+                <a:avLst/>
+              </a:prstGeom>
+              <a:noFill/>
+              <a:ln w="38100">
+                <a:solidFill>
+                  <a:schemeClr val="accent6"/>
+                </a:solidFill>
+              </a:ln>
+            </p:spPr>
+            <p:style>
+              <a:lnRef idx="2">
+                <a:schemeClr val="accent1">
+                  <a:shade val="50000"/>
+                </a:schemeClr>
+              </a:lnRef>
+              <a:fillRef idx="1">
+                <a:schemeClr val="accent1"/>
+              </a:fillRef>
+              <a:effectRef idx="0">
+                <a:schemeClr val="accent1"/>
+              </a:effectRef>
+              <a:fontRef idx="minor">
+                <a:schemeClr val="lt1"/>
+              </a:fontRef>
+            </p:style>
+            <p:txBody>
+              <a:bodyPr rtlCol="0" anchor="ctr"/>
+              <a:lstStyle/>
+              <a:p>
+                <a:pPr algn="ctr"/>
+                <a:endParaRPr lang="en-US"/>
+              </a:p>
+            </p:txBody>
+          </p:sp>
+        </p:grpSp>
+        <p:pic>
+          <p:nvPicPr>
+            <p:cNvPr id="24" name="Picture 23">
+              <a:extLst>
+                <a:ext uri="{FF2B5EF4-FFF2-40B4-BE49-F238E27FC236}">
+                  <a16:creationId xmlns:a16="http://schemas.microsoft.com/office/drawing/2014/main" id="{011363DD-3517-4F08-A707-9A0B1B029579}"/>
+                </a:ext>
+              </a:extLst>
+            </p:cNvPr>
+            <p:cNvPicPr>
+              <a:picLocks noChangeAspect="1"/>
+            </p:cNvPicPr>
+            <p:nvPr/>
+          </p:nvPicPr>
+          <p:blipFill>
+            <a:blip r:embed="rId3"/>
+            <a:stretch>
+              <a:fillRect/>
+            </a:stretch>
+          </p:blipFill>
+          <p:spPr>
+            <a:xfrm>
+              <a:off x="3176945" y="1134408"/>
+              <a:ext cx="277272" cy="93846"/>
+            </a:xfrm>
+            <a:prstGeom prst="rect">
+              <a:avLst/>
+            </a:prstGeom>
+          </p:spPr>
+        </p:pic>
+      </p:grpSp>
       <p:sp>
         <p:nvSpPr>
           <p:cNvPr id="2" name="Title 1">
@@ -6484,7 +7841,7 @@
         </p:nvSpPr>
         <p:spPr>
           <a:xfrm>
-            <a:off x="9147447" y="1727121"/>
+            <a:off x="9555332" y="4563319"/>
             <a:ext cx="2636668" cy="2277857"/>
           </a:xfrm>
         </p:spPr>
@@ -6516,47 +7873,188 @@
           </a:p>
         </p:txBody>
       </p:sp>
-      <p:sp>
-        <p:nvSpPr>
-          <p:cNvPr id="4" name="TextBox 3">
+      <p:pic>
+        <p:nvPicPr>
+          <p:cNvPr id="1028" name="Picture 4" descr="https://c8.alamy.com/comp/D2X4KE/a-shanty-town-style-dwelling-in-llanelli-wales-the-shed-is-believed-D2X4KE.jpg">
             <a:extLst>
               <a:ext uri="{FF2B5EF4-FFF2-40B4-BE49-F238E27FC236}">
-                <a16:creationId xmlns:a16="http://schemas.microsoft.com/office/drawing/2014/main" id="{65E4BA73-94F6-4665-A8D7-69B1D196C34F}"/>
+                <a16:creationId xmlns:a16="http://schemas.microsoft.com/office/drawing/2014/main" id="{FE6DE9F2-5CB0-466C-AACF-0F8D78D4BA05}"/>
               </a:ext>
             </a:extLst>
           </p:cNvPr>
-          <p:cNvSpPr txBox="1"/>
+          <p:cNvPicPr>
+            <a:picLocks noChangeAspect="1" noChangeArrowheads="1"/>
+          </p:cNvPicPr>
           <p:nvPr/>
-        </p:nvSpPr>
-        <p:spPr>
+        </p:nvPicPr>
+        <p:blipFill rotWithShape="1">
+          <a:blip r:embed="rId4">
+            <a:extLst>
+              <a:ext uri="{28A0092B-C50C-407E-A947-70E740481C1C}">
+                <a14:useLocalDpi xmlns:a14="http://schemas.microsoft.com/office/drawing/2010/main" val="0"/>
+              </a:ext>
+            </a:extLst>
+          </a:blip>
+          <a:srcRect l="9550" r="12098" b="18019"/>
+          <a:stretch/>
+        </p:blipFill>
+        <p:spPr bwMode="auto">
           <a:xfrm>
-            <a:off x="399496" y="135040"/>
-            <a:ext cx="4091185" cy="369332"/>
+            <a:off x="407885" y="3465797"/>
+            <a:ext cx="3752850" cy="2887831"/>
           </a:xfrm>
           <a:prstGeom prst="rect">
             <a:avLst/>
           </a:prstGeom>
           <a:noFill/>
+          <a:extLst>
+            <a:ext uri="{909E8E84-426E-40DD-AFC4-6F175D3DCCD1}">
+              <a14:hiddenFill xmlns:a14="http://schemas.microsoft.com/office/drawing/2010/main">
+                <a:solidFill>
+                  <a:srgbClr val="FFFFFF"/>
+                </a:solidFill>
+              </a14:hiddenFill>
+            </a:ext>
+          </a:extLst>
         </p:spPr>
-        <p:txBody>
-          <a:bodyPr wrap="none" rtlCol="0">
-            <a:spAutoFit/>
-          </a:bodyPr>
-          <a:lstStyle/>
-          <a:p>
-            <a:r>
-              <a:rPr lang="en-US" dirty="0"/>
-              <a:t>Removing outliers from the dataset</a:t>
-            </a:r>
-          </a:p>
-        </p:txBody>
-      </p:sp>
+      </p:pic>
       <p:pic>
         <p:nvPicPr>
-          <p:cNvPr id="5" name="Picture 4">
+          <p:cNvPr id="1030" name="Picture 6" descr="https://cdn.images.express.co.uk/img/dynamic/106/590x/Windsor-Castle-881811.jpg">
             <a:extLst>
               <a:ext uri="{FF2B5EF4-FFF2-40B4-BE49-F238E27FC236}">
-                <a16:creationId xmlns:a16="http://schemas.microsoft.com/office/drawing/2014/main" id="{394E9556-6B1F-49BC-ACFD-60B507FE9B7B}"/>
+                <a16:creationId xmlns:a16="http://schemas.microsoft.com/office/drawing/2014/main" id="{EC6A5359-078A-48E2-A9E2-70A8BB4F99E1}"/>
+              </a:ext>
+            </a:extLst>
+          </p:cNvPr>
+          <p:cNvPicPr>
+            <a:picLocks noChangeAspect="1" noChangeArrowheads="1"/>
+          </p:cNvPicPr>
+          <p:nvPr/>
+        </p:nvPicPr>
+        <p:blipFill rotWithShape="1">
+          <a:blip r:embed="rId5">
+            <a:extLst>
+              <a:ext uri="{28A0092B-C50C-407E-A947-70E740481C1C}">
+                <a14:useLocalDpi xmlns:a14="http://schemas.microsoft.com/office/drawing/2010/main" val="0"/>
+              </a:ext>
+            </a:extLst>
+          </a:blip>
+          <a:srcRect l="-1" r="19618" b="17045"/>
+          <a:stretch/>
+        </p:blipFill>
+        <p:spPr bwMode="auto">
+          <a:xfrm>
+            <a:off x="6162524" y="394963"/>
+            <a:ext cx="4517313" cy="2765487"/>
+          </a:xfrm>
+          <a:prstGeom prst="rect">
+            <a:avLst/>
+          </a:prstGeom>
+          <a:noFill/>
+          <a:extLst>
+            <a:ext uri="{909E8E84-426E-40DD-AFC4-6F175D3DCCD1}">
+              <a14:hiddenFill xmlns:a14="http://schemas.microsoft.com/office/drawing/2010/main">
+                <a:solidFill>
+                  <a:srgbClr val="FFFFFF"/>
+                </a:solidFill>
+              </a14:hiddenFill>
+            </a:ext>
+          </a:extLst>
+        </p:spPr>
+      </p:pic>
+      <p:cxnSp>
+        <p:nvCxnSpPr>
+          <p:cNvPr id="13" name="Straight Arrow Connector 12">
+            <a:extLst>
+              <a:ext uri="{FF2B5EF4-FFF2-40B4-BE49-F238E27FC236}">
+                <a16:creationId xmlns:a16="http://schemas.microsoft.com/office/drawing/2014/main" id="{2D1B467E-AA09-4601-B84F-1D72F77C08EB}"/>
+              </a:ext>
+            </a:extLst>
+          </p:cNvPr>
+          <p:cNvCxnSpPr/>
+          <p:nvPr/>
+        </p:nvCxnSpPr>
+        <p:spPr>
+          <a:xfrm>
+            <a:off x="4160735" y="1038687"/>
+            <a:ext cx="1935265" cy="355107"/>
+          </a:xfrm>
+          <a:prstGeom prst="straightConnector1">
+            <a:avLst/>
+          </a:prstGeom>
+          <a:ln w="38100">
+            <a:solidFill>
+              <a:schemeClr val="accent6"/>
+            </a:solidFill>
+            <a:headEnd type="none" w="med" len="med"/>
+            <a:tailEnd type="arrow" w="med" len="med"/>
+          </a:ln>
+        </p:spPr>
+        <p:style>
+          <a:lnRef idx="1">
+            <a:schemeClr val="accent1"/>
+          </a:lnRef>
+          <a:fillRef idx="0">
+            <a:schemeClr val="accent1"/>
+          </a:fillRef>
+          <a:effectRef idx="0">
+            <a:schemeClr val="accent1"/>
+          </a:effectRef>
+          <a:fontRef idx="minor">
+            <a:schemeClr val="tx1"/>
+          </a:fontRef>
+        </p:style>
+      </p:cxnSp>
+      <p:cxnSp>
+        <p:nvCxnSpPr>
+          <p:cNvPr id="15" name="Straight Arrow Connector 14">
+            <a:extLst>
+              <a:ext uri="{FF2B5EF4-FFF2-40B4-BE49-F238E27FC236}">
+                <a16:creationId xmlns:a16="http://schemas.microsoft.com/office/drawing/2014/main" id="{0C4E657F-B284-4D51-A2FA-6370DCEB5ABF}"/>
+              </a:ext>
+            </a:extLst>
+          </p:cNvPr>
+          <p:cNvCxnSpPr/>
+          <p:nvPr/>
+        </p:nvCxnSpPr>
+        <p:spPr>
+          <a:xfrm flipH="1">
+            <a:off x="1970843" y="1216240"/>
+            <a:ext cx="399495" cy="2212760"/>
+          </a:xfrm>
+          <a:prstGeom prst="straightConnector1">
+            <a:avLst/>
+          </a:prstGeom>
+          <a:ln w="38100">
+            <a:solidFill>
+              <a:schemeClr val="accent6"/>
+            </a:solidFill>
+            <a:headEnd type="none" w="med" len="med"/>
+            <a:tailEnd type="arrow" w="med" len="med"/>
+          </a:ln>
+        </p:spPr>
+        <p:style>
+          <a:lnRef idx="1">
+            <a:schemeClr val="accent1"/>
+          </a:lnRef>
+          <a:fillRef idx="0">
+            <a:schemeClr val="accent1"/>
+          </a:fillRef>
+          <a:effectRef idx="0">
+            <a:schemeClr val="accent1"/>
+          </a:effectRef>
+          <a:fontRef idx="minor">
+            <a:schemeClr val="tx1"/>
+          </a:fontRef>
+        </p:style>
+      </p:cxnSp>
+      <p:pic>
+        <p:nvPicPr>
+          <p:cNvPr id="18" name="Picture 17">
+            <a:extLst>
+              <a:ext uri="{FF2B5EF4-FFF2-40B4-BE49-F238E27FC236}">
+                <a16:creationId xmlns:a16="http://schemas.microsoft.com/office/drawing/2014/main" id="{E70E3F0E-F999-4D89-BCAF-C4CBD5D15E63}"/>
               </a:ext>
             </a:extLst>
           </p:cNvPr>
@@ -6566,27 +8064,72 @@
           <p:nvPr/>
         </p:nvPicPr>
         <p:blipFill>
-          <a:blip r:embed="rId2"/>
+          <a:blip r:embed="rId6"/>
           <a:stretch>
             <a:fillRect/>
           </a:stretch>
         </p:blipFill>
         <p:spPr>
           <a:xfrm>
-            <a:off x="399496" y="601462"/>
-            <a:ext cx="3429000" cy="2743200"/>
+            <a:off x="5394599" y="3591378"/>
+            <a:ext cx="2636668" cy="2636668"/>
           </a:xfrm>
           <a:prstGeom prst="rect">
             <a:avLst/>
           </a:prstGeom>
         </p:spPr>
       </p:pic>
+      <p:cxnSp>
+        <p:nvCxnSpPr>
+          <p:cNvPr id="22" name="Straight Arrow Connector 21">
+            <a:extLst>
+              <a:ext uri="{FF2B5EF4-FFF2-40B4-BE49-F238E27FC236}">
+                <a16:creationId xmlns:a16="http://schemas.microsoft.com/office/drawing/2014/main" id="{0D97CBB8-2ED9-4E31-BF2F-EA3B099A4B43}"/>
+              </a:ext>
+            </a:extLst>
+          </p:cNvPr>
+          <p:cNvCxnSpPr>
+            <a:cxnSpLocks/>
+          </p:cNvCxnSpPr>
+          <p:nvPr/>
+        </p:nvCxnSpPr>
+        <p:spPr>
+          <a:xfrm>
+            <a:off x="3409043" y="1338200"/>
+            <a:ext cx="2105932" cy="2613285"/>
+          </a:xfrm>
+          <a:prstGeom prst="straightConnector1">
+            <a:avLst/>
+          </a:prstGeom>
+          <a:ln w="38100">
+            <a:solidFill>
+              <a:schemeClr val="accent6"/>
+            </a:solidFill>
+            <a:headEnd type="none" w="med" len="med"/>
+            <a:tailEnd type="arrow" w="med" len="med"/>
+          </a:ln>
+        </p:spPr>
+        <p:style>
+          <a:lnRef idx="1">
+            <a:schemeClr val="accent1"/>
+          </a:lnRef>
+          <a:fillRef idx="0">
+            <a:schemeClr val="accent1"/>
+          </a:fillRef>
+          <a:effectRef idx="0">
+            <a:schemeClr val="accent1"/>
+          </a:effectRef>
+          <a:fontRef idx="minor">
+            <a:schemeClr val="tx1"/>
+          </a:fontRef>
+        </p:style>
+      </p:cxnSp>
       <p:sp>
         <p:nvSpPr>
-          <p:cNvPr id="6" name="Arrow: Right 5">
+          <p:cNvPr id="20" name="&quot;Not Allowed&quot; Symbol 19">
             <a:extLst>
               <a:ext uri="{FF2B5EF4-FFF2-40B4-BE49-F238E27FC236}">
-                <a16:creationId xmlns:a16="http://schemas.microsoft.com/office/drawing/2014/main" id="{62F3F661-D739-4DBA-AE71-7B1F0A60DE50}"/>
+                <a16:creationId xmlns:a16="http://schemas.microsoft.com/office/drawing/2014/main" id="{70C22428-72AE-484C-8B39-A82F4CBB275F}"/>
               </a:ext>
             </a:extLst>
           </p:cNvPr>
@@ -6595,12 +8138,26 @@
         </p:nvSpPr>
         <p:spPr>
           <a:xfrm>
-            <a:off x="4073430" y="1654668"/>
-            <a:ext cx="978408" cy="484632"/>
+            <a:off x="5341333" y="3557511"/>
+            <a:ext cx="2743200" cy="2743200"/>
           </a:xfrm>
-          <a:prstGeom prst="rightArrow">
+          <a:prstGeom prst="noSmoking">
             <a:avLst/>
           </a:prstGeom>
+          <a:solidFill>
+            <a:schemeClr val="accent6">
+              <a:alpha val="50000"/>
+            </a:schemeClr>
+          </a:solidFill>
+          <a:ln>
+            <a:solidFill>
+              <a:schemeClr val="accent1">
+                <a:shade val="50000"/>
+                <a:hueMod val="94000"/>
+                <a:alpha val="75000"/>
+              </a:schemeClr>
+            </a:solidFill>
+          </a:ln>
         </p:spPr>
         <p:style>
           <a:lnRef idx="2">
@@ -6623,111 +8180,20 @@
           <a:lstStyle/>
           <a:p>
             <a:pPr algn="ctr"/>
-            <a:endParaRPr lang="en-US"/>
+            <a:endParaRPr lang="en-US">
+              <a:solidFill>
+                <a:schemeClr val="tx1"/>
+              </a:solidFill>
+            </a:endParaRPr>
           </a:p>
         </p:txBody>
       </p:sp>
-      <p:pic>
-        <p:nvPicPr>
-          <p:cNvPr id="7" name="Picture 6">
+      <p:sp>
+        <p:nvSpPr>
+          <p:cNvPr id="25" name="&quot;Not Allowed&quot; Symbol 24">
             <a:extLst>
               <a:ext uri="{FF2B5EF4-FFF2-40B4-BE49-F238E27FC236}">
-                <a16:creationId xmlns:a16="http://schemas.microsoft.com/office/drawing/2014/main" id="{8FB6411F-4369-4F8B-8D1E-9384FB06C2C5}"/>
-              </a:ext>
-            </a:extLst>
-          </p:cNvPr>
-          <p:cNvPicPr>
-            <a:picLocks noChangeAspect="1"/>
-          </p:cNvPicPr>
-          <p:nvPr/>
-        </p:nvPicPr>
-        <p:blipFill>
-          <a:blip r:embed="rId3"/>
-          <a:stretch>
-            <a:fillRect/>
-          </a:stretch>
-        </p:blipFill>
-        <p:spPr>
-          <a:xfrm>
-            <a:off x="5296772" y="601462"/>
-            <a:ext cx="3352800" cy="2743200"/>
-          </a:xfrm>
-          <a:prstGeom prst="rect">
-            <a:avLst/>
-          </a:prstGeom>
-        </p:spPr>
-      </p:pic>
-      <p:sp>
-        <p:nvSpPr>
-          <p:cNvPr id="9" name="TextBox 8">
-            <a:extLst>
-              <a:ext uri="{FF2B5EF4-FFF2-40B4-BE49-F238E27FC236}">
-                <a16:creationId xmlns:a16="http://schemas.microsoft.com/office/drawing/2014/main" id="{309E0672-3209-444A-88CA-5F3819614233}"/>
-              </a:ext>
-            </a:extLst>
-          </p:cNvPr>
-          <p:cNvSpPr txBox="1"/>
-          <p:nvPr/>
-        </p:nvSpPr>
-        <p:spPr>
-          <a:xfrm>
-            <a:off x="407885" y="4004978"/>
-            <a:ext cx="4907113" cy="369332"/>
-          </a:xfrm>
-          <a:prstGeom prst="rect">
-            <a:avLst/>
-          </a:prstGeom>
-          <a:noFill/>
-        </p:spPr>
-        <p:txBody>
-          <a:bodyPr wrap="none" rtlCol="0">
-            <a:spAutoFit/>
-          </a:bodyPr>
-          <a:lstStyle/>
-          <a:p>
-            <a:r>
-              <a:rPr lang="en-US" dirty="0"/>
-              <a:t>Improving irregular data through grouping</a:t>
-            </a:r>
-          </a:p>
-        </p:txBody>
-      </p:sp>
-      <p:pic>
-        <p:nvPicPr>
-          <p:cNvPr id="10" name="Picture 9">
-            <a:extLst>
-              <a:ext uri="{FF2B5EF4-FFF2-40B4-BE49-F238E27FC236}">
-                <a16:creationId xmlns:a16="http://schemas.microsoft.com/office/drawing/2014/main" id="{79E5D1B3-5804-4527-90A4-7B3F66F5E1ED}"/>
-              </a:ext>
-            </a:extLst>
-          </p:cNvPr>
-          <p:cNvPicPr>
-            <a:picLocks noChangeAspect="1"/>
-          </p:cNvPicPr>
-          <p:nvPr/>
-        </p:nvPicPr>
-        <p:blipFill>
-          <a:blip r:embed="rId4"/>
-          <a:stretch>
-            <a:fillRect/>
-          </a:stretch>
-        </p:blipFill>
-        <p:spPr>
-          <a:xfrm>
-            <a:off x="399496" y="4567928"/>
-            <a:ext cx="4907113" cy="2032238"/>
-          </a:xfrm>
-          <a:prstGeom prst="rect">
-            <a:avLst/>
-          </a:prstGeom>
-        </p:spPr>
-      </p:pic>
-      <p:sp>
-        <p:nvSpPr>
-          <p:cNvPr id="11" name="Arrow: Right 10">
-            <a:extLst>
-              <a:ext uri="{FF2B5EF4-FFF2-40B4-BE49-F238E27FC236}">
-                <a16:creationId xmlns:a16="http://schemas.microsoft.com/office/drawing/2014/main" id="{09198252-5731-4F72-BC47-32F345CDBEF9}"/>
+                <a16:creationId xmlns:a16="http://schemas.microsoft.com/office/drawing/2014/main" id="{663D606A-5AEE-4026-BA31-CABD0DE8A740}"/>
               </a:ext>
             </a:extLst>
           </p:cNvPr>
@@ -6736,12 +8202,26 @@
         </p:nvSpPr>
         <p:spPr>
           <a:xfrm>
-            <a:off x="5439389" y="5341731"/>
-            <a:ext cx="978408" cy="484632"/>
+            <a:off x="6938025" y="394963"/>
+            <a:ext cx="2743200" cy="2743200"/>
           </a:xfrm>
-          <a:prstGeom prst="rightArrow">
+          <a:prstGeom prst="noSmoking">
             <a:avLst/>
           </a:prstGeom>
+          <a:solidFill>
+            <a:schemeClr val="accent6">
+              <a:alpha val="50000"/>
+            </a:schemeClr>
+          </a:solidFill>
+          <a:ln>
+            <a:solidFill>
+              <a:schemeClr val="accent1">
+                <a:shade val="50000"/>
+                <a:hueMod val="94000"/>
+                <a:alpha val="75000"/>
+              </a:schemeClr>
+            </a:solidFill>
+          </a:ln>
         </p:spPr>
         <p:style>
           <a:lnRef idx="2">
@@ -6764,40 +8244,78 @@
           <a:lstStyle/>
           <a:p>
             <a:pPr algn="ctr"/>
-            <a:endParaRPr lang="en-US"/>
+            <a:endParaRPr lang="en-US">
+              <a:solidFill>
+                <a:schemeClr val="tx1"/>
+              </a:solidFill>
+            </a:endParaRPr>
           </a:p>
         </p:txBody>
       </p:sp>
-      <p:pic>
-        <p:nvPicPr>
-          <p:cNvPr id="12" name="Picture 11">
+      <p:sp>
+        <p:nvSpPr>
+          <p:cNvPr id="26" name="&quot;Not Allowed&quot; Symbol 25">
             <a:extLst>
               <a:ext uri="{FF2B5EF4-FFF2-40B4-BE49-F238E27FC236}">
-                <a16:creationId xmlns:a16="http://schemas.microsoft.com/office/drawing/2014/main" id="{B067BA46-0DED-4530-A016-D27D83CE3168}"/>
+                <a16:creationId xmlns:a16="http://schemas.microsoft.com/office/drawing/2014/main" id="{98014013-75CC-4AB9-BF67-071B5187B8DA}"/>
               </a:ext>
             </a:extLst>
           </p:cNvPr>
-          <p:cNvPicPr>
-            <a:picLocks noChangeAspect="1"/>
-          </p:cNvPicPr>
+          <p:cNvSpPr/>
           <p:nvPr/>
-        </p:nvPicPr>
-        <p:blipFill>
-          <a:blip r:embed="rId5"/>
-          <a:stretch>
-            <a:fillRect/>
-          </a:stretch>
-        </p:blipFill>
+        </p:nvSpPr>
         <p:spPr>
           <a:xfrm>
-            <a:off x="6550577" y="4567930"/>
-            <a:ext cx="4723197" cy="2032236"/>
+            <a:off x="798990" y="3591378"/>
+            <a:ext cx="2743200" cy="2743200"/>
           </a:xfrm>
-          <a:prstGeom prst="rect">
+          <a:prstGeom prst="noSmoking">
             <a:avLst/>
           </a:prstGeom>
+          <a:solidFill>
+            <a:schemeClr val="accent6">
+              <a:alpha val="50000"/>
+            </a:schemeClr>
+          </a:solidFill>
+          <a:ln>
+            <a:solidFill>
+              <a:schemeClr val="accent1">
+                <a:shade val="50000"/>
+                <a:hueMod val="94000"/>
+                <a:alpha val="75000"/>
+              </a:schemeClr>
+            </a:solidFill>
+          </a:ln>
         </p:spPr>
-      </p:pic>
+        <p:style>
+          <a:lnRef idx="2">
+            <a:schemeClr val="accent1">
+              <a:shade val="50000"/>
+            </a:schemeClr>
+          </a:lnRef>
+          <a:fillRef idx="1">
+            <a:schemeClr val="accent1"/>
+          </a:fillRef>
+          <a:effectRef idx="0">
+            <a:schemeClr val="accent1"/>
+          </a:effectRef>
+          <a:fontRef idx="minor">
+            <a:schemeClr val="lt1"/>
+          </a:fontRef>
+        </p:style>
+        <p:txBody>
+          <a:bodyPr rtlCol="0" anchor="ctr"/>
+          <a:lstStyle/>
+          <a:p>
+            <a:pPr algn="ctr"/>
+            <a:endParaRPr lang="en-US">
+              <a:solidFill>
+                <a:schemeClr val="tx1"/>
+              </a:solidFill>
+            </a:endParaRPr>
+          </a:p>
+        </p:txBody>
+      </p:sp>
     </p:spTree>
     <p:extLst>
       <p:ext uri="{BB962C8B-B14F-4D97-AF65-F5344CB8AC3E}">
@@ -6844,9 +8362,9 @@
                             </p:stCondLst>
                             <p:childTnLst>
                               <p:par>
-                                <p:cTn id="5" presetID="16" presetClass="entr" presetSubtype="21" fill="hold" nodeType="afterEffect">
+                                <p:cTn id="5" presetID="42" presetClass="entr" presetSubtype="0" fill="hold" nodeType="afterEffect">
                                   <p:stCondLst>
-                                    <p:cond delay="500"/>
+                                    <p:cond delay="0"/>
                                   </p:stCondLst>
                                   <p:childTnLst>
                                     <p:set>
@@ -6857,7 +8375,7 @@
                                           </p:stCondLst>
                                         </p:cTn>
                                         <p:tgtEl>
-                                          <p:spTgt spid="5"/>
+                                          <p:spTgt spid="27"/>
                                         </p:tgtEl>
                                         <p:attrNameLst>
                                           <p:attrName>style.visibility</p:attrName>
@@ -6867,11 +8385,136 @@
                                         <p:strVal val="visible"/>
                                       </p:to>
                                     </p:set>
-                                    <p:animEffect transition="in" filter="barn(inVertical)">
-                                      <p:cBhvr>
-                                        <p:cTn id="7" dur="500"/>
-                                        <p:tgtEl>
-                                          <p:spTgt spid="5"/>
+                                    <p:animEffect transition="in" filter="fade">
+                                      <p:cBhvr>
+                                        <p:cTn id="7" dur="1500"/>
+                                        <p:tgtEl>
+                                          <p:spTgt spid="27"/>
+                                        </p:tgtEl>
+                                      </p:cBhvr>
+                                    </p:animEffect>
+                                    <p:anim calcmode="lin" valueType="num">
+                                      <p:cBhvr>
+                                        <p:cTn id="8" dur="1500" fill="hold"/>
+                                        <p:tgtEl>
+                                          <p:spTgt spid="27"/>
+                                        </p:tgtEl>
+                                        <p:attrNameLst>
+                                          <p:attrName>ppt_x</p:attrName>
+                                        </p:attrNameLst>
+                                      </p:cBhvr>
+                                      <p:tavLst>
+                                        <p:tav tm="0">
+                                          <p:val>
+                                            <p:strVal val="#ppt_x"/>
+                                          </p:val>
+                                        </p:tav>
+                                        <p:tav tm="100000">
+                                          <p:val>
+                                            <p:strVal val="#ppt_x"/>
+                                          </p:val>
+                                        </p:tav>
+                                      </p:tavLst>
+                                    </p:anim>
+                                    <p:anim calcmode="lin" valueType="num">
+                                      <p:cBhvr>
+                                        <p:cTn id="9" dur="1500" fill="hold"/>
+                                        <p:tgtEl>
+                                          <p:spTgt spid="27"/>
+                                        </p:tgtEl>
+                                        <p:attrNameLst>
+                                          <p:attrName>ppt_y</p:attrName>
+                                        </p:attrNameLst>
+                                      </p:cBhvr>
+                                      <p:tavLst>
+                                        <p:tav tm="0">
+                                          <p:val>
+                                            <p:strVal val="#ppt_y+.1"/>
+                                          </p:val>
+                                        </p:tav>
+                                        <p:tav tm="100000">
+                                          <p:val>
+                                            <p:strVal val="#ppt_y"/>
+                                          </p:val>
+                                        </p:tav>
+                                      </p:tavLst>
+                                    </p:anim>
+                                  </p:childTnLst>
+                                </p:cTn>
+                              </p:par>
+                            </p:childTnLst>
+                          </p:cTn>
+                        </p:par>
+                        <p:par>
+                          <p:cTn id="10" fill="hold">
+                            <p:stCondLst>
+                              <p:cond delay="1500"/>
+                            </p:stCondLst>
+                            <p:childTnLst>
+                              <p:par>
+                                <p:cTn id="11" presetID="22" presetClass="entr" presetSubtype="1" fill="hold" nodeType="afterEffect">
+                                  <p:stCondLst>
+                                    <p:cond delay="1000"/>
+                                  </p:stCondLst>
+                                  <p:childTnLst>
+                                    <p:set>
+                                      <p:cBhvr>
+                                        <p:cTn id="12" dur="1" fill="hold">
+                                          <p:stCondLst>
+                                            <p:cond delay="0"/>
+                                          </p:stCondLst>
+                                        </p:cTn>
+                                        <p:tgtEl>
+                                          <p:spTgt spid="15"/>
+                                        </p:tgtEl>
+                                        <p:attrNameLst>
+                                          <p:attrName>style.visibility</p:attrName>
+                                        </p:attrNameLst>
+                                      </p:cBhvr>
+                                      <p:to>
+                                        <p:strVal val="visible"/>
+                                      </p:to>
+                                    </p:set>
+                                    <p:animEffect transition="in" filter="wipe(up)">
+                                      <p:cBhvr>
+                                        <p:cTn id="13" dur="750"/>
+                                        <p:tgtEl>
+                                          <p:spTgt spid="15"/>
+                                        </p:tgtEl>
+                                      </p:cBhvr>
+                                    </p:animEffect>
+                                  </p:childTnLst>
+                                </p:cTn>
+                              </p:par>
+                              <p:par>
+                                <p:cTn id="14" presetID="22" presetClass="entr" presetSubtype="1" fill="hold" nodeType="withEffect">
+                                  <p:stCondLst>
+                                    <p:cond delay="1000"/>
+                                  </p:stCondLst>
+                                  <p:childTnLst>
+                                    <p:set>
+                                      <p:cBhvr>
+                                        <p:cTn id="15" dur="1" fill="hold">
+                                          <p:stCondLst>
+                                            <p:cond delay="0"/>
+                                          </p:stCondLst>
+                                        </p:cTn>
+                                        <p:tgtEl>
+                                          <p:spTgt spid="13"/>
+                                        </p:tgtEl>
+                                        <p:attrNameLst>
+                                          <p:attrName>style.visibility</p:attrName>
+                                        </p:attrNameLst>
+                                      </p:cBhvr>
+                                      <p:to>
+                                        <p:strVal val="visible"/>
+                                      </p:to>
+                                    </p:set>
+                                    <p:animEffect transition="in" filter="wipe(up)">
+                                      <p:cBhvr>
+                                        <p:cTn id="16" dur="750"/>
+                                        <p:tgtEl>
+                                          <p:spTgt spid="13"/>
                                         </p:tgtEl>
                                       </p:cBhvr>
                                     </p:animEffect>
@@ -6882,26 +8525,26 @@
                           </p:cTn>
                         </p:par>
                         <p:par>
-                          <p:cTn id="8" fill="hold">
+                          <p:cTn id="17" fill="hold">
                             <p:stCondLst>
-                              <p:cond delay="1000"/>
+                              <p:cond delay="3250"/>
                             </p:stCondLst>
                             <p:childTnLst>
                               <p:par>
-                                <p:cTn id="9" presetID="22" presetClass="entr" presetSubtype="8" fill="hold" grpId="0" nodeType="afterEffect">
+                                <p:cTn id="18" presetID="42" presetClass="entr" presetSubtype="0" fill="hold" nodeType="afterEffect">
                                   <p:stCondLst>
-                                    <p:cond delay="500"/>
+                                    <p:cond delay="250"/>
                                   </p:stCondLst>
                                   <p:childTnLst>
                                     <p:set>
                                       <p:cBhvr>
-                                        <p:cTn id="10" dur="1" fill="hold">
+                                        <p:cTn id="19" dur="1" fill="hold">
                                           <p:stCondLst>
                                             <p:cond delay="0"/>
                                           </p:stCondLst>
                                         </p:cTn>
                                         <p:tgtEl>
-                                          <p:spTgt spid="6"/>
+                                          <p:spTgt spid="1028"/>
                                         </p:tgtEl>
                                         <p:attrNameLst>
                                           <p:attrName>style.visibility</p:attrName>
@@ -6911,11 +8554,191 @@
                                         <p:strVal val="visible"/>
                                       </p:to>
                                     </p:set>
-                                    <p:animEffect transition="in" filter="wipe(left)">
-                                      <p:cBhvr>
-                                        <p:cTn id="11" dur="500"/>
-                                        <p:tgtEl>
-                                          <p:spTgt spid="6"/>
+                                    <p:animEffect transition="in" filter="fade">
+                                      <p:cBhvr>
+                                        <p:cTn id="20" dur="1000"/>
+                                        <p:tgtEl>
+                                          <p:spTgt spid="1028"/>
+                                        </p:tgtEl>
+                                      </p:cBhvr>
+                                    </p:animEffect>
+                                    <p:anim calcmode="lin" valueType="num">
+                                      <p:cBhvr>
+                                        <p:cTn id="21" dur="1000" fill="hold"/>
+                                        <p:tgtEl>
+                                          <p:spTgt spid="1028"/>
+                                        </p:tgtEl>
+                                        <p:attrNameLst>
+                                          <p:attrName>ppt_x</p:attrName>
+                                        </p:attrNameLst>
+                                      </p:cBhvr>
+                                      <p:tavLst>
+                                        <p:tav tm="0">
+                                          <p:val>
+                                            <p:strVal val="#ppt_x"/>
+                                          </p:val>
+                                        </p:tav>
+                                        <p:tav tm="100000">
+                                          <p:val>
+                                            <p:strVal val="#ppt_x"/>
+                                          </p:val>
+                                        </p:tav>
+                                      </p:tavLst>
+                                    </p:anim>
+                                    <p:anim calcmode="lin" valueType="num">
+                                      <p:cBhvr>
+                                        <p:cTn id="22" dur="1000" fill="hold"/>
+                                        <p:tgtEl>
+                                          <p:spTgt spid="1028"/>
+                                        </p:tgtEl>
+                                        <p:attrNameLst>
+                                          <p:attrName>ppt_y</p:attrName>
+                                        </p:attrNameLst>
+                                      </p:cBhvr>
+                                      <p:tavLst>
+                                        <p:tav tm="0">
+                                          <p:val>
+                                            <p:strVal val="#ppt_y+.1"/>
+                                          </p:val>
+                                        </p:tav>
+                                        <p:tav tm="100000">
+                                          <p:val>
+                                            <p:strVal val="#ppt_y"/>
+                                          </p:val>
+                                        </p:tav>
+                                      </p:tavLst>
+                                    </p:anim>
+                                  </p:childTnLst>
+                                </p:cTn>
+                              </p:par>
+                            </p:childTnLst>
+                          </p:cTn>
+                        </p:par>
+                        <p:par>
+                          <p:cTn id="23" fill="hold">
+                            <p:stCondLst>
+                              <p:cond delay="4500"/>
+                            </p:stCondLst>
+                            <p:childTnLst>
+                              <p:par>
+                                <p:cTn id="24" presetID="42" presetClass="entr" presetSubtype="0" fill="hold" nodeType="afterEffect">
+                                  <p:stCondLst>
+                                    <p:cond delay="250"/>
+                                  </p:stCondLst>
+                                  <p:childTnLst>
+                                    <p:set>
+                                      <p:cBhvr>
+                                        <p:cTn id="25" dur="1" fill="hold">
+                                          <p:stCondLst>
+                                            <p:cond delay="0"/>
+                                          </p:stCondLst>
+                                        </p:cTn>
+                                        <p:tgtEl>
+                                          <p:spTgt spid="1030"/>
+                                        </p:tgtEl>
+                                        <p:attrNameLst>
+                                          <p:attrName>style.visibility</p:attrName>
+                                        </p:attrNameLst>
+                                      </p:cBhvr>
+                                      <p:to>
+                                        <p:strVal val="visible"/>
+                                      </p:to>
+                                    </p:set>
+                                    <p:animEffect transition="in" filter="fade">
+                                      <p:cBhvr>
+                                        <p:cTn id="26" dur="1000"/>
+                                        <p:tgtEl>
+                                          <p:spTgt spid="1030"/>
+                                        </p:tgtEl>
+                                      </p:cBhvr>
+                                    </p:animEffect>
+                                    <p:anim calcmode="lin" valueType="num">
+                                      <p:cBhvr>
+                                        <p:cTn id="27" dur="1000" fill="hold"/>
+                                        <p:tgtEl>
+                                          <p:spTgt spid="1030"/>
+                                        </p:tgtEl>
+                                        <p:attrNameLst>
+                                          <p:attrName>ppt_x</p:attrName>
+                                        </p:attrNameLst>
+                                      </p:cBhvr>
+                                      <p:tavLst>
+                                        <p:tav tm="0">
+                                          <p:val>
+                                            <p:strVal val="#ppt_x"/>
+                                          </p:val>
+                                        </p:tav>
+                                        <p:tav tm="100000">
+                                          <p:val>
+                                            <p:strVal val="#ppt_x"/>
+                                          </p:val>
+                                        </p:tav>
+                                      </p:tavLst>
+                                    </p:anim>
+                                    <p:anim calcmode="lin" valueType="num">
+                                      <p:cBhvr>
+                                        <p:cTn id="28" dur="1000" fill="hold"/>
+                                        <p:tgtEl>
+                                          <p:spTgt spid="1030"/>
+                                        </p:tgtEl>
+                                        <p:attrNameLst>
+                                          <p:attrName>ppt_y</p:attrName>
+                                        </p:attrNameLst>
+                                      </p:cBhvr>
+                                      <p:tavLst>
+                                        <p:tav tm="0">
+                                          <p:val>
+                                            <p:strVal val="#ppt_y+.1"/>
+                                          </p:val>
+                                        </p:tav>
+                                        <p:tav tm="100000">
+                                          <p:val>
+                                            <p:strVal val="#ppt_y"/>
+                                          </p:val>
+                                        </p:tav>
+                                      </p:tavLst>
+                                    </p:anim>
+                                  </p:childTnLst>
+                                </p:cTn>
+                              </p:par>
+                            </p:childTnLst>
+                          </p:cTn>
+                        </p:par>
+                        <p:par>
+                          <p:cTn id="29" fill="hold">
+                            <p:stCondLst>
+                              <p:cond delay="5750"/>
+                            </p:stCondLst>
+                            <p:childTnLst>
+                              <p:par>
+                                <p:cTn id="30" presetID="22" presetClass="entr" presetSubtype="1" fill="hold" nodeType="afterEffect">
+                                  <p:stCondLst>
+                                    <p:cond delay="1000"/>
+                                  </p:stCondLst>
+                                  <p:childTnLst>
+                                    <p:set>
+                                      <p:cBhvr>
+                                        <p:cTn id="31" dur="1" fill="hold">
+                                          <p:stCondLst>
+                                            <p:cond delay="0"/>
+                                          </p:stCondLst>
+                                        </p:cTn>
+                                        <p:tgtEl>
+                                          <p:spTgt spid="22"/>
+                                        </p:tgtEl>
+                                        <p:attrNameLst>
+                                          <p:attrName>style.visibility</p:attrName>
+                                        </p:attrNameLst>
+                                      </p:cBhvr>
+                                      <p:to>
+                                        <p:strVal val="visible"/>
+                                      </p:to>
+                                    </p:set>
+                                    <p:animEffect transition="in" filter="wipe(up)">
+                                      <p:cBhvr>
+                                        <p:cTn id="32" dur="750"/>
+                                        <p:tgtEl>
+                                          <p:spTgt spid="22"/>
                                         </p:tgtEl>
                                       </p:cBhvr>
                                     </p:animEffect>
@@ -6926,26 +8749,26 @@
                           </p:cTn>
                         </p:par>
                         <p:par>
-                          <p:cTn id="12" fill="hold">
+                          <p:cTn id="33" fill="hold">
                             <p:stCondLst>
-                              <p:cond delay="2000"/>
+                              <p:cond delay="7500"/>
                             </p:stCondLst>
                             <p:childTnLst>
                               <p:par>
-                                <p:cTn id="13" presetID="16" presetClass="entr" presetSubtype="21" fill="hold" nodeType="afterEffect">
+                                <p:cTn id="34" presetID="6" presetClass="entr" presetSubtype="32" fill="hold" nodeType="afterEffect">
                                   <p:stCondLst>
-                                    <p:cond delay="500"/>
+                                    <p:cond delay="250"/>
                                   </p:stCondLst>
                                   <p:childTnLst>
                                     <p:set>
                                       <p:cBhvr>
-                                        <p:cTn id="14" dur="1" fill="hold">
+                                        <p:cTn id="35" dur="1" fill="hold">
                                           <p:stCondLst>
                                             <p:cond delay="0"/>
                                           </p:stCondLst>
                                         </p:cTn>
                                         <p:tgtEl>
-                                          <p:spTgt spid="7"/>
+                                          <p:spTgt spid="18"/>
                                         </p:tgtEl>
                                         <p:attrNameLst>
                                           <p:attrName>style.visibility</p:attrName>
@@ -6955,11 +8778,11 @@
                                         <p:strVal val="visible"/>
                                       </p:to>
                                     </p:set>
-                                    <p:animEffect transition="in" filter="barn(inVertical)">
-                                      <p:cBhvr>
-                                        <p:cTn id="15" dur="500"/>
-                                        <p:tgtEl>
-                                          <p:spTgt spid="7"/>
+                                    <p:animEffect transition="in" filter="circle(out)">
+                                      <p:cBhvr>
+                                        <p:cTn id="36" dur="2000"/>
+                                        <p:tgtEl>
+                                          <p:spTgt spid="18"/>
                                         </p:tgtEl>
                                       </p:cBhvr>
                                     </p:animEffect>
@@ -6970,26 +8793,26 @@
                           </p:cTn>
                         </p:par>
                         <p:par>
-                          <p:cTn id="16" fill="hold">
+                          <p:cTn id="37" fill="hold">
                             <p:stCondLst>
-                              <p:cond delay="3000"/>
+                              <p:cond delay="9750"/>
                             </p:stCondLst>
                             <p:childTnLst>
                               <p:par>
-                                <p:cTn id="17" presetID="16" presetClass="entr" presetSubtype="37" fill="hold" nodeType="afterEffect">
+                                <p:cTn id="38" presetID="31" presetClass="entr" presetSubtype="0" fill="hold" grpId="0" nodeType="afterEffect">
                                   <p:stCondLst>
-                                    <p:cond delay="500"/>
+                                    <p:cond delay="1500"/>
                                   </p:stCondLst>
                                   <p:childTnLst>
                                     <p:set>
                                       <p:cBhvr>
-                                        <p:cTn id="18" dur="1" fill="hold">
+                                        <p:cTn id="39" dur="1" fill="hold">
                                           <p:stCondLst>
                                             <p:cond delay="0"/>
                                           </p:stCondLst>
                                         </p:cTn>
                                         <p:tgtEl>
-                                          <p:spTgt spid="10"/>
+                                          <p:spTgt spid="26"/>
                                         </p:tgtEl>
                                         <p:attrNameLst>
                                           <p:attrName>style.visibility</p:attrName>
@@ -6999,41 +8822,101 @@
                                         <p:strVal val="visible"/>
                                       </p:to>
                                     </p:set>
-                                    <p:animEffect transition="in" filter="barn(outVertical)">
-                                      <p:cBhvr>
-                                        <p:cTn id="19" dur="500"/>
-                                        <p:tgtEl>
-                                          <p:spTgt spid="10"/>
+                                    <p:anim calcmode="lin" valueType="num">
+                                      <p:cBhvr>
+                                        <p:cTn id="40" dur="2000" fill="hold"/>
+                                        <p:tgtEl>
+                                          <p:spTgt spid="26"/>
+                                        </p:tgtEl>
+                                        <p:attrNameLst>
+                                          <p:attrName>ppt_w</p:attrName>
+                                        </p:attrNameLst>
+                                      </p:cBhvr>
+                                      <p:tavLst>
+                                        <p:tav tm="0">
+                                          <p:val>
+                                            <p:fltVal val="0"/>
+                                          </p:val>
+                                        </p:tav>
+                                        <p:tav tm="100000">
+                                          <p:val>
+                                            <p:strVal val="#ppt_w"/>
+                                          </p:val>
+                                        </p:tav>
+                                      </p:tavLst>
+                                    </p:anim>
+                                    <p:anim calcmode="lin" valueType="num">
+                                      <p:cBhvr>
+                                        <p:cTn id="41" dur="2000" fill="hold"/>
+                                        <p:tgtEl>
+                                          <p:spTgt spid="26"/>
+                                        </p:tgtEl>
+                                        <p:attrNameLst>
+                                          <p:attrName>ppt_h</p:attrName>
+                                        </p:attrNameLst>
+                                      </p:cBhvr>
+                                      <p:tavLst>
+                                        <p:tav tm="0">
+                                          <p:val>
+                                            <p:fltVal val="0"/>
+                                          </p:val>
+                                        </p:tav>
+                                        <p:tav tm="100000">
+                                          <p:val>
+                                            <p:strVal val="#ppt_h"/>
+                                          </p:val>
+                                        </p:tav>
+                                      </p:tavLst>
+                                    </p:anim>
+                                    <p:anim calcmode="lin" valueType="num">
+                                      <p:cBhvr>
+                                        <p:cTn id="42" dur="2000" fill="hold"/>
+                                        <p:tgtEl>
+                                          <p:spTgt spid="26"/>
+                                        </p:tgtEl>
+                                        <p:attrNameLst>
+                                          <p:attrName>style.rotation</p:attrName>
+                                        </p:attrNameLst>
+                                      </p:cBhvr>
+                                      <p:tavLst>
+                                        <p:tav tm="0">
+                                          <p:val>
+                                            <p:fltVal val="90"/>
+                                          </p:val>
+                                        </p:tav>
+                                        <p:tav tm="100000">
+                                          <p:val>
+                                            <p:fltVal val="0"/>
+                                          </p:val>
+                                        </p:tav>
+                                      </p:tavLst>
+                                    </p:anim>
+                                    <p:animEffect transition="in" filter="fade">
+                                      <p:cBhvr>
+                                        <p:cTn id="43" dur="2000"/>
+                                        <p:tgtEl>
+                                          <p:spTgt spid="26"/>
                                         </p:tgtEl>
                                       </p:cBhvr>
                                     </p:animEffect>
                                   </p:childTnLst>
                                 </p:cTn>
                               </p:par>
-                            </p:childTnLst>
-                          </p:cTn>
-                        </p:par>
-                        <p:par>
-                          <p:cTn id="20" fill="hold">
-                            <p:stCondLst>
-                              <p:cond delay="4000"/>
-                            </p:stCondLst>
-                            <p:childTnLst>
                               <p:par>
-                                <p:cTn id="21" presetID="22" presetClass="entr" presetSubtype="8" fill="hold" grpId="0" nodeType="afterEffect">
+                                <p:cTn id="44" presetID="31" presetClass="entr" presetSubtype="0" fill="hold" grpId="0" nodeType="withEffect">
                                   <p:stCondLst>
-                                    <p:cond delay="500"/>
+                                    <p:cond delay="1500"/>
                                   </p:stCondLst>
                                   <p:childTnLst>
                                     <p:set>
                                       <p:cBhvr>
-                                        <p:cTn id="22" dur="1" fill="hold">
+                                        <p:cTn id="45" dur="1" fill="hold">
                                           <p:stCondLst>
                                             <p:cond delay="0"/>
                                           </p:stCondLst>
                                         </p:cTn>
                                         <p:tgtEl>
-                                          <p:spTgt spid="11"/>
+                                          <p:spTgt spid="20"/>
                                         </p:tgtEl>
                                         <p:attrNameLst>
                                           <p:attrName>style.visibility</p:attrName>
@@ -7043,41 +8926,101 @@
                                         <p:strVal val="visible"/>
                                       </p:to>
                                     </p:set>
-                                    <p:animEffect transition="in" filter="wipe(left)">
-                                      <p:cBhvr>
-                                        <p:cTn id="23" dur="500"/>
-                                        <p:tgtEl>
-                                          <p:spTgt spid="11"/>
+                                    <p:anim calcmode="lin" valueType="num">
+                                      <p:cBhvr>
+                                        <p:cTn id="46" dur="2000" fill="hold"/>
+                                        <p:tgtEl>
+                                          <p:spTgt spid="20"/>
+                                        </p:tgtEl>
+                                        <p:attrNameLst>
+                                          <p:attrName>ppt_w</p:attrName>
+                                        </p:attrNameLst>
+                                      </p:cBhvr>
+                                      <p:tavLst>
+                                        <p:tav tm="0">
+                                          <p:val>
+                                            <p:fltVal val="0"/>
+                                          </p:val>
+                                        </p:tav>
+                                        <p:tav tm="100000">
+                                          <p:val>
+                                            <p:strVal val="#ppt_w"/>
+                                          </p:val>
+                                        </p:tav>
+                                      </p:tavLst>
+                                    </p:anim>
+                                    <p:anim calcmode="lin" valueType="num">
+                                      <p:cBhvr>
+                                        <p:cTn id="47" dur="2000" fill="hold"/>
+                                        <p:tgtEl>
+                                          <p:spTgt spid="20"/>
+                                        </p:tgtEl>
+                                        <p:attrNameLst>
+                                          <p:attrName>ppt_h</p:attrName>
+                                        </p:attrNameLst>
+                                      </p:cBhvr>
+                                      <p:tavLst>
+                                        <p:tav tm="0">
+                                          <p:val>
+                                            <p:fltVal val="0"/>
+                                          </p:val>
+                                        </p:tav>
+                                        <p:tav tm="100000">
+                                          <p:val>
+                                            <p:strVal val="#ppt_h"/>
+                                          </p:val>
+                                        </p:tav>
+                                      </p:tavLst>
+                                    </p:anim>
+                                    <p:anim calcmode="lin" valueType="num">
+                                      <p:cBhvr>
+                                        <p:cTn id="48" dur="2000" fill="hold"/>
+                                        <p:tgtEl>
+                                          <p:spTgt spid="20"/>
+                                        </p:tgtEl>
+                                        <p:attrNameLst>
+                                          <p:attrName>style.rotation</p:attrName>
+                                        </p:attrNameLst>
+                                      </p:cBhvr>
+                                      <p:tavLst>
+                                        <p:tav tm="0">
+                                          <p:val>
+                                            <p:fltVal val="90"/>
+                                          </p:val>
+                                        </p:tav>
+                                        <p:tav tm="100000">
+                                          <p:val>
+                                            <p:fltVal val="0"/>
+                                          </p:val>
+                                        </p:tav>
+                                      </p:tavLst>
+                                    </p:anim>
+                                    <p:animEffect transition="in" filter="fade">
+                                      <p:cBhvr>
+                                        <p:cTn id="49" dur="2000"/>
+                                        <p:tgtEl>
+                                          <p:spTgt spid="20"/>
                                         </p:tgtEl>
                                       </p:cBhvr>
                                     </p:animEffect>
                                   </p:childTnLst>
                                 </p:cTn>
                               </p:par>
-                            </p:childTnLst>
-                          </p:cTn>
-                        </p:par>
-                        <p:par>
-                          <p:cTn id="24" fill="hold">
-                            <p:stCondLst>
-                              <p:cond delay="5000"/>
-                            </p:stCondLst>
-                            <p:childTnLst>
                               <p:par>
-                                <p:cTn id="25" presetID="16" presetClass="entr" presetSubtype="37" fill="hold" nodeType="afterEffect">
+                                <p:cTn id="50" presetID="31" presetClass="entr" presetSubtype="0" fill="hold" grpId="0" nodeType="withEffect">
                                   <p:stCondLst>
-                                    <p:cond delay="500"/>
+                                    <p:cond delay="1500"/>
                                   </p:stCondLst>
                                   <p:childTnLst>
                                     <p:set>
                                       <p:cBhvr>
-                                        <p:cTn id="26" dur="1" fill="hold">
+                                        <p:cTn id="51" dur="1" fill="hold">
                                           <p:stCondLst>
                                             <p:cond delay="0"/>
                                           </p:stCondLst>
                                         </p:cTn>
                                         <p:tgtEl>
-                                          <p:spTgt spid="12"/>
+                                          <p:spTgt spid="25"/>
                                         </p:tgtEl>
                                         <p:attrNameLst>
                                           <p:attrName>style.visibility</p:attrName>
@@ -7087,11 +9030,80 @@
                                         <p:strVal val="visible"/>
                                       </p:to>
                                     </p:set>
-                                    <p:animEffect transition="in" filter="barn(outVertical)">
-                                      <p:cBhvr>
-                                        <p:cTn id="27" dur="500"/>
-                                        <p:tgtEl>
-                                          <p:spTgt spid="12"/>
+                                    <p:anim calcmode="lin" valueType="num">
+                                      <p:cBhvr>
+                                        <p:cTn id="52" dur="2000" fill="hold"/>
+                                        <p:tgtEl>
+                                          <p:spTgt spid="25"/>
+                                        </p:tgtEl>
+                                        <p:attrNameLst>
+                                          <p:attrName>ppt_w</p:attrName>
+                                        </p:attrNameLst>
+                                      </p:cBhvr>
+                                      <p:tavLst>
+                                        <p:tav tm="0">
+                                          <p:val>
+                                            <p:fltVal val="0"/>
+                                          </p:val>
+                                        </p:tav>
+                                        <p:tav tm="100000">
+                                          <p:val>
+                                            <p:strVal val="#ppt_w"/>
+                                          </p:val>
+                                        </p:tav>
+                                      </p:tavLst>
+                                    </p:anim>
+                                    <p:anim calcmode="lin" valueType="num">
+                                      <p:cBhvr>
+                                        <p:cTn id="53" dur="2000" fill="hold"/>
+                                        <p:tgtEl>
+                                          <p:spTgt spid="25"/>
+                                        </p:tgtEl>
+                                        <p:attrNameLst>
+                                          <p:attrName>ppt_h</p:attrName>
+                                        </p:attrNameLst>
+                                      </p:cBhvr>
+                                      <p:tavLst>
+                                        <p:tav tm="0">
+                                          <p:val>
+                                            <p:fltVal val="0"/>
+                                          </p:val>
+                                        </p:tav>
+                                        <p:tav tm="100000">
+                                          <p:val>
+                                            <p:strVal val="#ppt_h"/>
+                                          </p:val>
+                                        </p:tav>
+                                      </p:tavLst>
+                                    </p:anim>
+                                    <p:anim calcmode="lin" valueType="num">
+                                      <p:cBhvr>
+                                        <p:cTn id="54" dur="2000" fill="hold"/>
+                                        <p:tgtEl>
+                                          <p:spTgt spid="25"/>
+                                        </p:tgtEl>
+                                        <p:attrNameLst>
+                                          <p:attrName>style.rotation</p:attrName>
+                                        </p:attrNameLst>
+                                      </p:cBhvr>
+                                      <p:tavLst>
+                                        <p:tav tm="0">
+                                          <p:val>
+                                            <p:fltVal val="90"/>
+                                          </p:val>
+                                        </p:tav>
+                                        <p:tav tm="100000">
+                                          <p:val>
+                                            <p:fltVal val="0"/>
+                                          </p:val>
+                                        </p:tav>
+                                      </p:tavLst>
+                                    </p:anim>
+                                    <p:animEffect transition="in" filter="fade">
+                                      <p:cBhvr>
+                                        <p:cTn id="55" dur="2000"/>
+                                        <p:tgtEl>
+                                          <p:spTgt spid="25"/>
                                         </p:tgtEl>
                                       </p:cBhvr>
                                     </p:animEffect>
@@ -7126,8 +9138,9 @@
       </p:par>
     </p:tnLst>
     <p:bldLst>
-      <p:bldP spid="6" grpId="0" animBg="1"/>
-      <p:bldP spid="11" grpId="0" animBg="1"/>
+      <p:bldP spid="20" grpId="0" animBg="1"/>
+      <p:bldP spid="25" grpId="0" animBg="1"/>
+      <p:bldP spid="26" grpId="0" animBg="1"/>
     </p:bldLst>
   </p:timing>
 </p:sld>
@@ -7173,7 +9186,9 @@
           </a:xfrm>
         </p:spPr>
         <p:txBody>
-          <a:bodyPr/>
+          <a:bodyPr>
+            <a:normAutofit fontScale="90000"/>
+          </a:bodyPr>
           <a:lstStyle/>
           <a:p>
             <a:pPr algn="ctr"/>
@@ -7181,173 +9196,144 @@
               <a:rPr lang="en-US" dirty="0"/>
               <a:t>Exploring the Data</a:t>
             </a:r>
+            <a:br>
+              <a:rPr lang="en-US" dirty="0"/>
+            </a:br>
+            <a:r>
+              <a:rPr lang="en-US" sz="2700" dirty="0"/>
+              <a:t>Making Connections</a:t>
+            </a:r>
+            <a:endParaRPr lang="en-US" dirty="0"/>
           </a:p>
         </p:txBody>
       </p:sp>
-      <p:pic>
-        <p:nvPicPr>
-          <p:cNvPr id="1026" name="Picture 2">
+      <p:grpSp>
+        <p:nvGrpSpPr>
+          <p:cNvPr id="9" name="Group 8">
             <a:extLst>
               <a:ext uri="{FF2B5EF4-FFF2-40B4-BE49-F238E27FC236}">
-                <a16:creationId xmlns:a16="http://schemas.microsoft.com/office/drawing/2014/main" id="{176EBA00-8615-4DA4-966A-E0AF116E299B}"/>
+                <a16:creationId xmlns:a16="http://schemas.microsoft.com/office/drawing/2014/main" id="{10A7A27D-415B-45D8-AE16-7EDBCE3A2263}"/>
               </a:ext>
             </a:extLst>
           </p:cNvPr>
-          <p:cNvPicPr>
-            <a:picLocks noChangeAspect="1" noChangeArrowheads="1"/>
-          </p:cNvPicPr>
+          <p:cNvGrpSpPr/>
           <p:nvPr/>
-        </p:nvPicPr>
-        <p:blipFill>
-          <a:blip r:embed="rId2">
-            <a:extLst>
-              <a:ext uri="{28A0092B-C50C-407E-A947-70E740481C1C}">
-                <a14:useLocalDpi xmlns:a14="http://schemas.microsoft.com/office/drawing/2010/main" val="0"/>
-              </a:ext>
-            </a:extLst>
-          </a:blip>
-          <a:srcRect/>
-          <a:stretch>
-            <a:fillRect/>
-          </a:stretch>
-        </p:blipFill>
-        <p:spPr bwMode="auto">
+        </p:nvGrpSpPr>
+        <p:grpSpPr>
           <a:xfrm>
-            <a:off x="0" y="925249"/>
-            <a:ext cx="3872567" cy="4031202"/>
+            <a:off x="3368284" y="1599055"/>
+            <a:ext cx="8823716" cy="3921652"/>
+            <a:chOff x="1684141" y="1468174"/>
+            <a:chExt cx="8823716" cy="3921652"/>
           </a:xfrm>
-          <a:prstGeom prst="rect">
-            <a:avLst/>
-          </a:prstGeom>
-          <a:ln>
+        </p:grpSpPr>
+        <p:pic>
+          <p:nvPicPr>
+            <p:cNvPr id="6" name="Picture 5">
+              <a:extLst>
+                <a:ext uri="{FF2B5EF4-FFF2-40B4-BE49-F238E27FC236}">
+                  <a16:creationId xmlns:a16="http://schemas.microsoft.com/office/drawing/2014/main" id="{29FCA106-40BB-4B7E-A11A-FB8B41FD67F3}"/>
+                </a:ext>
+              </a:extLst>
+            </p:cNvPr>
+            <p:cNvPicPr>
+              <a:picLocks noChangeAspect="1"/>
+            </p:cNvPicPr>
+            <p:nvPr/>
+          </p:nvPicPr>
+          <p:blipFill>
+            <a:blip r:embed="rId2"/>
+            <a:stretch>
+              <a:fillRect/>
+            </a:stretch>
+          </p:blipFill>
+          <p:spPr>
+            <a:xfrm>
+              <a:off x="1684141" y="1468174"/>
+              <a:ext cx="8823716" cy="3921652"/>
+            </a:xfrm>
+            <a:prstGeom prst="rect">
+              <a:avLst/>
+            </a:prstGeom>
+          </p:spPr>
+        </p:pic>
+        <p:sp>
+          <p:nvSpPr>
+            <p:cNvPr id="7" name="TextBox 6">
+              <a:extLst>
+                <a:ext uri="{FF2B5EF4-FFF2-40B4-BE49-F238E27FC236}">
+                  <a16:creationId xmlns:a16="http://schemas.microsoft.com/office/drawing/2014/main" id="{5BBAF497-455A-42EF-8088-C53764A2AC21}"/>
+                </a:ext>
+              </a:extLst>
+            </p:cNvPr>
+            <p:cNvSpPr txBox="1"/>
+            <p:nvPr/>
+          </p:nvSpPr>
+          <p:spPr>
+            <a:xfrm>
+              <a:off x="5080034" y="3346881"/>
+              <a:ext cx="1220206" cy="369332"/>
+            </a:xfrm>
+            <a:prstGeom prst="rect">
+              <a:avLst/>
+            </a:prstGeom>
             <a:noFill/>
-          </a:ln>
-          <a:effectLst>
-            <a:outerShdw blurRad="190500" algn="tl" rotWithShape="0">
-              <a:srgbClr val="000000">
-                <a:alpha val="70000"/>
-              </a:srgbClr>
-            </a:outerShdw>
-          </a:effectLst>
-          <a:extLst>
-            <a:ext uri="{909E8E84-426E-40DD-AFC4-6F175D3DCCD1}">
-              <a14:hiddenFill xmlns:a14="http://schemas.microsoft.com/office/drawing/2010/main">
-                <a:solidFill>
-                  <a:srgbClr val="FFFFFF"/>
-                </a:solidFill>
-              </a14:hiddenFill>
-            </a:ext>
-          </a:extLst>
-        </p:spPr>
-      </p:pic>
+          </p:spPr>
+          <p:txBody>
+            <a:bodyPr wrap="none" rtlCol="0">
+              <a:spAutoFit/>
+            </a:bodyPr>
+            <a:lstStyle/>
+            <a:p>
+              <a:r>
+                <a:rPr lang="en-US" dirty="0"/>
+                <a:t>Variables</a:t>
+              </a:r>
+            </a:p>
+          </p:txBody>
+        </p:sp>
+        <p:sp>
+          <p:nvSpPr>
+            <p:cNvPr id="8" name="TextBox 7">
+              <a:extLst>
+                <a:ext uri="{FF2B5EF4-FFF2-40B4-BE49-F238E27FC236}">
+                  <a16:creationId xmlns:a16="http://schemas.microsoft.com/office/drawing/2014/main" id="{61C890B9-C2BF-4F00-B148-64696958E1A2}"/>
+                </a:ext>
+              </a:extLst>
+            </p:cNvPr>
+            <p:cNvSpPr txBox="1"/>
+            <p:nvPr/>
+          </p:nvSpPr>
+          <p:spPr>
+            <a:xfrm>
+              <a:off x="6822162" y="2840855"/>
+              <a:ext cx="736099" cy="369332"/>
+            </a:xfrm>
+            <a:prstGeom prst="rect">
+              <a:avLst/>
+            </a:prstGeom>
+            <a:noFill/>
+          </p:spPr>
+          <p:txBody>
+            <a:bodyPr wrap="none" rtlCol="0">
+              <a:spAutoFit/>
+            </a:bodyPr>
+            <a:lstStyle/>
+            <a:p>
+              <a:r>
+                <a:rPr lang="en-US" dirty="0"/>
+                <a:t>Price</a:t>
+              </a:r>
+            </a:p>
+          </p:txBody>
+        </p:sp>
+      </p:grpSp>
       <p:sp>
         <p:nvSpPr>
-          <p:cNvPr id="4" name="Arrow: Right 3">
+          <p:cNvPr id="10" name="TextBox 9">
             <a:extLst>
               <a:ext uri="{FF2B5EF4-FFF2-40B4-BE49-F238E27FC236}">
-                <a16:creationId xmlns:a16="http://schemas.microsoft.com/office/drawing/2014/main" id="{06DD4783-E0AB-43A9-9BDB-64CFD75F8A72}"/>
-              </a:ext>
-            </a:extLst>
-          </p:cNvPr>
-          <p:cNvSpPr/>
-          <p:nvPr/>
-        </p:nvSpPr>
-        <p:spPr>
-          <a:xfrm>
-            <a:off x="4057096" y="2456218"/>
-            <a:ext cx="978408" cy="484632"/>
-          </a:xfrm>
-          <a:prstGeom prst="rightArrow">
-            <a:avLst/>
-          </a:prstGeom>
-        </p:spPr>
-        <p:style>
-          <a:lnRef idx="2">
-            <a:schemeClr val="accent1">
-              <a:shade val="50000"/>
-            </a:schemeClr>
-          </a:lnRef>
-          <a:fillRef idx="1">
-            <a:schemeClr val="accent1"/>
-          </a:fillRef>
-          <a:effectRef idx="0">
-            <a:schemeClr val="accent1"/>
-          </a:effectRef>
-          <a:fontRef idx="minor">
-            <a:schemeClr val="lt1"/>
-          </a:fontRef>
-        </p:style>
-        <p:txBody>
-          <a:bodyPr rtlCol="0" anchor="ctr"/>
-          <a:lstStyle/>
-          <a:p>
-            <a:pPr algn="ctr"/>
-            <a:endParaRPr lang="en-US"/>
-          </a:p>
-        </p:txBody>
-      </p:sp>
-      <p:pic>
-        <p:nvPicPr>
-          <p:cNvPr id="1028" name="Picture 4">
-            <a:extLst>
-              <a:ext uri="{FF2B5EF4-FFF2-40B4-BE49-F238E27FC236}">
-                <a16:creationId xmlns:a16="http://schemas.microsoft.com/office/drawing/2014/main" id="{2445445E-771A-4DE3-9743-098C2D03EFED}"/>
-              </a:ext>
-            </a:extLst>
-          </p:cNvPr>
-          <p:cNvPicPr>
-            <a:picLocks noChangeAspect="1" noChangeArrowheads="1"/>
-          </p:cNvPicPr>
-          <p:nvPr/>
-        </p:nvPicPr>
-        <p:blipFill>
-          <a:blip r:embed="rId3">
-            <a:extLst>
-              <a:ext uri="{28A0092B-C50C-407E-A947-70E740481C1C}">
-                <a14:useLocalDpi xmlns:a14="http://schemas.microsoft.com/office/drawing/2010/main" val="0"/>
-              </a:ext>
-            </a:extLst>
-          </a:blip>
-          <a:srcRect/>
-          <a:stretch>
-            <a:fillRect/>
-          </a:stretch>
-        </p:blipFill>
-        <p:spPr bwMode="auto">
-          <a:xfrm>
-            <a:off x="5035503" y="925248"/>
-            <a:ext cx="6443323" cy="5523944"/>
-          </a:xfrm>
-          <a:prstGeom prst="rect">
-            <a:avLst/>
-          </a:prstGeom>
-          <a:ln>
-            <a:noFill/>
-          </a:ln>
-          <a:effectLst>
-            <a:outerShdw blurRad="190500" algn="tl" rotWithShape="0">
-              <a:srgbClr val="000000">
-                <a:alpha val="70000"/>
-              </a:srgbClr>
-            </a:outerShdw>
-          </a:effectLst>
-          <a:extLst>
-            <a:ext uri="{909E8E84-426E-40DD-AFC4-6F175D3DCCD1}">
-              <a14:hiddenFill xmlns:a14="http://schemas.microsoft.com/office/drawing/2010/main">
-                <a:solidFill>
-                  <a:srgbClr val="FFFFFF"/>
-                </a:solidFill>
-              </a14:hiddenFill>
-            </a:ext>
-          </a:extLst>
-        </p:spPr>
-      </p:pic>
-      <p:sp>
-        <p:nvSpPr>
-          <p:cNvPr id="5" name="TextBox 4">
-            <a:extLst>
-              <a:ext uri="{FF2B5EF4-FFF2-40B4-BE49-F238E27FC236}">
-                <a16:creationId xmlns:a16="http://schemas.microsoft.com/office/drawing/2014/main" id="{98B4C233-A907-4666-8881-18648AC28B38}"/>
+                <a16:creationId xmlns:a16="http://schemas.microsoft.com/office/drawing/2014/main" id="{E2DFB0FB-9878-4A5F-A7F7-C6D85EDBA27D}"/>
               </a:ext>
             </a:extLst>
           </p:cNvPr>
@@ -7356,8 +9342,8 @@
         </p:nvSpPr>
         <p:spPr>
           <a:xfrm>
-            <a:off x="452761" y="5175681"/>
-            <a:ext cx="3268844" cy="923330"/>
+            <a:off x="2443190" y="5513429"/>
+            <a:ext cx="7305618" cy="830997"/>
           </a:xfrm>
           <a:prstGeom prst="rect">
             <a:avLst/>
@@ -7365,30 +9351,129 @@
           <a:noFill/>
         </p:spPr>
         <p:txBody>
-          <a:bodyPr wrap="none" rtlCol="0">
+          <a:bodyPr wrap="square" rtlCol="0" anchor="ctr">
             <a:spAutoFit/>
           </a:bodyPr>
           <a:lstStyle/>
           <a:p>
-            <a:r>
-              <a:rPr lang="en-US" b="1" u="sng" dirty="0"/>
-              <a:t>Correlation Heatmap</a:t>
-            </a:r>
-          </a:p>
-          <a:p>
-            <a:r>
-              <a:rPr lang="en-US" dirty="0"/>
-              <a:t>dark blue = high correlation</a:t>
-            </a:r>
-          </a:p>
-          <a:p>
-            <a:r>
-              <a:rPr lang="en-US" dirty="0"/>
-              <a:t>light blue = low correlation</a:t>
+            <a:pPr algn="ctr"/>
+            <a:r>
+              <a:rPr lang="en-US" sz="2400" dirty="0"/>
+              <a:t>Using statistics to identify the variables with the greatest influence upon housing prices</a:t>
             </a:r>
           </a:p>
         </p:txBody>
       </p:sp>
+      <p:grpSp>
+        <p:nvGrpSpPr>
+          <p:cNvPr id="12" name="Group 11">
+            <a:extLst>
+              <a:ext uri="{FF2B5EF4-FFF2-40B4-BE49-F238E27FC236}">
+                <a16:creationId xmlns:a16="http://schemas.microsoft.com/office/drawing/2014/main" id="{0DA5CE29-205E-4ACB-8141-A0482F5A39F1}"/>
+              </a:ext>
+            </a:extLst>
+          </p:cNvPr>
+          <p:cNvGrpSpPr/>
+          <p:nvPr/>
+        </p:nvGrpSpPr>
+        <p:grpSpPr>
+          <a:xfrm>
+            <a:off x="20716" y="967776"/>
+            <a:ext cx="3619688" cy="4365042"/>
+            <a:chOff x="20716" y="967776"/>
+            <a:chExt cx="3619688" cy="4365042"/>
+          </a:xfrm>
+        </p:grpSpPr>
+        <p:pic>
+          <p:nvPicPr>
+            <p:cNvPr id="1026" name="Picture 2">
+              <a:extLst>
+                <a:ext uri="{FF2B5EF4-FFF2-40B4-BE49-F238E27FC236}">
+                  <a16:creationId xmlns:a16="http://schemas.microsoft.com/office/drawing/2014/main" id="{176EBA00-8615-4DA4-966A-E0AF116E299B}"/>
+                </a:ext>
+              </a:extLst>
+            </p:cNvPr>
+            <p:cNvPicPr>
+              <a:picLocks noChangeAspect="1" noChangeArrowheads="1"/>
+            </p:cNvPicPr>
+            <p:nvPr/>
+          </p:nvPicPr>
+          <p:blipFill rotWithShape="1">
+            <a:blip r:embed="rId3">
+              <a:extLst>
+                <a:ext uri="{28A0092B-C50C-407E-A947-70E740481C1C}">
+                  <a14:useLocalDpi xmlns:a14="http://schemas.microsoft.com/office/drawing/2010/main" val="0"/>
+                </a:ext>
+              </a:extLst>
+            </a:blip>
+            <a:srcRect r="13022"/>
+            <a:stretch/>
+          </p:blipFill>
+          <p:spPr bwMode="auto">
+            <a:xfrm>
+              <a:off x="20716" y="1301616"/>
+              <a:ext cx="3368284" cy="4031202"/>
+            </a:xfrm>
+            <a:prstGeom prst="rect">
+              <a:avLst/>
+            </a:prstGeom>
+            <a:ln>
+              <a:noFill/>
+            </a:ln>
+            <a:effectLst>
+              <a:outerShdw blurRad="190500" algn="tl" rotWithShape="0">
+                <a:srgbClr val="000000">
+                  <a:alpha val="70000"/>
+                </a:srgbClr>
+              </a:outerShdw>
+            </a:effectLst>
+            <a:extLst>
+              <a:ext uri="{909E8E84-426E-40DD-AFC4-6F175D3DCCD1}">
+                <a14:hiddenFill xmlns:a14="http://schemas.microsoft.com/office/drawing/2010/main">
+                  <a:solidFill>
+                    <a:srgbClr val="FFFFFF"/>
+                  </a:solidFill>
+                </a14:hiddenFill>
+              </a:ext>
+            </a:extLst>
+          </p:spPr>
+        </p:pic>
+        <p:sp>
+          <p:nvSpPr>
+            <p:cNvPr id="11" name="TextBox 10">
+              <a:extLst>
+                <a:ext uri="{FF2B5EF4-FFF2-40B4-BE49-F238E27FC236}">
+                  <a16:creationId xmlns:a16="http://schemas.microsoft.com/office/drawing/2014/main" id="{71956CBE-E36F-4DBD-B5B0-5843C42E81B9}"/>
+                </a:ext>
+              </a:extLst>
+            </p:cNvPr>
+            <p:cNvSpPr txBox="1"/>
+            <p:nvPr/>
+          </p:nvSpPr>
+          <p:spPr>
+            <a:xfrm>
+              <a:off x="192024" y="967776"/>
+              <a:ext cx="3448380" cy="369332"/>
+            </a:xfrm>
+            <a:prstGeom prst="rect">
+              <a:avLst/>
+            </a:prstGeom>
+            <a:noFill/>
+          </p:spPr>
+          <p:txBody>
+            <a:bodyPr wrap="none" rtlCol="0">
+              <a:spAutoFit/>
+            </a:bodyPr>
+            <a:lstStyle/>
+            <a:p>
+              <a:r>
+                <a:rPr lang="en-US" dirty="0"/>
+                <a:t>Example of correlation matrix</a:t>
+              </a:r>
+            </a:p>
+          </p:txBody>
+        </p:sp>
+      </p:grpSp>
     </p:spTree>
     <p:extLst>
       <p:ext uri="{BB962C8B-B14F-4D97-AF65-F5344CB8AC3E}">
@@ -7437,7 +9522,7 @@
                               <p:par>
                                 <p:cTn id="5" presetID="6" presetClass="entr" presetSubtype="32" fill="hold" nodeType="afterEffect">
                                   <p:stCondLst>
-                                    <p:cond delay="500"/>
+                                    <p:cond delay="0"/>
                                   </p:stCondLst>
                                   <p:childTnLst>
                                     <p:set>
@@ -7448,7 +9533,7 @@
                                           </p:stCondLst>
                                         </p:cTn>
                                         <p:tgtEl>
-                                          <p:spTgt spid="1026"/>
+                                          <p:spTgt spid="12"/>
                                         </p:tgtEl>
                                         <p:attrNameLst>
                                           <p:attrName>style.visibility</p:attrName>
@@ -7462,7 +9547,7 @@
                                       <p:cBhvr>
                                         <p:cTn id="7" dur="2000"/>
                                         <p:tgtEl>
-                                          <p:spTgt spid="1026"/>
+                                          <p:spTgt spid="12"/>
                                         </p:tgtEl>
                                       </p:cBhvr>
                                     </p:animEffect>
@@ -7475,13 +9560,13 @@
                         <p:par>
                           <p:cTn id="8" fill="hold">
                             <p:stCondLst>
-                              <p:cond delay="2500"/>
+                              <p:cond delay="2000"/>
                             </p:stCondLst>
                             <p:childTnLst>
                               <p:par>
-                                <p:cTn id="9" presetID="22" presetClass="entr" presetSubtype="8" fill="hold" grpId="0" nodeType="afterEffect">
+                                <p:cTn id="9" presetID="16" presetClass="entr" presetSubtype="21" fill="hold" nodeType="afterEffect">
                                   <p:stCondLst>
-                                    <p:cond delay="1000"/>
+                                    <p:cond delay="500"/>
                                   </p:stCondLst>
                                   <p:childTnLst>
                                     <p:set>
@@ -7492,7 +9577,7 @@
                                           </p:stCondLst>
                                         </p:cTn>
                                         <p:tgtEl>
-                                          <p:spTgt spid="4"/>
+                                          <p:spTgt spid="9"/>
                                         </p:tgtEl>
                                         <p:attrNameLst>
                                           <p:attrName>style.visibility</p:attrName>
@@ -7502,11 +9587,11 @@
                                         <p:strVal val="visible"/>
                                       </p:to>
                                     </p:set>
-                                    <p:animEffect transition="in" filter="wipe(left)">
-                                      <p:cBhvr>
-                                        <p:cTn id="11" dur="500"/>
-                                        <p:tgtEl>
-                                          <p:spTgt spid="4"/>
+                                    <p:animEffect transition="in" filter="barn(inVertical)">
+                                      <p:cBhvr>
+                                        <p:cTn id="11" dur="1500"/>
+                                        <p:tgtEl>
+                                          <p:spTgt spid="9"/>
                                         </p:tgtEl>
                                       </p:cBhvr>
                                     </p:animEffect>
@@ -7523,7 +9608,7 @@
                             </p:stCondLst>
                             <p:childTnLst>
                               <p:par>
-                                <p:cTn id="13" presetID="6" presetClass="entr" presetSubtype="32" fill="hold" nodeType="afterEffect">
+                                <p:cTn id="13" presetID="42" presetClass="entr" presetSubtype="0" fill="hold" grpId="0" nodeType="afterEffect">
                                   <p:stCondLst>
                                     <p:cond delay="1000"/>
                                   </p:stCondLst>
@@ -7536,7 +9621,7 @@
                                           </p:stCondLst>
                                         </p:cTn>
                                         <p:tgtEl>
-                                          <p:spTgt spid="1028"/>
+                                          <p:spTgt spid="10"/>
                                         </p:tgtEl>
                                         <p:attrNameLst>
                                           <p:attrName>style.visibility</p:attrName>
@@ -7546,14 +9631,60 @@
                                         <p:strVal val="visible"/>
                                       </p:to>
                                     </p:set>
-                                    <p:animEffect transition="in" filter="circle(out)">
-                                      <p:cBhvr>
-                                        <p:cTn id="15" dur="2000"/>
-                                        <p:tgtEl>
-                                          <p:spTgt spid="1028"/>
+                                    <p:animEffect transition="in" filter="fade">
+                                      <p:cBhvr>
+                                        <p:cTn id="15" dur="1000"/>
+                                        <p:tgtEl>
+                                          <p:spTgt spid="10"/>
                                         </p:tgtEl>
                                       </p:cBhvr>
                                     </p:animEffect>
+                                    <p:anim calcmode="lin" valueType="num">
+                                      <p:cBhvr>
+                                        <p:cTn id="16" dur="1000" fill="hold"/>
+                                        <p:tgtEl>
+                                          <p:spTgt spid="10"/>
+                                        </p:tgtEl>
+                                        <p:attrNameLst>
+                                          <p:attrName>ppt_x</p:attrName>
+                                        </p:attrNameLst>
+                                      </p:cBhvr>
+                                      <p:tavLst>
+                                        <p:tav tm="0">
+                                          <p:val>
+                                            <p:strVal val="#ppt_x"/>
+                                          </p:val>
+                                        </p:tav>
+                                        <p:tav tm="100000">
+                                          <p:val>
+                                            <p:strVal val="#ppt_x"/>
+                                          </p:val>
+                                        </p:tav>
+                                      </p:tavLst>
+                                    </p:anim>
+                                    <p:anim calcmode="lin" valueType="num">
+                                      <p:cBhvr>
+                                        <p:cTn id="17" dur="1000" fill="hold"/>
+                                        <p:tgtEl>
+                                          <p:spTgt spid="10"/>
+                                        </p:tgtEl>
+                                        <p:attrNameLst>
+                                          <p:attrName>ppt_y</p:attrName>
+                                        </p:attrNameLst>
+                                      </p:cBhvr>
+                                      <p:tavLst>
+                                        <p:tav tm="0">
+                                          <p:val>
+                                            <p:strVal val="#ppt_y+.1"/>
+                                          </p:val>
+                                        </p:tav>
+                                        <p:tav tm="100000">
+                                          <p:val>
+                                            <p:strVal val="#ppt_y"/>
+                                          </p:val>
+                                        </p:tav>
+                                      </p:tavLst>
+                                    </p:anim>
                                   </p:childTnLst>
                                 </p:cTn>
                               </p:par>
@@ -7585,7 +9716,7 @@
       </p:par>
     </p:tnLst>
     <p:bldLst>
-      <p:bldP spid="4" grpId="0" animBg="1"/>
+      <p:bldP spid="10" grpId="0"/>
     </p:bldLst>
   </p:timing>
 </p:sld>
@@ -7857,8 +9988,132 @@
           <p:nvPr/>
         </p:nvSpPr>
         <p:spPr>
+          <a:xfrm flipH="1" flipV="1">
+            <a:off x="6061330" y="3500532"/>
+            <a:ext cx="1711369" cy="1737528"/>
+          </a:xfrm>
+          <a:prstGeom prst="bentArrow">
+            <a:avLst/>
+          </a:prstGeom>
+          <a:solidFill>
+            <a:schemeClr val="accent6"/>
+          </a:solidFill>
+          <a:ln>
+            <a:solidFill>
+              <a:schemeClr val="accent6"/>
+            </a:solidFill>
+          </a:ln>
+          <a:effectLst>
+            <a:outerShdw blurRad="50800" dist="114300" dir="2700000" algn="tl" rotWithShape="0">
+              <a:prstClr val="black">
+                <a:alpha val="40000"/>
+              </a:prstClr>
+            </a:outerShdw>
+          </a:effectLst>
+        </p:spPr>
+        <p:style>
+          <a:lnRef idx="2">
+            <a:schemeClr val="accent1">
+              <a:shade val="50000"/>
+            </a:schemeClr>
+          </a:lnRef>
+          <a:fillRef idx="1">
+            <a:schemeClr val="accent1"/>
+          </a:fillRef>
+          <a:effectRef idx="0">
+            <a:schemeClr val="accent1"/>
+          </a:effectRef>
+          <a:fontRef idx="minor">
+            <a:schemeClr val="lt1"/>
+          </a:fontRef>
+        </p:style>
+        <p:txBody>
+          <a:bodyPr rtlCol="0" anchor="ctr"/>
+          <a:lstStyle/>
+          <a:p>
+            <a:pPr algn="ctr"/>
+            <a:endParaRPr lang="en-US">
+              <a:solidFill>
+                <a:schemeClr val="tx1"/>
+              </a:solidFill>
+            </a:endParaRPr>
+          </a:p>
+        </p:txBody>
+      </p:sp>
+      <p:sp>
+        <p:nvSpPr>
+          <p:cNvPr id="8" name="Rectangle: Rounded Corners 7">
+            <a:extLst>
+              <a:ext uri="{FF2B5EF4-FFF2-40B4-BE49-F238E27FC236}">
+                <a16:creationId xmlns:a16="http://schemas.microsoft.com/office/drawing/2014/main" id="{86260792-4BE9-470A-9FCD-931717BD21DD}"/>
+              </a:ext>
+            </a:extLst>
+          </p:cNvPr>
+          <p:cNvSpPr/>
+          <p:nvPr/>
+        </p:nvSpPr>
+        <p:spPr>
+          <a:xfrm>
+            <a:off x="6295950" y="223539"/>
+            <a:ext cx="1704513" cy="3062796"/>
+          </a:xfrm>
+          <a:prstGeom prst="roundRect">
+            <a:avLst/>
+          </a:prstGeom>
+          <a:noFill/>
+          <a:ln w="76200">
+            <a:solidFill>
+              <a:schemeClr val="accent6"/>
+            </a:solidFill>
+          </a:ln>
+          <a:effectLst>
+            <a:outerShdw blurRad="152400" dist="50800" sx="102000" sy="102000" algn="ctr" rotWithShape="0">
+              <a:prstClr val="black">
+                <a:alpha val="72000"/>
+              </a:prstClr>
+            </a:outerShdw>
+          </a:effectLst>
+        </p:spPr>
+        <p:style>
+          <a:lnRef idx="2">
+            <a:schemeClr val="accent1">
+              <a:shade val="50000"/>
+            </a:schemeClr>
+          </a:lnRef>
+          <a:fillRef idx="1">
+            <a:schemeClr val="accent1"/>
+          </a:fillRef>
+          <a:effectRef idx="0">
+            <a:schemeClr val="accent1"/>
+          </a:effectRef>
+          <a:fontRef idx="minor">
+            <a:schemeClr val="lt1"/>
+          </a:fontRef>
+        </p:style>
+        <p:txBody>
+          <a:bodyPr rtlCol="0" anchor="ctr"/>
+          <a:lstStyle/>
+          <a:p>
+            <a:pPr algn="ctr"/>
+            <a:endParaRPr lang="en-US"/>
+          </a:p>
+        </p:txBody>
+      </p:sp>
+      <p:sp>
+        <p:nvSpPr>
+          <p:cNvPr id="9" name="Arrow: Bent 8">
+            <a:extLst>
+              <a:ext uri="{FF2B5EF4-FFF2-40B4-BE49-F238E27FC236}">
+                <a16:creationId xmlns:a16="http://schemas.microsoft.com/office/drawing/2014/main" id="{D3336BE8-345A-4B79-992D-22E1E44C8367}"/>
+              </a:ext>
+            </a:extLst>
+          </p:cNvPr>
+          <p:cNvSpPr/>
+          <p:nvPr/>
+        </p:nvSpPr>
+        <p:spPr>
           <a:xfrm flipV="1">
-            <a:off x="1277915" y="3684467"/>
+            <a:off x="1430315" y="3836867"/>
             <a:ext cx="1711369" cy="1737528"/>
           </a:xfrm>
           <a:prstGeom prst="bentArrow">
@@ -8102,30 +10357,21 @@
                                   </p:childTnLst>
                                 </p:cTn>
                               </p:par>
-                            </p:childTnLst>
-                          </p:cTn>
-                        </p:par>
-                        <p:par>
-                          <p:cTn id="15" fill="hold">
-                            <p:stCondLst>
-                              <p:cond delay="5000"/>
-                            </p:stCondLst>
-                            <p:childTnLst>
                               <p:par>
-                                <p:cTn id="16" presetID="22" presetClass="entr" presetSubtype="8" fill="hold" grpId="0" nodeType="afterEffect">
+                                <p:cTn id="15" presetID="31" presetClass="entr" presetSubtype="0" fill="hold" grpId="0" nodeType="withEffect">
                                   <p:stCondLst>
-                                    <p:cond delay="1000"/>
+                                    <p:cond delay="1500"/>
                                   </p:stCondLst>
                                   <p:childTnLst>
                                     <p:set>
                                       <p:cBhvr>
-                                        <p:cTn id="17" dur="1" fill="hold">
+                                        <p:cTn id="16" dur="1" fill="hold">
                                           <p:stCondLst>
                                             <p:cond delay="0"/>
                                           </p:stCondLst>
                                         </p:cTn>
                                         <p:tgtEl>
-                                          <p:spTgt spid="6"/>
+                                          <p:spTgt spid="8"/>
                                         </p:tgtEl>
                                         <p:attrNameLst>
                                           <p:attrName>style.visibility</p:attrName>
@@ -8135,11 +10381,80 @@
                                         <p:strVal val="visible"/>
                                       </p:to>
                                     </p:set>
-                                    <p:animEffect transition="in" filter="wipe(left)">
-                                      <p:cBhvr>
-                                        <p:cTn id="18" dur="1000"/>
-                                        <p:tgtEl>
-                                          <p:spTgt spid="6"/>
+                                    <p:anim calcmode="lin" valueType="num">
+                                      <p:cBhvr>
+                                        <p:cTn id="17" dur="1500" fill="hold"/>
+                                        <p:tgtEl>
+                                          <p:spTgt spid="8"/>
+                                        </p:tgtEl>
+                                        <p:attrNameLst>
+                                          <p:attrName>ppt_w</p:attrName>
+                                        </p:attrNameLst>
+                                      </p:cBhvr>
+                                      <p:tavLst>
+                                        <p:tav tm="0">
+                                          <p:val>
+                                            <p:fltVal val="0"/>
+                                          </p:val>
+                                        </p:tav>
+                                        <p:tav tm="100000">
+                                          <p:val>
+                                            <p:strVal val="#ppt_w"/>
+                                          </p:val>
+                                        </p:tav>
+                                      </p:tavLst>
+                                    </p:anim>
+                                    <p:anim calcmode="lin" valueType="num">
+                                      <p:cBhvr>
+                                        <p:cTn id="18" dur="1500" fill="hold"/>
+                                        <p:tgtEl>
+                                          <p:spTgt spid="8"/>
+                                        </p:tgtEl>
+                                        <p:attrNameLst>
+                                          <p:attrName>ppt_h</p:attrName>
+                                        </p:attrNameLst>
+                                      </p:cBhvr>
+                                      <p:tavLst>
+                                        <p:tav tm="0">
+                                          <p:val>
+                                            <p:fltVal val="0"/>
+                                          </p:val>
+                                        </p:tav>
+                                        <p:tav tm="100000">
+                                          <p:val>
+                                            <p:strVal val="#ppt_h"/>
+                                          </p:val>
+                                        </p:tav>
+                                      </p:tavLst>
+                                    </p:anim>
+                                    <p:anim calcmode="lin" valueType="num">
+                                      <p:cBhvr>
+                                        <p:cTn id="19" dur="1500" fill="hold"/>
+                                        <p:tgtEl>
+                                          <p:spTgt spid="8"/>
+                                        </p:tgtEl>
+                                        <p:attrNameLst>
+                                          <p:attrName>style.rotation</p:attrName>
+                                        </p:attrNameLst>
+                                      </p:cBhvr>
+                                      <p:tavLst>
+                                        <p:tav tm="0">
+                                          <p:val>
+                                            <p:fltVal val="90"/>
+                                          </p:val>
+                                        </p:tav>
+                                        <p:tav tm="100000">
+                                          <p:val>
+                                            <p:fltVal val="0"/>
+                                          </p:val>
+                                        </p:tav>
+                                      </p:tavLst>
+                                    </p:anim>
+                                    <p:animEffect transition="in" filter="fade">
+                                      <p:cBhvr>
+                                        <p:cTn id="20" dur="1500"/>
+                                        <p:tgtEl>
+                                          <p:spTgt spid="8"/>
                                         </p:tgtEl>
                                       </p:cBhvr>
                                     </p:animEffect>
@@ -8150,20 +10465,99 @@
                           </p:cTn>
                         </p:par>
                         <p:par>
-                          <p:cTn id="19" fill="hold">
+                          <p:cTn id="21" fill="hold">
                             <p:stCondLst>
-                              <p:cond delay="7000"/>
+                              <p:cond delay="5000"/>
                             </p:stCondLst>
                             <p:childTnLst>
                               <p:par>
-                                <p:cTn id="20" presetID="4" presetClass="entr" presetSubtype="32" fill="hold" nodeType="afterEffect">
+                                <p:cTn id="22" presetID="22" presetClass="entr" presetSubtype="8" fill="hold" grpId="0" nodeType="afterEffect">
+                                  <p:stCondLst>
+                                    <p:cond delay="0"/>
+                                  </p:stCondLst>
+                                  <p:childTnLst>
+                                    <p:set>
+                                      <p:cBhvr>
+                                        <p:cTn id="23" dur="1" fill="hold">
+                                          <p:stCondLst>
+                                            <p:cond delay="0"/>
+                                          </p:stCondLst>
+                                        </p:cTn>
+                                        <p:tgtEl>
+                                          <p:spTgt spid="9"/>
+                                        </p:tgtEl>
+                                        <p:attrNameLst>
+                                          <p:attrName>style.visibility</p:attrName>
+                                        </p:attrNameLst>
+                                      </p:cBhvr>
+                                      <p:to>
+                                        <p:strVal val="visible"/>
+                                      </p:to>
+                                    </p:set>
+                                    <p:animEffect transition="in" filter="wipe(left)">
+                                      <p:cBhvr>
+                                        <p:cTn id="24" dur="1000"/>
+                                        <p:tgtEl>
+                                          <p:spTgt spid="9"/>
+                                        </p:tgtEl>
+                                      </p:cBhvr>
+                                    </p:animEffect>
+                                  </p:childTnLst>
+                                </p:cTn>
+                              </p:par>
+                              <p:par>
+                                <p:cTn id="25" presetID="22" presetClass="entr" presetSubtype="2" fill="hold" grpId="0" nodeType="withEffect">
+                                  <p:stCondLst>
+                                    <p:cond delay="0"/>
+                                  </p:stCondLst>
+                                  <p:childTnLst>
+                                    <p:set>
+                                      <p:cBhvr>
+                                        <p:cTn id="26" dur="1" fill="hold">
+                                          <p:stCondLst>
+                                            <p:cond delay="0"/>
+                                          </p:stCondLst>
+                                        </p:cTn>
+                                        <p:tgtEl>
+                                          <p:spTgt spid="6"/>
+                                        </p:tgtEl>
+                                        <p:attrNameLst>
+                                          <p:attrName>style.visibility</p:attrName>
+                                        </p:attrNameLst>
+                                      </p:cBhvr>
+                                      <p:to>
+                                        <p:strVal val="visible"/>
+                                      </p:to>
+                                    </p:set>
+                                    <p:animEffect transition="in" filter="wipe(right)">
+                                      <p:cBhvr>
+                                        <p:cTn id="27" dur="1000"/>
+                                        <p:tgtEl>
+                                          <p:spTgt spid="6"/>
+                                        </p:tgtEl>
+                                      </p:cBhvr>
+                                    </p:animEffect>
+                                  </p:childTnLst>
+                                </p:cTn>
+                              </p:par>
+                            </p:childTnLst>
+                          </p:cTn>
+                        </p:par>
+                        <p:par>
+                          <p:cTn id="28" fill="hold">
+                            <p:stCondLst>
+                              <p:cond delay="6000"/>
+                            </p:stCondLst>
+                            <p:childTnLst>
+                              <p:par>
+                                <p:cTn id="29" presetID="4" presetClass="entr" presetSubtype="32" fill="hold" nodeType="afterEffect">
                                   <p:stCondLst>
                                     <p:cond delay="500"/>
                                   </p:stCondLst>
                                   <p:childTnLst>
                                     <p:set>
                                       <p:cBhvr>
-                                        <p:cTn id="21" dur="1" fill="hold">
+                                        <p:cTn id="30" dur="1" fill="hold">
                                           <p:stCondLst>
                                             <p:cond delay="0"/>
                                           </p:stCondLst>
@@ -8181,7 +10575,7 @@
                                     </p:set>
                                     <p:animEffect transition="in" filter="box(out)">
                                       <p:cBhvr>
-                                        <p:cTn id="22" dur="2000"/>
+                                        <p:cTn id="31" dur="2000"/>
                                         <p:tgtEl>
                                           <p:spTgt spid="2054"/>
                                         </p:tgtEl>
@@ -8220,6 +10614,8 @@
     <p:bldLst>
       <p:bldP spid="5" grpId="0" animBg="1"/>
       <p:bldP spid="6" grpId="0" animBg="1"/>
+      <p:bldP spid="8" grpId="0" animBg="1"/>
+      <p:bldP spid="9" grpId="0" animBg="1"/>
     </p:bldLst>
   </p:timing>
 </p:sld>
@@ -8273,7 +10669,7 @@
             <a:pPr algn="ctr"/>
             <a:r>
               <a:rPr lang="en-US" dirty="0"/>
-              <a:t>Building Custom Features</a:t>
+              <a:t>Potential Problems</a:t>
             </a:r>
           </a:p>
         </p:txBody>
@@ -8292,8 +10688,8 @@
         </p:nvSpPr>
         <p:spPr>
           <a:xfrm>
-            <a:off x="251016" y="1166842"/>
-            <a:ext cx="4107920" cy="4524315"/>
+            <a:off x="650675" y="5021080"/>
+            <a:ext cx="7108409" cy="1477328"/>
           </a:xfrm>
           <a:prstGeom prst="rect">
             <a:avLst/>
@@ -8306,79 +10702,79 @@
           </a:bodyPr>
           <a:lstStyle/>
           <a:p>
+            <a:pPr algn="ctr"/>
             <a:r>
               <a:rPr lang="en-US" dirty="0"/>
-              <a:t>When several variables are </a:t>
-            </a:r>
-            <a:r>
-              <a:rPr lang="en-US" u="sng" dirty="0"/>
-              <a:t>collinear</a:t>
+              <a:t>Many variables are closely related, like </a:t>
+            </a:r>
+            <a:r>
+              <a:rPr lang="en-US" b="1" dirty="0"/>
+              <a:t>total </a:t>
+            </a:r>
+            <a:r>
+              <a:rPr lang="en-US" b="1" dirty="0" err="1"/>
+              <a:t>sq</a:t>
+            </a:r>
+            <a:r>
+              <a:rPr lang="en-US" b="1" dirty="0"/>
+              <a:t> ft</a:t>
             </a:r>
             <a:r>
               <a:rPr lang="en-US" dirty="0"/>
-              <a:t>, changing one has a change in the others. </a:t>
-            </a:r>
-          </a:p>
-          <a:p>
+              <a:t>, </a:t>
+            </a:r>
+            <a:r>
+              <a:rPr lang="en-US" b="1" dirty="0"/>
+              <a:t>above-ground </a:t>
+            </a:r>
+            <a:r>
+              <a:rPr lang="en-US" b="1" dirty="0" err="1"/>
+              <a:t>sq</a:t>
+            </a:r>
+            <a:r>
+              <a:rPr lang="en-US" b="1" dirty="0"/>
+              <a:t> ft</a:t>
+            </a:r>
+            <a:r>
+              <a:rPr lang="en-US" dirty="0"/>
+              <a:t>, and </a:t>
+            </a:r>
+            <a:r>
+              <a:rPr lang="en-US" b="1" dirty="0"/>
+              <a:t>below-ground </a:t>
+            </a:r>
+            <a:r>
+              <a:rPr lang="en-US" b="1" dirty="0" err="1"/>
+              <a:t>sq</a:t>
+            </a:r>
+            <a:r>
+              <a:rPr lang="en-US" b="1" dirty="0"/>
+              <a:t> ft</a:t>
+            </a:r>
+            <a:r>
+              <a:rPr lang="en-US" dirty="0"/>
+              <a:t>.</a:t>
+            </a:r>
+          </a:p>
+          <a:p>
+            <a:pPr algn="ctr"/>
             <a:endParaRPr lang="en-US" dirty="0"/>
           </a:p>
           <a:p>
+            <a:pPr algn="ctr"/>
             <a:r>
               <a:rPr lang="en-US" dirty="0"/>
-              <a:t>This is </a:t>
-            </a:r>
-            <a:r>
-              <a:rPr lang="en-US" u="sng" dirty="0"/>
-              <a:t>bad</a:t>
-            </a:r>
-            <a:r>
-              <a:rPr lang="en-US" dirty="0"/>
-              <a:t> for modeling since changes get multiplied in the model output.</a:t>
-            </a:r>
-          </a:p>
-          <a:p>
-            <a:endParaRPr lang="en-US" dirty="0"/>
-          </a:p>
-          <a:p>
-            <a:r>
-              <a:rPr lang="en-US" dirty="0"/>
-              <a:t>For instance, you can’t change a house’s total living space without </a:t>
-            </a:r>
-            <a:r>
-              <a:rPr lang="en-US" i="1" u="sng" dirty="0"/>
-              <a:t>also</a:t>
-            </a:r>
-            <a:r>
-              <a:rPr lang="en-US" dirty="0"/>
-              <a:t> changing it’s total above-ground living space as well.</a:t>
-            </a:r>
-          </a:p>
-          <a:p>
-            <a:endParaRPr lang="en-US" dirty="0"/>
-          </a:p>
-          <a:p>
-            <a:r>
-              <a:rPr lang="en-US" dirty="0"/>
-              <a:t>To solve this, we can </a:t>
-            </a:r>
-            <a:r>
-              <a:rPr lang="en-US" u="sng" dirty="0"/>
-              <a:t>build features</a:t>
-            </a:r>
-            <a:r>
-              <a:rPr lang="en-US" dirty="0"/>
-              <a:t> that weight the variables proportional to their influence.</a:t>
-            </a:r>
-            <a:endParaRPr lang="en-US" u="sng" dirty="0"/>
+              <a:t>Changing one variable can often impact another. This is bad for modeling as it produces a multiplied effect.</a:t>
+            </a:r>
           </a:p>
         </p:txBody>
       </p:sp>
       <p:grpSp>
         <p:nvGrpSpPr>
-          <p:cNvPr id="7" name="Group 6">
+          <p:cNvPr id="28" name="Group 27">
             <a:extLst>
               <a:ext uri="{FF2B5EF4-FFF2-40B4-BE49-F238E27FC236}">
-                <a16:creationId xmlns:a16="http://schemas.microsoft.com/office/drawing/2014/main" id="{2B9C09D1-C531-4639-9641-1ED0EA3EE556}"/>
+                <a16:creationId xmlns:a16="http://schemas.microsoft.com/office/drawing/2014/main" id="{1252A428-5BB5-45C4-A773-A8E95F5AC307}"/>
               </a:ext>
             </a:extLst>
           </p:cNvPr>
@@ -8387,60 +10783,18 @@
         </p:nvGrpSpPr>
         <p:grpSpPr>
           <a:xfrm>
-            <a:off x="4296333" y="3224613"/>
-            <a:ext cx="4581703" cy="3379232"/>
-            <a:chOff x="4290779" y="660101"/>
-            <a:chExt cx="4581703" cy="3379232"/>
+            <a:off x="109688" y="855609"/>
+            <a:ext cx="3484848" cy="3669076"/>
+            <a:chOff x="360309" y="559294"/>
+            <a:chExt cx="3484848" cy="3669076"/>
           </a:xfrm>
         </p:grpSpPr>
-        <p:sp>
-          <p:nvSpPr>
-            <p:cNvPr id="4" name="TextBox 3">
+        <p:pic>
+          <p:nvPicPr>
+            <p:cNvPr id="29" name="Picture 2" descr="https://s3-eu-west-2.amazonaws.com/homebuilding-assets/prodwebsite/content/uploads/2009/05/22135242/Basement-Pros-and-Cons-00.jpg">
               <a:extLst>
                 <a:ext uri="{FF2B5EF4-FFF2-40B4-BE49-F238E27FC236}">
-                  <a16:creationId xmlns:a16="http://schemas.microsoft.com/office/drawing/2014/main" id="{40825374-F324-4967-A85B-502459C3D17E}"/>
-                </a:ext>
-              </a:extLst>
-            </p:cNvPr>
-            <p:cNvSpPr txBox="1"/>
-            <p:nvPr/>
-          </p:nvSpPr>
-          <p:spPr>
-            <a:xfrm>
-              <a:off x="4290779" y="660101"/>
-              <a:ext cx="4581703" cy="369332"/>
-            </a:xfrm>
-            <a:prstGeom prst="rect">
-              <a:avLst/>
-            </a:prstGeom>
-            <a:noFill/>
-            <a:effectLst>
-              <a:outerShdw blurRad="50800" dist="38100" dir="2700000" algn="tl" rotWithShape="0">
-                <a:prstClr val="black">
-                  <a:alpha val="40000"/>
-                </a:prstClr>
-              </a:outerShdw>
-            </a:effectLst>
-          </p:spPr>
-          <p:txBody>
-            <a:bodyPr wrap="none" rtlCol="0">
-              <a:spAutoFit/>
-            </a:bodyPr>
-            <a:lstStyle/>
-            <a:p>
-              <a:r>
-                <a:rPr lang="en-US" dirty="0"/>
-                <a:t>Heatmap of highly co-related variables</a:t>
-              </a:r>
-            </a:p>
-          </p:txBody>
-        </p:sp>
-        <p:pic>
-          <p:nvPicPr>
-            <p:cNvPr id="3078" name="Picture 6">
-              <a:extLst>
-                <a:ext uri="{FF2B5EF4-FFF2-40B4-BE49-F238E27FC236}">
-                  <a16:creationId xmlns:a16="http://schemas.microsoft.com/office/drawing/2014/main" id="{D63FEE48-0F3F-4DB2-BD29-531DEC5F0C38}"/>
+                  <a16:creationId xmlns:a16="http://schemas.microsoft.com/office/drawing/2014/main" id="{AFBD81BB-FE2C-4CEC-9DA0-73952BBE94EF}"/>
                 </a:ext>
               </a:extLst>
             </p:cNvPr>
@@ -8449,7 +10803,7 @@
             </p:cNvPicPr>
             <p:nvPr/>
           </p:nvPicPr>
-          <p:blipFill>
+          <p:blipFill rotWithShape="1">
             <a:blip r:embed="rId2">
               <a:extLst>
                 <a:ext uri="{28A0092B-C50C-407E-A947-70E740481C1C}">
@@ -8457,97 +10811,13 @@
                 </a:ext>
               </a:extLst>
             </a:blip>
-            <a:srcRect/>
-            <a:stretch>
-              <a:fillRect/>
-            </a:stretch>
+            <a:srcRect l="12611" r="29984" b="1119"/>
+            <a:stretch/>
           </p:blipFill>
           <p:spPr bwMode="auto">
             <a:xfrm>
-              <a:off x="4614717" y="1029433"/>
-              <a:ext cx="3933825" cy="3009900"/>
-            </a:xfrm>
-            <a:prstGeom prst="rect">
-              <a:avLst/>
-            </a:prstGeom>
-            <a:noFill/>
-            <a:effectLst>
-              <a:outerShdw blurRad="50800" dist="38100" dir="2700000" algn="tl" rotWithShape="0">
-                <a:prstClr val="black">
-                  <a:alpha val="40000"/>
-                </a:prstClr>
-              </a:outerShdw>
-            </a:effectLst>
-            <a:extLst>
-              <a:ext uri="{909E8E84-426E-40DD-AFC4-6F175D3DCCD1}">
-                <a14:hiddenFill xmlns:a14="http://schemas.microsoft.com/office/drawing/2010/main">
-                  <a:solidFill>
-                    <a:srgbClr val="FFFFFF"/>
-                  </a:solidFill>
-                </a14:hiddenFill>
-              </a:ext>
-            </a:extLst>
-          </p:spPr>
-        </p:pic>
-      </p:grpSp>
-      <p:grpSp>
-        <p:nvGrpSpPr>
-          <p:cNvPr id="10" name="Group 9">
-            <a:extLst>
-              <a:ext uri="{FF2B5EF4-FFF2-40B4-BE49-F238E27FC236}">
-                <a16:creationId xmlns:a16="http://schemas.microsoft.com/office/drawing/2014/main" id="{DB69288E-54CF-4F2B-A318-8C5D1FA63D0C}"/>
-              </a:ext>
-            </a:extLst>
-          </p:cNvPr>
-          <p:cNvGrpSpPr/>
-          <p:nvPr/>
-        </p:nvGrpSpPr>
-        <p:grpSpPr>
-          <a:xfrm>
-            <a:off x="7300304" y="102999"/>
-            <a:ext cx="4743450" cy="4092716"/>
-            <a:chOff x="4559086" y="2703563"/>
-            <a:chExt cx="4743450" cy="4092716"/>
-          </a:xfrm>
-          <a:effectLst>
-            <a:outerShdw blurRad="50800" dist="38100" dir="2700000" algn="tl" rotWithShape="0">
-              <a:prstClr val="black">
-                <a:alpha val="40000"/>
-              </a:prstClr>
-            </a:outerShdw>
-          </a:effectLst>
-        </p:grpSpPr>
-        <p:pic>
-          <p:nvPicPr>
-            <p:cNvPr id="3080" name="Picture 8">
-              <a:extLst>
-                <a:ext uri="{FF2B5EF4-FFF2-40B4-BE49-F238E27FC236}">
-                  <a16:creationId xmlns:a16="http://schemas.microsoft.com/office/drawing/2014/main" id="{5F5369DA-9A82-4E12-A25B-D16F24A9A991}"/>
-                </a:ext>
-              </a:extLst>
-            </p:cNvPr>
-            <p:cNvPicPr>
-              <a:picLocks noChangeAspect="1" noChangeArrowheads="1"/>
-            </p:cNvPicPr>
-            <p:nvPr/>
-          </p:nvPicPr>
-          <p:blipFill>
-            <a:blip r:embed="rId3">
-              <a:extLst>
-                <a:ext uri="{28A0092B-C50C-407E-A947-70E740481C1C}">
-                  <a14:useLocalDpi xmlns:a14="http://schemas.microsoft.com/office/drawing/2010/main" val="0"/>
-                </a:ext>
-              </a:extLst>
-            </a:blip>
-            <a:srcRect/>
-            <a:stretch>
-              <a:fillRect/>
-            </a:stretch>
-          </p:blipFill>
-          <p:spPr bwMode="auto">
-            <a:xfrm>
-              <a:off x="4559086" y="3043429"/>
-              <a:ext cx="4743450" cy="3752850"/>
+              <a:off x="360309" y="559294"/>
+              <a:ext cx="3484848" cy="3669076"/>
             </a:xfrm>
             <a:prstGeom prst="rect">
               <a:avLst/>
@@ -8566,10 +10836,10 @@
         </p:pic>
         <p:sp>
           <p:nvSpPr>
-            <p:cNvPr id="14" name="TextBox 13">
+            <p:cNvPr id="30" name="TextBox 29">
               <a:extLst>
                 <a:ext uri="{FF2B5EF4-FFF2-40B4-BE49-F238E27FC236}">
-                  <a16:creationId xmlns:a16="http://schemas.microsoft.com/office/drawing/2014/main" id="{C2574717-7BB7-4173-B300-DA26246829A2}"/>
+                  <a16:creationId xmlns:a16="http://schemas.microsoft.com/office/drawing/2014/main" id="{19C51564-9299-410F-8302-A43714C3E14F}"/>
                 </a:ext>
               </a:extLst>
             </p:cNvPr>
@@ -8578,8 +10848,8 @@
           </p:nvSpPr>
           <p:spPr>
             <a:xfrm>
-              <a:off x="6200955" y="2703563"/>
-              <a:ext cx="2502608" cy="369332"/>
+              <a:off x="1882066" y="790112"/>
+              <a:ext cx="1241045" cy="369332"/>
             </a:xfrm>
             <a:prstGeom prst="rect">
               <a:avLst/>
@@ -8594,7 +10864,205 @@
             <a:p>
               <a:r>
                 <a:rPr lang="en-US" dirty="0"/>
-                <a:t>Reduced collinearity</a:t>
+                <a:t>Total </a:t>
+              </a:r>
+              <a:r>
+                <a:rPr lang="en-US" dirty="0" err="1"/>
+                <a:t>sq</a:t>
+              </a:r>
+              <a:r>
+                <a:rPr lang="en-US" dirty="0"/>
+                <a:t> ft</a:t>
+              </a:r>
+            </a:p>
+          </p:txBody>
+        </p:sp>
+      </p:grpSp>
+      <p:grpSp>
+        <p:nvGrpSpPr>
+          <p:cNvPr id="31" name="Group 30">
+            <a:extLst>
+              <a:ext uri="{FF2B5EF4-FFF2-40B4-BE49-F238E27FC236}">
+                <a16:creationId xmlns:a16="http://schemas.microsoft.com/office/drawing/2014/main" id="{44DCC02F-49A9-4320-920E-5C87AFB4D523}"/>
+              </a:ext>
+            </a:extLst>
+          </p:cNvPr>
+          <p:cNvGrpSpPr/>
+          <p:nvPr/>
+        </p:nvGrpSpPr>
+        <p:grpSpPr>
+          <a:xfrm>
+            <a:off x="4607094" y="855609"/>
+            <a:ext cx="2996791" cy="2136166"/>
+            <a:chOff x="4349434" y="379201"/>
+            <a:chExt cx="3487214" cy="2485748"/>
+          </a:xfrm>
+        </p:grpSpPr>
+        <p:pic>
+          <p:nvPicPr>
+            <p:cNvPr id="32" name="Picture 31">
+              <a:extLst>
+                <a:ext uri="{FF2B5EF4-FFF2-40B4-BE49-F238E27FC236}">
+                  <a16:creationId xmlns:a16="http://schemas.microsoft.com/office/drawing/2014/main" id="{C9E034D1-BBFC-46AD-AD1C-42DDA169FA87}"/>
+                </a:ext>
+              </a:extLst>
+            </p:cNvPr>
+            <p:cNvPicPr>
+              <a:picLocks noChangeAspect="1"/>
+            </p:cNvPicPr>
+            <p:nvPr/>
+          </p:nvPicPr>
+          <p:blipFill rotWithShape="1">
+            <a:blip r:embed="rId3"/>
+            <a:srcRect b="32270"/>
+            <a:stretch/>
+          </p:blipFill>
+          <p:spPr>
+            <a:xfrm>
+              <a:off x="4349434" y="379201"/>
+              <a:ext cx="3487214" cy="2485748"/>
+            </a:xfrm>
+            <a:prstGeom prst="rect">
+              <a:avLst/>
+            </a:prstGeom>
+          </p:spPr>
+        </p:pic>
+        <p:sp>
+          <p:nvSpPr>
+            <p:cNvPr id="33" name="TextBox 32">
+              <a:extLst>
+                <a:ext uri="{FF2B5EF4-FFF2-40B4-BE49-F238E27FC236}">
+                  <a16:creationId xmlns:a16="http://schemas.microsoft.com/office/drawing/2014/main" id="{CB59135F-80A7-4A81-A0D5-F82ED3E22E85}"/>
+                </a:ext>
+              </a:extLst>
+            </p:cNvPr>
+            <p:cNvSpPr txBox="1"/>
+            <p:nvPr/>
+          </p:nvSpPr>
+          <p:spPr>
+            <a:xfrm>
+              <a:off x="5851864" y="559294"/>
+              <a:ext cx="1468672" cy="369332"/>
+            </a:xfrm>
+            <a:prstGeom prst="rect">
+              <a:avLst/>
+            </a:prstGeom>
+            <a:noFill/>
+          </p:spPr>
+          <p:txBody>
+            <a:bodyPr wrap="none" rtlCol="0">
+              <a:spAutoFit/>
+            </a:bodyPr>
+            <a:lstStyle/>
+            <a:p>
+              <a:r>
+                <a:rPr lang="en-US" dirty="0"/>
+                <a:t>Above </a:t>
+              </a:r>
+              <a:r>
+                <a:rPr lang="en-US" dirty="0" err="1"/>
+                <a:t>sq</a:t>
+              </a:r>
+              <a:r>
+                <a:rPr lang="en-US" dirty="0"/>
+                <a:t> ft</a:t>
+              </a:r>
+            </a:p>
+          </p:txBody>
+        </p:sp>
+      </p:grpSp>
+      <p:grpSp>
+        <p:nvGrpSpPr>
+          <p:cNvPr id="34" name="Group 33">
+            <a:extLst>
+              <a:ext uri="{FF2B5EF4-FFF2-40B4-BE49-F238E27FC236}">
+                <a16:creationId xmlns:a16="http://schemas.microsoft.com/office/drawing/2014/main" id="{F73C937E-D1FE-415D-88DE-3CD42C70DD66}"/>
+              </a:ext>
+            </a:extLst>
+          </p:cNvPr>
+          <p:cNvGrpSpPr/>
+          <p:nvPr/>
+        </p:nvGrpSpPr>
+        <p:grpSpPr>
+          <a:xfrm>
+            <a:off x="8616443" y="1405033"/>
+            <a:ext cx="3487214" cy="1171449"/>
+            <a:chOff x="4352393" y="3353859"/>
+            <a:chExt cx="3487214" cy="1171449"/>
+          </a:xfrm>
+        </p:grpSpPr>
+        <p:pic>
+          <p:nvPicPr>
+            <p:cNvPr id="35" name="Picture 34">
+              <a:extLst>
+                <a:ext uri="{FF2B5EF4-FFF2-40B4-BE49-F238E27FC236}">
+                  <a16:creationId xmlns:a16="http://schemas.microsoft.com/office/drawing/2014/main" id="{908E4A47-9902-4A8B-A610-867416FB9647}"/>
+                </a:ext>
+              </a:extLst>
+            </p:cNvPr>
+            <p:cNvPicPr>
+              <a:picLocks noChangeAspect="1"/>
+            </p:cNvPicPr>
+            <p:nvPr/>
+          </p:nvPicPr>
+          <p:blipFill rotWithShape="1">
+            <a:blip r:embed="rId3"/>
+            <a:srcRect t="68081"/>
+            <a:stretch/>
+          </p:blipFill>
+          <p:spPr>
+            <a:xfrm>
+              <a:off x="4352393" y="3353859"/>
+              <a:ext cx="3487214" cy="1171449"/>
+            </a:xfrm>
+            <a:prstGeom prst="rect">
+              <a:avLst/>
+            </a:prstGeom>
+          </p:spPr>
+        </p:pic>
+        <p:sp>
+          <p:nvSpPr>
+            <p:cNvPr id="36" name="TextBox 35">
+              <a:extLst>
+                <a:ext uri="{FF2B5EF4-FFF2-40B4-BE49-F238E27FC236}">
+                  <a16:creationId xmlns:a16="http://schemas.microsoft.com/office/drawing/2014/main" id="{775F1D98-BC06-4359-BF47-D132443B38E8}"/>
+                </a:ext>
+              </a:extLst>
+            </p:cNvPr>
+            <p:cNvSpPr txBox="1"/>
+            <p:nvPr/>
+          </p:nvSpPr>
+          <p:spPr>
+            <a:xfrm>
+              <a:off x="4432343" y="3804007"/>
+              <a:ext cx="857927" cy="646331"/>
+            </a:xfrm>
+            <a:prstGeom prst="rect">
+              <a:avLst/>
+            </a:prstGeom>
+            <a:noFill/>
+          </p:spPr>
+          <p:txBody>
+            <a:bodyPr wrap="none" rtlCol="0">
+              <a:spAutoFit/>
+            </a:bodyPr>
+            <a:lstStyle/>
+            <a:p>
+              <a:pPr algn="ctr"/>
+              <a:r>
+                <a:rPr lang="en-US" dirty="0"/>
+                <a:t>Below</a:t>
+              </a:r>
+            </a:p>
+            <a:p>
+              <a:pPr algn="ctr"/>
+              <a:r>
+                <a:rPr lang="en-US" dirty="0" err="1"/>
+                <a:t>sq</a:t>
+              </a:r>
+              <a:r>
+                <a:rPr lang="en-US" dirty="0"/>
+                <a:t> ft</a:t>
               </a:r>
             </a:p>
           </p:txBody>
@@ -8602,10 +11070,10 @@
       </p:grpSp>
       <p:sp>
         <p:nvSpPr>
-          <p:cNvPr id="11" name="Arrow: Bent 10">
+          <p:cNvPr id="37" name="Plus Sign 36">
             <a:extLst>
               <a:ext uri="{FF2B5EF4-FFF2-40B4-BE49-F238E27FC236}">
-                <a16:creationId xmlns:a16="http://schemas.microsoft.com/office/drawing/2014/main" id="{AF542DCF-6277-4881-A648-C162F719B77C}"/>
+                <a16:creationId xmlns:a16="http://schemas.microsoft.com/office/drawing/2014/main" id="{4CEE0E8A-1251-4B7F-9A76-58BC1ECF8FE6}"/>
               </a:ext>
             </a:extLst>
           </p:cNvPr>
@@ -8614,19 +11082,12 @@
         </p:nvSpPr>
         <p:spPr>
           <a:xfrm>
-            <a:off x="6436313" y="1631270"/>
-            <a:ext cx="1447060" cy="1376039"/>
+            <a:off x="3643615" y="1533557"/>
+            <a:ext cx="914400" cy="914400"/>
           </a:xfrm>
-          <a:prstGeom prst="bentArrow">
+          <a:prstGeom prst="mathPlus">
             <a:avLst/>
           </a:prstGeom>
-          <a:effectLst>
-            <a:outerShdw blurRad="50800" dist="38100" dir="2700000" algn="tl" rotWithShape="0">
-              <a:prstClr val="black">
-                <a:alpha val="40000"/>
-              </a:prstClr>
-            </a:outerShdw>
-          </a:effectLst>
         </p:spPr>
         <p:style>
           <a:lnRef idx="2">
@@ -8649,7 +11110,148 @@
           <a:lstStyle/>
           <a:p>
             <a:pPr algn="ctr"/>
-            <a:endParaRPr lang="en-US">
+            <a:endParaRPr lang="en-US"/>
+          </a:p>
+        </p:txBody>
+      </p:sp>
+      <p:sp>
+        <p:nvSpPr>
+          <p:cNvPr id="38" name="Plus Sign 37">
+            <a:extLst>
+              <a:ext uri="{FF2B5EF4-FFF2-40B4-BE49-F238E27FC236}">
+                <a16:creationId xmlns:a16="http://schemas.microsoft.com/office/drawing/2014/main" id="{EE297725-681E-4233-8D3A-95CB483B5C79}"/>
+              </a:ext>
+            </a:extLst>
+          </p:cNvPr>
+          <p:cNvSpPr/>
+          <p:nvPr/>
+        </p:nvSpPr>
+        <p:spPr>
+          <a:xfrm>
+            <a:off x="7652964" y="1533557"/>
+            <a:ext cx="914400" cy="914400"/>
+          </a:xfrm>
+          <a:prstGeom prst="mathPlus">
+            <a:avLst/>
+          </a:prstGeom>
+        </p:spPr>
+        <p:style>
+          <a:lnRef idx="2">
+            <a:schemeClr val="accent1">
+              <a:shade val="50000"/>
+            </a:schemeClr>
+          </a:lnRef>
+          <a:fillRef idx="1">
+            <a:schemeClr val="accent1"/>
+          </a:fillRef>
+          <a:effectRef idx="0">
+            <a:schemeClr val="accent1"/>
+          </a:effectRef>
+          <a:fontRef idx="minor">
+            <a:schemeClr val="lt1"/>
+          </a:fontRef>
+        </p:style>
+        <p:txBody>
+          <a:bodyPr rtlCol="0" anchor="ctr"/>
+          <a:lstStyle/>
+          <a:p>
+            <a:pPr algn="ctr"/>
+            <a:endParaRPr lang="en-US"/>
+          </a:p>
+        </p:txBody>
+      </p:sp>
+      <p:sp>
+        <p:nvSpPr>
+          <p:cNvPr id="39" name="TextBox 38">
+            <a:extLst>
+              <a:ext uri="{FF2B5EF4-FFF2-40B4-BE49-F238E27FC236}">
+                <a16:creationId xmlns:a16="http://schemas.microsoft.com/office/drawing/2014/main" id="{68605396-8B03-416F-BF9C-AB6531CF9FD2}"/>
+              </a:ext>
+            </a:extLst>
+          </p:cNvPr>
+          <p:cNvSpPr txBox="1"/>
+          <p:nvPr/>
+        </p:nvSpPr>
+        <p:spPr>
+          <a:xfrm>
+            <a:off x="7960625" y="3572492"/>
+            <a:ext cx="2082661" cy="1384995"/>
+          </a:xfrm>
+          <a:prstGeom prst="rect">
+            <a:avLst/>
+          </a:prstGeom>
+          <a:noFill/>
+        </p:spPr>
+        <p:txBody>
+          <a:bodyPr wrap="square" rtlCol="0" anchor="ctr">
+            <a:spAutoFit/>
+          </a:bodyPr>
+          <a:lstStyle/>
+          <a:p>
+            <a:pPr algn="ctr"/>
+            <a:r>
+              <a:rPr lang="en-US" sz="2800" b="1" dirty="0">
+                <a:solidFill>
+                  <a:schemeClr val="bg2">
+                    <a:lumMod val="50000"/>
+                  </a:schemeClr>
+                </a:solidFill>
+                <a:effectLst>
+                  <a:outerShdw blurRad="38100" dist="38100" dir="2700000" algn="tl">
+                    <a:srgbClr val="000000">
+                      <a:alpha val="43137"/>
+                    </a:srgbClr>
+                  </a:outerShdw>
+                </a:effectLst>
+              </a:rPr>
+              <a:t>PRICE of a single HOUSE</a:t>
+            </a:r>
+          </a:p>
+        </p:txBody>
+      </p:sp>
+      <p:sp>
+        <p:nvSpPr>
+          <p:cNvPr id="25" name="Not Equal 24">
+            <a:extLst>
+              <a:ext uri="{FF2B5EF4-FFF2-40B4-BE49-F238E27FC236}">
+                <a16:creationId xmlns:a16="http://schemas.microsoft.com/office/drawing/2014/main" id="{6AF8217C-6F8F-4E4F-A1ED-5CC5A90E47B8}"/>
+              </a:ext>
+            </a:extLst>
+          </p:cNvPr>
+          <p:cNvSpPr/>
+          <p:nvPr/>
+        </p:nvSpPr>
+        <p:spPr>
+          <a:xfrm>
+            <a:off x="7046225" y="3807789"/>
+            <a:ext cx="914400" cy="914400"/>
+          </a:xfrm>
+          <a:prstGeom prst="mathNotEqual">
+            <a:avLst/>
+          </a:prstGeom>
+        </p:spPr>
+        <p:style>
+          <a:lnRef idx="2">
+            <a:schemeClr val="accent1">
+              <a:shade val="50000"/>
+            </a:schemeClr>
+          </a:lnRef>
+          <a:fillRef idx="1">
+            <a:schemeClr val="accent1"/>
+          </a:fillRef>
+          <a:effectRef idx="0">
+            <a:schemeClr val="accent1"/>
+          </a:effectRef>
+          <a:fontRef idx="minor">
+            <a:schemeClr val="lt1"/>
+          </a:fontRef>
+        </p:style>
+        <p:txBody>
+          <a:bodyPr rtlCol="0" anchor="ctr"/>
+          <a:lstStyle/>
+          <a:p>
+            <a:pPr algn="ctr"/>
+            <a:endParaRPr lang="en-US" dirty="0">
               <a:solidFill>
                 <a:schemeClr val="tx1"/>
               </a:solidFill>
@@ -8703,9 +11305,9 @@
                             </p:stCondLst>
                             <p:childTnLst>
                               <p:par>
-                                <p:cTn id="5" presetID="22" presetClass="entr" presetSubtype="4" fill="hold" nodeType="afterEffect">
+                                <p:cTn id="5" presetID="42" presetClass="entr" presetSubtype="0" fill="hold" nodeType="afterEffect">
                                   <p:stCondLst>
-                                    <p:cond delay="1000"/>
+                                    <p:cond delay="500"/>
                                   </p:stCondLst>
                                   <p:childTnLst>
                                     <p:set>
@@ -8716,7 +11318,7 @@
                                           </p:stCondLst>
                                         </p:cTn>
                                         <p:tgtEl>
-                                          <p:spTgt spid="7"/>
+                                          <p:spTgt spid="28"/>
                                         </p:tgtEl>
                                         <p:attrNameLst>
                                           <p:attrName>style.visibility</p:attrName>
@@ -8726,11 +11328,101 @@
                                         <p:strVal val="visible"/>
                                       </p:to>
                                     </p:set>
-                                    <p:animEffect transition="in" filter="wipe(down)">
-                                      <p:cBhvr>
-                                        <p:cTn id="7" dur="1500"/>
-                                        <p:tgtEl>
-                                          <p:spTgt spid="7"/>
+                                    <p:animEffect transition="in" filter="fade">
+                                      <p:cBhvr>
+                                        <p:cTn id="7" dur="1000"/>
+                                        <p:tgtEl>
+                                          <p:spTgt spid="28"/>
+                                        </p:tgtEl>
+                                      </p:cBhvr>
+                                    </p:animEffect>
+                                    <p:anim calcmode="lin" valueType="num">
+                                      <p:cBhvr>
+                                        <p:cTn id="8" dur="1000" fill="hold"/>
+                                        <p:tgtEl>
+                                          <p:spTgt spid="28"/>
+                                        </p:tgtEl>
+                                        <p:attrNameLst>
+                                          <p:attrName>ppt_x</p:attrName>
+                                        </p:attrNameLst>
+                                      </p:cBhvr>
+                                      <p:tavLst>
+                                        <p:tav tm="0">
+                                          <p:val>
+                                            <p:strVal val="#ppt_x"/>
+                                          </p:val>
+                                        </p:tav>
+                                        <p:tav tm="100000">
+                                          <p:val>
+                                            <p:strVal val="#ppt_x"/>
+                                          </p:val>
+                                        </p:tav>
+                                      </p:tavLst>
+                                    </p:anim>
+                                    <p:anim calcmode="lin" valueType="num">
+                                      <p:cBhvr>
+                                        <p:cTn id="9" dur="1000" fill="hold"/>
+                                        <p:tgtEl>
+                                          <p:spTgt spid="28"/>
+                                        </p:tgtEl>
+                                        <p:attrNameLst>
+                                          <p:attrName>ppt_y</p:attrName>
+                                        </p:attrNameLst>
+                                      </p:cBhvr>
+                                      <p:tavLst>
+                                        <p:tav tm="0">
+                                          <p:val>
+                                            <p:strVal val="#ppt_y+.1"/>
+                                          </p:val>
+                                        </p:tav>
+                                        <p:tav tm="100000">
+                                          <p:val>
+                                            <p:strVal val="#ppt_y"/>
+                                          </p:val>
+                                        </p:tav>
+                                      </p:tavLst>
+                                    </p:anim>
+                                  </p:childTnLst>
+                                </p:cTn>
+                              </p:par>
+                            </p:childTnLst>
+                          </p:cTn>
+                        </p:par>
+                        <p:par>
+                          <p:cTn id="10" fill="hold">
+                            <p:stCondLst>
+                              <p:cond delay="1500"/>
+                            </p:stCondLst>
+                            <p:childTnLst>
+                              <p:par>
+                                <p:cTn id="11" presetID="6" presetClass="entr" presetSubtype="16" fill="hold" grpId="0" nodeType="afterEffect">
+                                  <p:stCondLst>
+                                    <p:cond delay="500"/>
+                                  </p:stCondLst>
+                                  <p:childTnLst>
+                                    <p:set>
+                                      <p:cBhvr>
+                                        <p:cTn id="12" dur="1" fill="hold">
+                                          <p:stCondLst>
+                                            <p:cond delay="0"/>
+                                          </p:stCondLst>
+                                        </p:cTn>
+                                        <p:tgtEl>
+                                          <p:spTgt spid="37"/>
+                                        </p:tgtEl>
+                                        <p:attrNameLst>
+                                          <p:attrName>style.visibility</p:attrName>
+                                        </p:attrNameLst>
+                                      </p:cBhvr>
+                                      <p:to>
+                                        <p:strVal val="visible"/>
+                                      </p:to>
+                                    </p:set>
+                                    <p:animEffect transition="in" filter="circle(in)">
+                                      <p:cBhvr>
+                                        <p:cTn id="13" dur="1500"/>
+                                        <p:tgtEl>
+                                          <p:spTgt spid="37"/>
                                         </p:tgtEl>
                                       </p:cBhvr>
                                     </p:animEffect>
@@ -8741,26 +11433,26 @@
                           </p:cTn>
                         </p:par>
                         <p:par>
-                          <p:cTn id="8" fill="hold">
+                          <p:cTn id="14" fill="hold">
                             <p:stCondLst>
-                              <p:cond delay="2500"/>
+                              <p:cond delay="3500"/>
                             </p:stCondLst>
                             <p:childTnLst>
                               <p:par>
-                                <p:cTn id="9" presetID="22" presetClass="entr" presetSubtype="8" fill="hold" grpId="0" nodeType="afterEffect">
+                                <p:cTn id="15" presetID="42" presetClass="entr" presetSubtype="0" fill="hold" nodeType="afterEffect">
                                   <p:stCondLst>
-                                    <p:cond delay="1000"/>
+                                    <p:cond delay="500"/>
                                   </p:stCondLst>
                                   <p:childTnLst>
                                     <p:set>
                                       <p:cBhvr>
-                                        <p:cTn id="10" dur="1" fill="hold">
+                                        <p:cTn id="16" dur="1" fill="hold">
                                           <p:stCondLst>
                                             <p:cond delay="0"/>
                                           </p:stCondLst>
                                         </p:cTn>
                                         <p:tgtEl>
-                                          <p:spTgt spid="11"/>
+                                          <p:spTgt spid="31"/>
                                         </p:tgtEl>
                                         <p:attrNameLst>
                                           <p:attrName>style.visibility</p:attrName>
@@ -8770,11 +11462,101 @@
                                         <p:strVal val="visible"/>
                                       </p:to>
                                     </p:set>
-                                    <p:animEffect transition="in" filter="wipe(left)">
-                                      <p:cBhvr>
-                                        <p:cTn id="11" dur="1000"/>
-                                        <p:tgtEl>
-                                          <p:spTgt spid="11"/>
+                                    <p:animEffect transition="in" filter="fade">
+                                      <p:cBhvr>
+                                        <p:cTn id="17" dur="1000"/>
+                                        <p:tgtEl>
+                                          <p:spTgt spid="31"/>
+                                        </p:tgtEl>
+                                      </p:cBhvr>
+                                    </p:animEffect>
+                                    <p:anim calcmode="lin" valueType="num">
+                                      <p:cBhvr>
+                                        <p:cTn id="18" dur="1000" fill="hold"/>
+                                        <p:tgtEl>
+                                          <p:spTgt spid="31"/>
+                                        </p:tgtEl>
+                                        <p:attrNameLst>
+                                          <p:attrName>ppt_x</p:attrName>
+                                        </p:attrNameLst>
+                                      </p:cBhvr>
+                                      <p:tavLst>
+                                        <p:tav tm="0">
+                                          <p:val>
+                                            <p:strVal val="#ppt_x"/>
+                                          </p:val>
+                                        </p:tav>
+                                        <p:tav tm="100000">
+                                          <p:val>
+                                            <p:strVal val="#ppt_x"/>
+                                          </p:val>
+                                        </p:tav>
+                                      </p:tavLst>
+                                    </p:anim>
+                                    <p:anim calcmode="lin" valueType="num">
+                                      <p:cBhvr>
+                                        <p:cTn id="19" dur="1000" fill="hold"/>
+                                        <p:tgtEl>
+                                          <p:spTgt spid="31"/>
+                                        </p:tgtEl>
+                                        <p:attrNameLst>
+                                          <p:attrName>ppt_y</p:attrName>
+                                        </p:attrNameLst>
+                                      </p:cBhvr>
+                                      <p:tavLst>
+                                        <p:tav tm="0">
+                                          <p:val>
+                                            <p:strVal val="#ppt_y+.1"/>
+                                          </p:val>
+                                        </p:tav>
+                                        <p:tav tm="100000">
+                                          <p:val>
+                                            <p:strVal val="#ppt_y"/>
+                                          </p:val>
+                                        </p:tav>
+                                      </p:tavLst>
+                                    </p:anim>
+                                  </p:childTnLst>
+                                </p:cTn>
+                              </p:par>
+                            </p:childTnLst>
+                          </p:cTn>
+                        </p:par>
+                        <p:par>
+                          <p:cTn id="20" fill="hold">
+                            <p:stCondLst>
+                              <p:cond delay="5000"/>
+                            </p:stCondLst>
+                            <p:childTnLst>
+                              <p:par>
+                                <p:cTn id="21" presetID="6" presetClass="entr" presetSubtype="16" fill="hold" grpId="0" nodeType="afterEffect">
+                                  <p:stCondLst>
+                                    <p:cond delay="500"/>
+                                  </p:stCondLst>
+                                  <p:childTnLst>
+                                    <p:set>
+                                      <p:cBhvr>
+                                        <p:cTn id="22" dur="1" fill="hold">
+                                          <p:stCondLst>
+                                            <p:cond delay="0"/>
+                                          </p:stCondLst>
+                                        </p:cTn>
+                                        <p:tgtEl>
+                                          <p:spTgt spid="38"/>
+                                        </p:tgtEl>
+                                        <p:attrNameLst>
+                                          <p:attrName>style.visibility</p:attrName>
+                                        </p:attrNameLst>
+                                      </p:cBhvr>
+                                      <p:to>
+                                        <p:strVal val="visible"/>
+                                      </p:to>
+                                    </p:set>
+                                    <p:animEffect transition="in" filter="circle(in)">
+                                      <p:cBhvr>
+                                        <p:cTn id="23" dur="1500"/>
+                                        <p:tgtEl>
+                                          <p:spTgt spid="38"/>
                                         </p:tgtEl>
                                       </p:cBhvr>
                                     </p:animEffect>
@@ -8785,26 +11567,26 @@
                           </p:cTn>
                         </p:par>
                         <p:par>
-                          <p:cTn id="12" fill="hold">
+                          <p:cTn id="24" fill="hold">
                             <p:stCondLst>
-                              <p:cond delay="4500"/>
+                              <p:cond delay="7000"/>
                             </p:stCondLst>
                             <p:childTnLst>
                               <p:par>
-                                <p:cTn id="13" presetID="22" presetClass="entr" presetSubtype="8" fill="hold" nodeType="afterEffect">
+                                <p:cTn id="25" presetID="42" presetClass="entr" presetSubtype="0" fill="hold" nodeType="afterEffect">
                                   <p:stCondLst>
-                                    <p:cond delay="1000"/>
+                                    <p:cond delay="500"/>
                                   </p:stCondLst>
                                   <p:childTnLst>
                                     <p:set>
                                       <p:cBhvr>
-                                        <p:cTn id="14" dur="1" fill="hold">
+                                        <p:cTn id="26" dur="1" fill="hold">
                                           <p:stCondLst>
                                             <p:cond delay="0"/>
                                           </p:stCondLst>
                                         </p:cTn>
                                         <p:tgtEl>
-                                          <p:spTgt spid="10"/>
+                                          <p:spTgt spid="34"/>
                                         </p:tgtEl>
                                         <p:attrNameLst>
                                           <p:attrName>style.visibility</p:attrName>
@@ -8814,14 +11596,194 @@
                                         <p:strVal val="visible"/>
                                       </p:to>
                                     </p:set>
-                                    <p:animEffect transition="in" filter="wipe(left)">
-                                      <p:cBhvr>
-                                        <p:cTn id="15" dur="1500"/>
-                                        <p:tgtEl>
-                                          <p:spTgt spid="10"/>
+                                    <p:animEffect transition="in" filter="fade">
+                                      <p:cBhvr>
+                                        <p:cTn id="27" dur="1000"/>
+                                        <p:tgtEl>
+                                          <p:spTgt spid="34"/>
                                         </p:tgtEl>
                                       </p:cBhvr>
                                     </p:animEffect>
+                                    <p:anim calcmode="lin" valueType="num">
+                                      <p:cBhvr>
+                                        <p:cTn id="28" dur="1000" fill="hold"/>
+                                        <p:tgtEl>
+                                          <p:spTgt spid="34"/>
+                                        </p:tgtEl>
+                                        <p:attrNameLst>
+                                          <p:attrName>ppt_x</p:attrName>
+                                        </p:attrNameLst>
+                                      </p:cBhvr>
+                                      <p:tavLst>
+                                        <p:tav tm="0">
+                                          <p:val>
+                                            <p:strVal val="#ppt_x"/>
+                                          </p:val>
+                                        </p:tav>
+                                        <p:tav tm="100000">
+                                          <p:val>
+                                            <p:strVal val="#ppt_x"/>
+                                          </p:val>
+                                        </p:tav>
+                                      </p:tavLst>
+                                    </p:anim>
+                                    <p:anim calcmode="lin" valueType="num">
+                                      <p:cBhvr>
+                                        <p:cTn id="29" dur="1000" fill="hold"/>
+                                        <p:tgtEl>
+                                          <p:spTgt spid="34"/>
+                                        </p:tgtEl>
+                                        <p:attrNameLst>
+                                          <p:attrName>ppt_y</p:attrName>
+                                        </p:attrNameLst>
+                                      </p:cBhvr>
+                                      <p:tavLst>
+                                        <p:tav tm="0">
+                                          <p:val>
+                                            <p:strVal val="#ppt_y+.1"/>
+                                          </p:val>
+                                        </p:tav>
+                                        <p:tav tm="100000">
+                                          <p:val>
+                                            <p:strVal val="#ppt_y"/>
+                                          </p:val>
+                                        </p:tav>
+                                      </p:tavLst>
+                                    </p:anim>
+                                  </p:childTnLst>
+                                </p:cTn>
+                              </p:par>
+                            </p:childTnLst>
+                          </p:cTn>
+                        </p:par>
+                        <p:par>
+                          <p:cTn id="30" fill="hold">
+                            <p:stCondLst>
+                              <p:cond delay="8500"/>
+                            </p:stCondLst>
+                            <p:childTnLst>
+                              <p:par>
+                                <p:cTn id="31" presetID="6" presetClass="entr" presetSubtype="16" fill="hold" grpId="0" nodeType="afterEffect">
+                                  <p:stCondLst>
+                                    <p:cond delay="500"/>
+                                  </p:stCondLst>
+                                  <p:childTnLst>
+                                    <p:set>
+                                      <p:cBhvr>
+                                        <p:cTn id="32" dur="1" fill="hold">
+                                          <p:stCondLst>
+                                            <p:cond delay="0"/>
+                                          </p:stCondLst>
+                                        </p:cTn>
+                                        <p:tgtEl>
+                                          <p:spTgt spid="25"/>
+                                        </p:tgtEl>
+                                        <p:attrNameLst>
+                                          <p:attrName>style.visibility</p:attrName>
+                                        </p:attrNameLst>
+                                      </p:cBhvr>
+                                      <p:to>
+                                        <p:strVal val="visible"/>
+                                      </p:to>
+                                    </p:set>
+                                    <p:animEffect transition="in" filter="circle(in)">
+                                      <p:cBhvr>
+                                        <p:cTn id="33" dur="1500"/>
+                                        <p:tgtEl>
+                                          <p:spTgt spid="25"/>
+                                        </p:tgtEl>
+                                      </p:cBhvr>
+                                    </p:animEffect>
+                                  </p:childTnLst>
+                                </p:cTn>
+                              </p:par>
+                            </p:childTnLst>
+                          </p:cTn>
+                        </p:par>
+                        <p:par>
+                          <p:cTn id="34" fill="hold">
+                            <p:stCondLst>
+                              <p:cond delay="10500"/>
+                            </p:stCondLst>
+                            <p:childTnLst>
+                              <p:par>
+                                <p:cTn id="35" presetID="42" presetClass="entr" presetSubtype="0" fill="hold" grpId="0" nodeType="afterEffect">
+                                  <p:stCondLst>
+                                    <p:cond delay="500"/>
+                                  </p:stCondLst>
+                                  <p:childTnLst>
+                                    <p:set>
+                                      <p:cBhvr>
+                                        <p:cTn id="36" dur="1" fill="hold">
+                                          <p:stCondLst>
+                                            <p:cond delay="0"/>
+                                          </p:stCondLst>
+                                        </p:cTn>
+                                        <p:tgtEl>
+                                          <p:spTgt spid="39"/>
+                                        </p:tgtEl>
+                                        <p:attrNameLst>
+                                          <p:attrName>style.visibility</p:attrName>
+                                        </p:attrNameLst>
+                                      </p:cBhvr>
+                                      <p:to>
+                                        <p:strVal val="visible"/>
+                                      </p:to>
+                                    </p:set>
+                                    <p:animEffect transition="in" filter="fade">
+                                      <p:cBhvr>
+                                        <p:cTn id="37" dur="1000"/>
+                                        <p:tgtEl>
+                                          <p:spTgt spid="39"/>
+                                        </p:tgtEl>
+                                      </p:cBhvr>
+                                    </p:animEffect>
+                                    <p:anim calcmode="lin" valueType="num">
+                                      <p:cBhvr>
+                                        <p:cTn id="38" dur="1000" fill="hold"/>
+                                        <p:tgtEl>
+                                          <p:spTgt spid="39"/>
+                                        </p:tgtEl>
+                                        <p:attrNameLst>
+                                          <p:attrName>ppt_x</p:attrName>
+                                        </p:attrNameLst>
+                                      </p:cBhvr>
+                                      <p:tavLst>
+                                        <p:tav tm="0">
+                                          <p:val>
+                                            <p:strVal val="#ppt_x"/>
+                                          </p:val>
+                                        </p:tav>
+                                        <p:tav tm="100000">
+                                          <p:val>
+                                            <p:strVal val="#ppt_x"/>
+                                          </p:val>
+                                        </p:tav>
+                                      </p:tavLst>
+                                    </p:anim>
+                                    <p:anim calcmode="lin" valueType="num">
+                                      <p:cBhvr>
+                                        <p:cTn id="39" dur="1000" fill="hold"/>
+                                        <p:tgtEl>
+                                          <p:spTgt spid="39"/>
+                                        </p:tgtEl>
+                                        <p:attrNameLst>
+                                          <p:attrName>ppt_y</p:attrName>
+                                        </p:attrNameLst>
+                                      </p:cBhvr>
+                                      <p:tavLst>
+                                        <p:tav tm="0">
+                                          <p:val>
+                                            <p:strVal val="#ppt_y+.1"/>
+                                          </p:val>
+                                        </p:tav>
+                                        <p:tav tm="100000">
+                                          <p:val>
+                                            <p:strVal val="#ppt_y"/>
+                                          </p:val>
+                                        </p:tav>
+                                      </p:tavLst>
+                                    </p:anim>
                                   </p:childTnLst>
                                 </p:cTn>
                               </p:par>
@@ -8853,13 +11815,1363 @@
       </p:par>
     </p:tnLst>
     <p:bldLst>
-      <p:bldP spid="11" grpId="0" animBg="1"/>
+      <p:bldP spid="37" grpId="0" animBg="1"/>
+      <p:bldP spid="38" grpId="0" animBg="1"/>
+      <p:bldP spid="39" grpId="0"/>
+      <p:bldP spid="25" grpId="0" animBg="1"/>
     </p:bldLst>
   </p:timing>
 </p:sld>
 </file>
 
 <file path=ppt/slides/slide7.xml><?xml version="1.0" encoding="utf-8"?>
+<p:sld xmlns:a="http://schemas.openxmlformats.org/drawingml/2006/main" xmlns:r="http://schemas.openxmlformats.org/officeDocument/2006/relationships" xmlns:p="http://schemas.openxmlformats.org/presentationml/2006/main">
+  <p:cSld>
+    <p:spTree>
+      <p:nvGrpSpPr>
+        <p:cNvPr id="1" name=""/>
+        <p:cNvGrpSpPr/>
+        <p:nvPr/>
+      </p:nvGrpSpPr>
+      <p:grpSpPr>
+        <a:xfrm>
+          <a:off x="0" y="0"/>
+          <a:ext cx="0" cy="0"/>
+          <a:chOff x="0" y="0"/>
+          <a:chExt cx="0" cy="0"/>
+        </a:xfrm>
+      </p:grpSpPr>
+      <p:sp>
+        <p:nvSpPr>
+          <p:cNvPr id="4" name="Title 1">
+            <a:extLst>
+              <a:ext uri="{FF2B5EF4-FFF2-40B4-BE49-F238E27FC236}">
+                <a16:creationId xmlns:a16="http://schemas.microsoft.com/office/drawing/2014/main" id="{E590A98F-B204-4ECE-AF17-BC996282AF83}"/>
+              </a:ext>
+            </a:extLst>
+          </p:cNvPr>
+          <p:cNvSpPr txBox="1">
+            <a:spLocks/>
+          </p:cNvSpPr>
+          <p:nvPr/>
+        </p:nvSpPr>
+        <p:spPr>
+          <a:xfrm>
+            <a:off x="9795661" y="5306543"/>
+            <a:ext cx="2396339" cy="1507067"/>
+          </a:xfrm>
+          <a:prstGeom prst="rect">
+            <a:avLst/>
+          </a:prstGeom>
+          <a:effectLst/>
+        </p:spPr>
+        <p:txBody>
+          <a:bodyPr vert="horz" lIns="91440" tIns="45720" rIns="91440" bIns="45720" rtlCol="0" anchor="ctr">
+            <a:normAutofit fontScale="90000" lnSpcReduction="10000"/>
+          </a:bodyPr>
+          <a:lstStyle>
+            <a:lvl1pPr algn="l" defTabSz="457200" rtl="0" eaLnBrk="1" latinLnBrk="0" hangingPunct="1">
+              <a:spcBef>
+                <a:spcPct val="0"/>
+              </a:spcBef>
+              <a:buNone/>
+              <a:defRPr sz="3600" kern="1200" cap="all">
+                <a:ln w="3175" cmpd="sng">
+                  <a:noFill/>
+                </a:ln>
+                <a:solidFill>
+                  <a:schemeClr val="tx1"/>
+                </a:solidFill>
+                <a:effectLst/>
+                <a:latin typeface="+mj-lt"/>
+                <a:ea typeface="+mj-ea"/>
+                <a:cs typeface="+mj-cs"/>
+              </a:defRPr>
+            </a:lvl1pPr>
+            <a:lvl2pPr eaLnBrk="1" hangingPunct="1">
+              <a:defRPr>
+                <a:solidFill>
+                  <a:schemeClr val="tx2"/>
+                </a:solidFill>
+              </a:defRPr>
+            </a:lvl2pPr>
+            <a:lvl3pPr eaLnBrk="1" hangingPunct="1">
+              <a:defRPr>
+                <a:solidFill>
+                  <a:schemeClr val="tx2"/>
+                </a:solidFill>
+              </a:defRPr>
+            </a:lvl3pPr>
+            <a:lvl4pPr eaLnBrk="1" hangingPunct="1">
+              <a:defRPr>
+                <a:solidFill>
+                  <a:schemeClr val="tx2"/>
+                </a:solidFill>
+              </a:defRPr>
+            </a:lvl4pPr>
+            <a:lvl5pPr eaLnBrk="1" hangingPunct="1">
+              <a:defRPr>
+                <a:solidFill>
+                  <a:schemeClr val="tx2"/>
+                </a:solidFill>
+              </a:defRPr>
+            </a:lvl5pPr>
+            <a:lvl6pPr eaLnBrk="1" hangingPunct="1">
+              <a:defRPr>
+                <a:solidFill>
+                  <a:schemeClr val="tx2"/>
+                </a:solidFill>
+              </a:defRPr>
+            </a:lvl6pPr>
+            <a:lvl7pPr eaLnBrk="1" hangingPunct="1">
+              <a:defRPr>
+                <a:solidFill>
+                  <a:schemeClr val="tx2"/>
+                </a:solidFill>
+              </a:defRPr>
+            </a:lvl7pPr>
+            <a:lvl8pPr eaLnBrk="1" hangingPunct="1">
+              <a:defRPr>
+                <a:solidFill>
+                  <a:schemeClr val="tx2"/>
+                </a:solidFill>
+              </a:defRPr>
+            </a:lvl8pPr>
+            <a:lvl9pPr eaLnBrk="1" hangingPunct="1">
+              <a:defRPr>
+                <a:solidFill>
+                  <a:schemeClr val="tx2"/>
+                </a:solidFill>
+              </a:defRPr>
+            </a:lvl9pPr>
+          </a:lstStyle>
+          <a:p>
+            <a:pPr algn="ctr"/>
+            <a:r>
+              <a:rPr lang="en-US" dirty="0"/>
+              <a:t>Building Custom Features</a:t>
+            </a:r>
+          </a:p>
+        </p:txBody>
+      </p:sp>
+      <p:sp>
+        <p:nvSpPr>
+          <p:cNvPr id="5" name="TextBox 4">
+            <a:extLst>
+              <a:ext uri="{FF2B5EF4-FFF2-40B4-BE49-F238E27FC236}">
+                <a16:creationId xmlns:a16="http://schemas.microsoft.com/office/drawing/2014/main" id="{D1D942C6-84B5-40C7-80E4-D5BE563DB715}"/>
+              </a:ext>
+            </a:extLst>
+          </p:cNvPr>
+          <p:cNvSpPr txBox="1"/>
+          <p:nvPr/>
+        </p:nvSpPr>
+        <p:spPr>
+          <a:xfrm>
+            <a:off x="858052" y="4957487"/>
+            <a:ext cx="6695603" cy="1477328"/>
+          </a:xfrm>
+          <a:prstGeom prst="rect">
+            <a:avLst/>
+          </a:prstGeom>
+          <a:noFill/>
+        </p:spPr>
+        <p:txBody>
+          <a:bodyPr wrap="square" rtlCol="0">
+            <a:spAutoFit/>
+          </a:bodyPr>
+          <a:lstStyle/>
+          <a:p>
+            <a:pPr algn="ctr"/>
+            <a:r>
+              <a:rPr lang="en-US" dirty="0"/>
+              <a:t>We don’t want to just remove variables, as the presence or absence of a basement may influence pricing.</a:t>
+            </a:r>
+          </a:p>
+          <a:p>
+            <a:pPr algn="ctr"/>
+            <a:endParaRPr lang="en-US" dirty="0"/>
+          </a:p>
+          <a:p>
+            <a:pPr algn="ctr"/>
+            <a:r>
+              <a:rPr lang="en-US" dirty="0"/>
+              <a:t>To solve this, we can </a:t>
+            </a:r>
+            <a:r>
+              <a:rPr lang="en-US" u="sng" dirty="0"/>
+              <a:t>build features</a:t>
+            </a:r>
+            <a:r>
+              <a:rPr lang="en-US" dirty="0"/>
+              <a:t> that weight the variables proportionally to their influence.</a:t>
+            </a:r>
+            <a:endParaRPr lang="en-US" u="sng" dirty="0"/>
+          </a:p>
+        </p:txBody>
+      </p:sp>
+      <p:grpSp>
+        <p:nvGrpSpPr>
+          <p:cNvPr id="6" name="Group 5">
+            <a:extLst>
+              <a:ext uri="{FF2B5EF4-FFF2-40B4-BE49-F238E27FC236}">
+                <a16:creationId xmlns:a16="http://schemas.microsoft.com/office/drawing/2014/main" id="{68CD3EDA-B816-4076-AAFD-C612D1E2BB15}"/>
+              </a:ext>
+            </a:extLst>
+          </p:cNvPr>
+          <p:cNvGrpSpPr/>
+          <p:nvPr/>
+        </p:nvGrpSpPr>
+        <p:grpSpPr>
+          <a:xfrm>
+            <a:off x="109688" y="855609"/>
+            <a:ext cx="3484848" cy="3669076"/>
+            <a:chOff x="360309" y="559294"/>
+            <a:chExt cx="3484848" cy="3669076"/>
+          </a:xfrm>
+        </p:grpSpPr>
+        <p:pic>
+          <p:nvPicPr>
+            <p:cNvPr id="7" name="Picture 2" descr="https://s3-eu-west-2.amazonaws.com/homebuilding-assets/prodwebsite/content/uploads/2009/05/22135242/Basement-Pros-and-Cons-00.jpg">
+              <a:extLst>
+                <a:ext uri="{FF2B5EF4-FFF2-40B4-BE49-F238E27FC236}">
+                  <a16:creationId xmlns:a16="http://schemas.microsoft.com/office/drawing/2014/main" id="{EE0B1C8F-CD7A-4A04-A31A-0F17608F5D89}"/>
+                </a:ext>
+              </a:extLst>
+            </p:cNvPr>
+            <p:cNvPicPr>
+              <a:picLocks noChangeAspect="1" noChangeArrowheads="1"/>
+            </p:cNvPicPr>
+            <p:nvPr/>
+          </p:nvPicPr>
+          <p:blipFill rotWithShape="1">
+            <a:blip r:embed="rId2">
+              <a:extLst>
+                <a:ext uri="{28A0092B-C50C-407E-A947-70E740481C1C}">
+                  <a14:useLocalDpi xmlns:a14="http://schemas.microsoft.com/office/drawing/2010/main" val="0"/>
+                </a:ext>
+              </a:extLst>
+            </a:blip>
+            <a:srcRect l="12611" r="29984" b="1119"/>
+            <a:stretch/>
+          </p:blipFill>
+          <p:spPr bwMode="auto">
+            <a:xfrm>
+              <a:off x="360309" y="559294"/>
+              <a:ext cx="3484848" cy="3669076"/>
+            </a:xfrm>
+            <a:prstGeom prst="rect">
+              <a:avLst/>
+            </a:prstGeom>
+            <a:noFill/>
+            <a:extLst>
+              <a:ext uri="{909E8E84-426E-40DD-AFC4-6F175D3DCCD1}">
+                <a14:hiddenFill xmlns:a14="http://schemas.microsoft.com/office/drawing/2010/main">
+                  <a:solidFill>
+                    <a:srgbClr val="FFFFFF"/>
+                  </a:solidFill>
+                </a14:hiddenFill>
+              </a:ext>
+            </a:extLst>
+          </p:spPr>
+        </p:pic>
+        <p:sp>
+          <p:nvSpPr>
+            <p:cNvPr id="8" name="TextBox 7">
+              <a:extLst>
+                <a:ext uri="{FF2B5EF4-FFF2-40B4-BE49-F238E27FC236}">
+                  <a16:creationId xmlns:a16="http://schemas.microsoft.com/office/drawing/2014/main" id="{0D995B2C-2F86-43BE-AB61-69FBF16578EA}"/>
+                </a:ext>
+              </a:extLst>
+            </p:cNvPr>
+            <p:cNvSpPr txBox="1"/>
+            <p:nvPr/>
+          </p:nvSpPr>
+          <p:spPr>
+            <a:xfrm>
+              <a:off x="1882066" y="790112"/>
+              <a:ext cx="1241045" cy="369332"/>
+            </a:xfrm>
+            <a:prstGeom prst="rect">
+              <a:avLst/>
+            </a:prstGeom>
+            <a:noFill/>
+          </p:spPr>
+          <p:txBody>
+            <a:bodyPr wrap="none" rtlCol="0">
+              <a:spAutoFit/>
+            </a:bodyPr>
+            <a:lstStyle/>
+            <a:p>
+              <a:r>
+                <a:rPr lang="en-US" dirty="0"/>
+                <a:t>Total </a:t>
+              </a:r>
+              <a:r>
+                <a:rPr lang="en-US" dirty="0" err="1"/>
+                <a:t>sq</a:t>
+              </a:r>
+              <a:r>
+                <a:rPr lang="en-US" dirty="0"/>
+                <a:t> ft</a:t>
+              </a:r>
+            </a:p>
+          </p:txBody>
+        </p:sp>
+      </p:grpSp>
+      <p:grpSp>
+        <p:nvGrpSpPr>
+          <p:cNvPr id="9" name="Group 8">
+            <a:extLst>
+              <a:ext uri="{FF2B5EF4-FFF2-40B4-BE49-F238E27FC236}">
+                <a16:creationId xmlns:a16="http://schemas.microsoft.com/office/drawing/2014/main" id="{4CE1B3D0-6A63-4EC4-93D5-CCCAF1A06B03}"/>
+              </a:ext>
+            </a:extLst>
+          </p:cNvPr>
+          <p:cNvGrpSpPr/>
+          <p:nvPr/>
+        </p:nvGrpSpPr>
+        <p:grpSpPr>
+          <a:xfrm>
+            <a:off x="4607094" y="855609"/>
+            <a:ext cx="2996791" cy="2136166"/>
+            <a:chOff x="4349434" y="379201"/>
+            <a:chExt cx="3487214" cy="2485748"/>
+          </a:xfrm>
+        </p:grpSpPr>
+        <p:pic>
+          <p:nvPicPr>
+            <p:cNvPr id="10" name="Picture 9">
+              <a:extLst>
+                <a:ext uri="{FF2B5EF4-FFF2-40B4-BE49-F238E27FC236}">
+                  <a16:creationId xmlns:a16="http://schemas.microsoft.com/office/drawing/2014/main" id="{B0142A9D-1134-4418-B3B0-37E53B26E0F3}"/>
+                </a:ext>
+              </a:extLst>
+            </p:cNvPr>
+            <p:cNvPicPr>
+              <a:picLocks noChangeAspect="1"/>
+            </p:cNvPicPr>
+            <p:nvPr/>
+          </p:nvPicPr>
+          <p:blipFill rotWithShape="1">
+            <a:blip r:embed="rId3"/>
+            <a:srcRect b="32270"/>
+            <a:stretch/>
+          </p:blipFill>
+          <p:spPr>
+            <a:xfrm>
+              <a:off x="4349434" y="379201"/>
+              <a:ext cx="3487214" cy="2485748"/>
+            </a:xfrm>
+            <a:prstGeom prst="rect">
+              <a:avLst/>
+            </a:prstGeom>
+          </p:spPr>
+        </p:pic>
+        <p:sp>
+          <p:nvSpPr>
+            <p:cNvPr id="11" name="TextBox 10">
+              <a:extLst>
+                <a:ext uri="{FF2B5EF4-FFF2-40B4-BE49-F238E27FC236}">
+                  <a16:creationId xmlns:a16="http://schemas.microsoft.com/office/drawing/2014/main" id="{A56CC1E3-9143-4E3D-9A13-B208D72C1EEE}"/>
+                </a:ext>
+              </a:extLst>
+            </p:cNvPr>
+            <p:cNvSpPr txBox="1"/>
+            <p:nvPr/>
+          </p:nvSpPr>
+          <p:spPr>
+            <a:xfrm>
+              <a:off x="5851864" y="559294"/>
+              <a:ext cx="1468672" cy="369332"/>
+            </a:xfrm>
+            <a:prstGeom prst="rect">
+              <a:avLst/>
+            </a:prstGeom>
+            <a:noFill/>
+          </p:spPr>
+          <p:txBody>
+            <a:bodyPr wrap="none" rtlCol="0">
+              <a:spAutoFit/>
+            </a:bodyPr>
+            <a:lstStyle/>
+            <a:p>
+              <a:r>
+                <a:rPr lang="en-US" dirty="0"/>
+                <a:t>Above </a:t>
+              </a:r>
+              <a:r>
+                <a:rPr lang="en-US" dirty="0" err="1"/>
+                <a:t>sq</a:t>
+              </a:r>
+              <a:r>
+                <a:rPr lang="en-US" dirty="0"/>
+                <a:t> ft</a:t>
+              </a:r>
+            </a:p>
+          </p:txBody>
+        </p:sp>
+      </p:grpSp>
+      <p:grpSp>
+        <p:nvGrpSpPr>
+          <p:cNvPr id="12" name="Group 11">
+            <a:extLst>
+              <a:ext uri="{FF2B5EF4-FFF2-40B4-BE49-F238E27FC236}">
+                <a16:creationId xmlns:a16="http://schemas.microsoft.com/office/drawing/2014/main" id="{337A7DBD-22E0-47B1-8317-80BEC12C009E}"/>
+              </a:ext>
+            </a:extLst>
+          </p:cNvPr>
+          <p:cNvGrpSpPr/>
+          <p:nvPr/>
+        </p:nvGrpSpPr>
+        <p:grpSpPr>
+          <a:xfrm>
+            <a:off x="8616443" y="1405033"/>
+            <a:ext cx="3487214" cy="1171449"/>
+            <a:chOff x="4352393" y="3353859"/>
+            <a:chExt cx="3487214" cy="1171449"/>
+          </a:xfrm>
+        </p:grpSpPr>
+        <p:pic>
+          <p:nvPicPr>
+            <p:cNvPr id="13" name="Picture 12">
+              <a:extLst>
+                <a:ext uri="{FF2B5EF4-FFF2-40B4-BE49-F238E27FC236}">
+                  <a16:creationId xmlns:a16="http://schemas.microsoft.com/office/drawing/2014/main" id="{3D84A22D-595E-494A-98AE-95C61F949211}"/>
+                </a:ext>
+              </a:extLst>
+            </p:cNvPr>
+            <p:cNvPicPr>
+              <a:picLocks noChangeAspect="1"/>
+            </p:cNvPicPr>
+            <p:nvPr/>
+          </p:nvPicPr>
+          <p:blipFill rotWithShape="1">
+            <a:blip r:embed="rId3"/>
+            <a:srcRect t="68081"/>
+            <a:stretch/>
+          </p:blipFill>
+          <p:spPr>
+            <a:xfrm>
+              <a:off x="4352393" y="3353859"/>
+              <a:ext cx="3487214" cy="1171449"/>
+            </a:xfrm>
+            <a:prstGeom prst="rect">
+              <a:avLst/>
+            </a:prstGeom>
+          </p:spPr>
+        </p:pic>
+        <p:sp>
+          <p:nvSpPr>
+            <p:cNvPr id="14" name="TextBox 13">
+              <a:extLst>
+                <a:ext uri="{FF2B5EF4-FFF2-40B4-BE49-F238E27FC236}">
+                  <a16:creationId xmlns:a16="http://schemas.microsoft.com/office/drawing/2014/main" id="{38AD1BDB-AAFE-462F-ADE1-558FB649D414}"/>
+                </a:ext>
+              </a:extLst>
+            </p:cNvPr>
+            <p:cNvSpPr txBox="1"/>
+            <p:nvPr/>
+          </p:nvSpPr>
+          <p:spPr>
+            <a:xfrm>
+              <a:off x="4432343" y="3804007"/>
+              <a:ext cx="857927" cy="646331"/>
+            </a:xfrm>
+            <a:prstGeom prst="rect">
+              <a:avLst/>
+            </a:prstGeom>
+            <a:noFill/>
+          </p:spPr>
+          <p:txBody>
+            <a:bodyPr wrap="none" rtlCol="0">
+              <a:spAutoFit/>
+            </a:bodyPr>
+            <a:lstStyle/>
+            <a:p>
+              <a:pPr algn="ctr"/>
+              <a:r>
+                <a:rPr lang="en-US" dirty="0"/>
+                <a:t>Below</a:t>
+              </a:r>
+            </a:p>
+            <a:p>
+              <a:pPr algn="ctr"/>
+              <a:r>
+                <a:rPr lang="en-US" dirty="0" err="1"/>
+                <a:t>sq</a:t>
+              </a:r>
+              <a:r>
+                <a:rPr lang="en-US" dirty="0"/>
+                <a:t> ft</a:t>
+              </a:r>
+            </a:p>
+          </p:txBody>
+        </p:sp>
+      </p:grpSp>
+      <p:sp>
+        <p:nvSpPr>
+          <p:cNvPr id="15" name="Plus Sign 14">
+            <a:extLst>
+              <a:ext uri="{FF2B5EF4-FFF2-40B4-BE49-F238E27FC236}">
+                <a16:creationId xmlns:a16="http://schemas.microsoft.com/office/drawing/2014/main" id="{BA9287E8-6866-4923-8271-099A490C283D}"/>
+              </a:ext>
+            </a:extLst>
+          </p:cNvPr>
+          <p:cNvSpPr/>
+          <p:nvPr/>
+        </p:nvSpPr>
+        <p:spPr>
+          <a:xfrm>
+            <a:off x="3643615" y="1533557"/>
+            <a:ext cx="914400" cy="914400"/>
+          </a:xfrm>
+          <a:prstGeom prst="mathPlus">
+            <a:avLst/>
+          </a:prstGeom>
+        </p:spPr>
+        <p:style>
+          <a:lnRef idx="2">
+            <a:schemeClr val="accent1">
+              <a:shade val="50000"/>
+            </a:schemeClr>
+          </a:lnRef>
+          <a:fillRef idx="1">
+            <a:schemeClr val="accent1"/>
+          </a:fillRef>
+          <a:effectRef idx="0">
+            <a:schemeClr val="accent1"/>
+          </a:effectRef>
+          <a:fontRef idx="minor">
+            <a:schemeClr val="lt1"/>
+          </a:fontRef>
+        </p:style>
+        <p:txBody>
+          <a:bodyPr rtlCol="0" anchor="ctr"/>
+          <a:lstStyle/>
+          <a:p>
+            <a:pPr algn="ctr"/>
+            <a:endParaRPr lang="en-US"/>
+          </a:p>
+        </p:txBody>
+      </p:sp>
+      <p:sp>
+        <p:nvSpPr>
+          <p:cNvPr id="16" name="Plus Sign 15">
+            <a:extLst>
+              <a:ext uri="{FF2B5EF4-FFF2-40B4-BE49-F238E27FC236}">
+                <a16:creationId xmlns:a16="http://schemas.microsoft.com/office/drawing/2014/main" id="{0862930B-E505-48CB-89BD-DD5686CD27DE}"/>
+              </a:ext>
+            </a:extLst>
+          </p:cNvPr>
+          <p:cNvSpPr/>
+          <p:nvPr/>
+        </p:nvSpPr>
+        <p:spPr>
+          <a:xfrm>
+            <a:off x="7652964" y="1533557"/>
+            <a:ext cx="914400" cy="914400"/>
+          </a:xfrm>
+          <a:prstGeom prst="mathPlus">
+            <a:avLst/>
+          </a:prstGeom>
+        </p:spPr>
+        <p:style>
+          <a:lnRef idx="2">
+            <a:schemeClr val="accent1">
+              <a:shade val="50000"/>
+            </a:schemeClr>
+          </a:lnRef>
+          <a:fillRef idx="1">
+            <a:schemeClr val="accent1"/>
+          </a:fillRef>
+          <a:effectRef idx="0">
+            <a:schemeClr val="accent1"/>
+          </a:effectRef>
+          <a:fontRef idx="minor">
+            <a:schemeClr val="lt1"/>
+          </a:fontRef>
+        </p:style>
+        <p:txBody>
+          <a:bodyPr rtlCol="0" anchor="ctr"/>
+          <a:lstStyle/>
+          <a:p>
+            <a:pPr algn="ctr"/>
+            <a:endParaRPr lang="en-US"/>
+          </a:p>
+        </p:txBody>
+      </p:sp>
+      <p:sp>
+        <p:nvSpPr>
+          <p:cNvPr id="17" name="Equals 16">
+            <a:extLst>
+              <a:ext uri="{FF2B5EF4-FFF2-40B4-BE49-F238E27FC236}">
+                <a16:creationId xmlns:a16="http://schemas.microsoft.com/office/drawing/2014/main" id="{CD6AC1F3-93D1-4B0A-9867-6747A232B70E}"/>
+              </a:ext>
+            </a:extLst>
+          </p:cNvPr>
+          <p:cNvSpPr/>
+          <p:nvPr/>
+        </p:nvSpPr>
+        <p:spPr>
+          <a:xfrm>
+            <a:off x="7146685" y="3807790"/>
+            <a:ext cx="914400" cy="914400"/>
+          </a:xfrm>
+          <a:prstGeom prst="mathEqual">
+            <a:avLst/>
+          </a:prstGeom>
+        </p:spPr>
+        <p:style>
+          <a:lnRef idx="2">
+            <a:schemeClr val="accent1">
+              <a:shade val="50000"/>
+            </a:schemeClr>
+          </a:lnRef>
+          <a:fillRef idx="1">
+            <a:schemeClr val="accent1"/>
+          </a:fillRef>
+          <a:effectRef idx="0">
+            <a:schemeClr val="accent1"/>
+          </a:effectRef>
+          <a:fontRef idx="minor">
+            <a:schemeClr val="lt1"/>
+          </a:fontRef>
+        </p:style>
+        <p:txBody>
+          <a:bodyPr rtlCol="0" anchor="ctr"/>
+          <a:lstStyle/>
+          <a:p>
+            <a:pPr algn="ctr"/>
+            <a:endParaRPr lang="en-US">
+              <a:solidFill>
+                <a:schemeClr val="tx1"/>
+              </a:solidFill>
+            </a:endParaRPr>
+          </a:p>
+        </p:txBody>
+      </p:sp>
+      <p:sp>
+        <p:nvSpPr>
+          <p:cNvPr id="18" name="TextBox 17">
+            <a:extLst>
+              <a:ext uri="{FF2B5EF4-FFF2-40B4-BE49-F238E27FC236}">
+                <a16:creationId xmlns:a16="http://schemas.microsoft.com/office/drawing/2014/main" id="{F360A04F-BE18-4996-9F71-C4084C3FC958}"/>
+              </a:ext>
+            </a:extLst>
+          </p:cNvPr>
+          <p:cNvSpPr txBox="1"/>
+          <p:nvPr/>
+        </p:nvSpPr>
+        <p:spPr>
+          <a:xfrm>
+            <a:off x="810781" y="24612"/>
+            <a:ext cx="2082661" cy="830997"/>
+          </a:xfrm>
+          <a:prstGeom prst="rect">
+            <a:avLst/>
+          </a:prstGeom>
+          <a:noFill/>
+        </p:spPr>
+        <p:txBody>
+          <a:bodyPr wrap="square" rtlCol="0" anchor="ctr">
+            <a:spAutoFit/>
+          </a:bodyPr>
+          <a:lstStyle/>
+          <a:p>
+            <a:pPr algn="ctr"/>
+            <a:r>
+              <a:rPr lang="en-US" sz="4800" b="1" dirty="0">
+                <a:solidFill>
+                  <a:schemeClr val="bg2">
+                    <a:lumMod val="50000"/>
+                  </a:schemeClr>
+                </a:solidFill>
+                <a:effectLst>
+                  <a:outerShdw blurRad="38100" dist="38100" dir="2700000" algn="tl">
+                    <a:srgbClr val="000000">
+                      <a:alpha val="43137"/>
+                    </a:srgbClr>
+                  </a:outerShdw>
+                </a:effectLst>
+              </a:rPr>
+              <a:t>70%</a:t>
+            </a:r>
+          </a:p>
+        </p:txBody>
+      </p:sp>
+      <p:sp>
+        <p:nvSpPr>
+          <p:cNvPr id="19" name="TextBox 18">
+            <a:extLst>
+              <a:ext uri="{FF2B5EF4-FFF2-40B4-BE49-F238E27FC236}">
+                <a16:creationId xmlns:a16="http://schemas.microsoft.com/office/drawing/2014/main" id="{81AC4A81-5577-4BD2-BCDC-3D921645EB16}"/>
+              </a:ext>
+            </a:extLst>
+          </p:cNvPr>
+          <p:cNvSpPr txBox="1"/>
+          <p:nvPr/>
+        </p:nvSpPr>
+        <p:spPr>
+          <a:xfrm>
+            <a:off x="5188446" y="24612"/>
+            <a:ext cx="2082661" cy="830997"/>
+          </a:xfrm>
+          <a:prstGeom prst="rect">
+            <a:avLst/>
+          </a:prstGeom>
+          <a:noFill/>
+        </p:spPr>
+        <p:txBody>
+          <a:bodyPr wrap="square" rtlCol="0" anchor="ctr">
+            <a:spAutoFit/>
+          </a:bodyPr>
+          <a:lstStyle/>
+          <a:p>
+            <a:pPr algn="ctr"/>
+            <a:r>
+              <a:rPr lang="en-US" sz="4800" b="1" dirty="0">
+                <a:solidFill>
+                  <a:schemeClr val="bg2">
+                    <a:lumMod val="50000"/>
+                  </a:schemeClr>
+                </a:solidFill>
+                <a:effectLst>
+                  <a:outerShdw blurRad="38100" dist="38100" dir="2700000" algn="tl">
+                    <a:srgbClr val="000000">
+                      <a:alpha val="43137"/>
+                    </a:srgbClr>
+                  </a:outerShdw>
+                </a:effectLst>
+              </a:rPr>
+              <a:t>20%</a:t>
+            </a:r>
+          </a:p>
+        </p:txBody>
+      </p:sp>
+      <p:sp>
+        <p:nvSpPr>
+          <p:cNvPr id="20" name="TextBox 19">
+            <a:extLst>
+              <a:ext uri="{FF2B5EF4-FFF2-40B4-BE49-F238E27FC236}">
+                <a16:creationId xmlns:a16="http://schemas.microsoft.com/office/drawing/2014/main" id="{6E1679BE-A6BA-42E7-AE2A-7AE519ED3717}"/>
+              </a:ext>
+            </a:extLst>
+          </p:cNvPr>
+          <p:cNvSpPr txBox="1"/>
+          <p:nvPr/>
+        </p:nvSpPr>
+        <p:spPr>
+          <a:xfrm>
+            <a:off x="9318719" y="574036"/>
+            <a:ext cx="2082661" cy="830997"/>
+          </a:xfrm>
+          <a:prstGeom prst="rect">
+            <a:avLst/>
+          </a:prstGeom>
+          <a:noFill/>
+        </p:spPr>
+        <p:txBody>
+          <a:bodyPr wrap="square" rtlCol="0" anchor="ctr">
+            <a:spAutoFit/>
+          </a:bodyPr>
+          <a:lstStyle/>
+          <a:p>
+            <a:pPr algn="ctr"/>
+            <a:r>
+              <a:rPr lang="en-US" sz="4800" b="1" dirty="0">
+                <a:solidFill>
+                  <a:schemeClr val="bg2">
+                    <a:lumMod val="50000"/>
+                  </a:schemeClr>
+                </a:solidFill>
+                <a:effectLst>
+                  <a:outerShdw blurRad="38100" dist="38100" dir="2700000" algn="tl">
+                    <a:srgbClr val="000000">
+                      <a:alpha val="43137"/>
+                    </a:srgbClr>
+                  </a:outerShdw>
+                </a:effectLst>
+              </a:rPr>
+              <a:t>10%</a:t>
+            </a:r>
+          </a:p>
+        </p:txBody>
+      </p:sp>
+      <p:sp>
+        <p:nvSpPr>
+          <p:cNvPr id="21" name="TextBox 20">
+            <a:extLst>
+              <a:ext uri="{FF2B5EF4-FFF2-40B4-BE49-F238E27FC236}">
+                <a16:creationId xmlns:a16="http://schemas.microsoft.com/office/drawing/2014/main" id="{E4C62D95-60DE-4D3B-83FE-860CE3C71D21}"/>
+              </a:ext>
+            </a:extLst>
+          </p:cNvPr>
+          <p:cNvSpPr txBox="1"/>
+          <p:nvPr/>
+        </p:nvSpPr>
+        <p:spPr>
+          <a:xfrm>
+            <a:off x="7960625" y="3572492"/>
+            <a:ext cx="2082661" cy="1384995"/>
+          </a:xfrm>
+          <a:prstGeom prst="rect">
+            <a:avLst/>
+          </a:prstGeom>
+          <a:noFill/>
+        </p:spPr>
+        <p:txBody>
+          <a:bodyPr wrap="square" rtlCol="0" anchor="ctr">
+            <a:spAutoFit/>
+          </a:bodyPr>
+          <a:lstStyle/>
+          <a:p>
+            <a:pPr algn="ctr"/>
+            <a:r>
+              <a:rPr lang="en-US" sz="2800" b="1" dirty="0">
+                <a:solidFill>
+                  <a:schemeClr val="bg2">
+                    <a:lumMod val="50000"/>
+                  </a:schemeClr>
+                </a:solidFill>
+                <a:effectLst>
+                  <a:outerShdw blurRad="38100" dist="38100" dir="2700000" algn="tl">
+                    <a:srgbClr val="000000">
+                      <a:alpha val="43137"/>
+                    </a:srgbClr>
+                  </a:outerShdw>
+                </a:effectLst>
+              </a:rPr>
+              <a:t>PRICE of a single HOUSE</a:t>
+            </a:r>
+          </a:p>
+        </p:txBody>
+      </p:sp>
+    </p:spTree>
+    <p:extLst>
+      <p:ext uri="{BB962C8B-B14F-4D97-AF65-F5344CB8AC3E}">
+        <p14:creationId xmlns:p14="http://schemas.microsoft.com/office/powerpoint/2010/main" val="3698391160"/>
+      </p:ext>
+    </p:extLst>
+  </p:cSld>
+  <p:clrMapOvr>
+    <a:masterClrMapping/>
+  </p:clrMapOvr>
+  <mc:AlternateContent xmlns:mc="http://schemas.openxmlformats.org/markup-compatibility/2006">
+    <mc:Choice xmlns:p14="http://schemas.microsoft.com/office/powerpoint/2010/main" Requires="p14">
+      <p:transition spd="med" p14:dur="700">
+        <p:fade/>
+      </p:transition>
+    </mc:Choice>
+    <mc:Fallback>
+      <p:transition spd="med">
+        <p:fade/>
+      </p:transition>
+    </mc:Fallback>
+  </mc:AlternateContent>
+  <p:timing>
+    <p:tnLst>
+      <p:par>
+        <p:cTn id="1" dur="indefinite" restart="never" nodeType="tmRoot">
+          <p:childTnLst>
+            <p:seq concurrent="1" nextAc="seek">
+              <p:cTn id="2" dur="indefinite" nodeType="mainSeq">
+                <p:childTnLst>
+                  <p:par>
+                    <p:cTn id="3" fill="hold">
+                      <p:stCondLst>
+                        <p:cond delay="indefinite"/>
+                        <p:cond evt="onBegin" delay="0">
+                          <p:tn val="2"/>
+                        </p:cond>
+                      </p:stCondLst>
+                      <p:childTnLst>
+                        <p:par>
+                          <p:cTn id="4" fill="hold">
+                            <p:stCondLst>
+                              <p:cond delay="0"/>
+                            </p:stCondLst>
+                            <p:childTnLst>
+                              <p:par>
+                                <p:cTn id="5" presetID="42" presetClass="entr" presetSubtype="0" fill="hold" grpId="0" nodeType="afterEffect">
+                                  <p:stCondLst>
+                                    <p:cond delay="500"/>
+                                  </p:stCondLst>
+                                  <p:childTnLst>
+                                    <p:set>
+                                      <p:cBhvr>
+                                        <p:cTn id="6" dur="1" fill="hold">
+                                          <p:stCondLst>
+                                            <p:cond delay="0"/>
+                                          </p:stCondLst>
+                                        </p:cTn>
+                                        <p:tgtEl>
+                                          <p:spTgt spid="5"/>
+                                        </p:tgtEl>
+                                        <p:attrNameLst>
+                                          <p:attrName>style.visibility</p:attrName>
+                                        </p:attrNameLst>
+                                      </p:cBhvr>
+                                      <p:to>
+                                        <p:strVal val="visible"/>
+                                      </p:to>
+                                    </p:set>
+                                    <p:animEffect transition="in" filter="fade">
+                                      <p:cBhvr>
+                                        <p:cTn id="7" dur="1000"/>
+                                        <p:tgtEl>
+                                          <p:spTgt spid="5"/>
+                                        </p:tgtEl>
+                                      </p:cBhvr>
+                                    </p:animEffect>
+                                    <p:anim calcmode="lin" valueType="num">
+                                      <p:cBhvr>
+                                        <p:cTn id="8" dur="1000" fill="hold"/>
+                                        <p:tgtEl>
+                                          <p:spTgt spid="5"/>
+                                        </p:tgtEl>
+                                        <p:attrNameLst>
+                                          <p:attrName>ppt_x</p:attrName>
+                                        </p:attrNameLst>
+                                      </p:cBhvr>
+                                      <p:tavLst>
+                                        <p:tav tm="0">
+                                          <p:val>
+                                            <p:strVal val="#ppt_x"/>
+                                          </p:val>
+                                        </p:tav>
+                                        <p:tav tm="100000">
+                                          <p:val>
+                                            <p:strVal val="#ppt_x"/>
+                                          </p:val>
+                                        </p:tav>
+                                      </p:tavLst>
+                                    </p:anim>
+                                    <p:anim calcmode="lin" valueType="num">
+                                      <p:cBhvr>
+                                        <p:cTn id="9" dur="1000" fill="hold"/>
+                                        <p:tgtEl>
+                                          <p:spTgt spid="5"/>
+                                        </p:tgtEl>
+                                        <p:attrNameLst>
+                                          <p:attrName>ppt_y</p:attrName>
+                                        </p:attrNameLst>
+                                      </p:cBhvr>
+                                      <p:tavLst>
+                                        <p:tav tm="0">
+                                          <p:val>
+                                            <p:strVal val="#ppt_y+.1"/>
+                                          </p:val>
+                                        </p:tav>
+                                        <p:tav tm="100000">
+                                          <p:val>
+                                            <p:strVal val="#ppt_y"/>
+                                          </p:val>
+                                        </p:tav>
+                                      </p:tavLst>
+                                    </p:anim>
+                                  </p:childTnLst>
+                                </p:cTn>
+                              </p:par>
+                            </p:childTnLst>
+                          </p:cTn>
+                        </p:par>
+                        <p:par>
+                          <p:cTn id="10" fill="hold">
+                            <p:stCondLst>
+                              <p:cond delay="1500"/>
+                            </p:stCondLst>
+                            <p:childTnLst>
+                              <p:par>
+                                <p:cTn id="11" presetID="42" presetClass="entr" presetSubtype="0" fill="hold" grpId="0" nodeType="afterEffect">
+                                  <p:stCondLst>
+                                    <p:cond delay="500"/>
+                                  </p:stCondLst>
+                                  <p:childTnLst>
+                                    <p:set>
+                                      <p:cBhvr>
+                                        <p:cTn id="12" dur="1" fill="hold">
+                                          <p:stCondLst>
+                                            <p:cond delay="0"/>
+                                          </p:stCondLst>
+                                        </p:cTn>
+                                        <p:tgtEl>
+                                          <p:spTgt spid="18"/>
+                                        </p:tgtEl>
+                                        <p:attrNameLst>
+                                          <p:attrName>style.visibility</p:attrName>
+                                        </p:attrNameLst>
+                                      </p:cBhvr>
+                                      <p:to>
+                                        <p:strVal val="visible"/>
+                                      </p:to>
+                                    </p:set>
+                                    <p:animEffect transition="in" filter="fade">
+                                      <p:cBhvr>
+                                        <p:cTn id="13" dur="1000"/>
+                                        <p:tgtEl>
+                                          <p:spTgt spid="18"/>
+                                        </p:tgtEl>
+                                      </p:cBhvr>
+                                    </p:animEffect>
+                                    <p:anim calcmode="lin" valueType="num">
+                                      <p:cBhvr>
+                                        <p:cTn id="14" dur="1000" fill="hold"/>
+                                        <p:tgtEl>
+                                          <p:spTgt spid="18"/>
+                                        </p:tgtEl>
+                                        <p:attrNameLst>
+                                          <p:attrName>ppt_x</p:attrName>
+                                        </p:attrNameLst>
+                                      </p:cBhvr>
+                                      <p:tavLst>
+                                        <p:tav tm="0">
+                                          <p:val>
+                                            <p:strVal val="#ppt_x"/>
+                                          </p:val>
+                                        </p:tav>
+                                        <p:tav tm="100000">
+                                          <p:val>
+                                            <p:strVal val="#ppt_x"/>
+                                          </p:val>
+                                        </p:tav>
+                                      </p:tavLst>
+                                    </p:anim>
+                                    <p:anim calcmode="lin" valueType="num">
+                                      <p:cBhvr>
+                                        <p:cTn id="15" dur="1000" fill="hold"/>
+                                        <p:tgtEl>
+                                          <p:spTgt spid="18"/>
+                                        </p:tgtEl>
+                                        <p:attrNameLst>
+                                          <p:attrName>ppt_y</p:attrName>
+                                        </p:attrNameLst>
+                                      </p:cBhvr>
+                                      <p:tavLst>
+                                        <p:tav tm="0">
+                                          <p:val>
+                                            <p:strVal val="#ppt_y+.1"/>
+                                          </p:val>
+                                        </p:tav>
+                                        <p:tav tm="100000">
+                                          <p:val>
+                                            <p:strVal val="#ppt_y"/>
+                                          </p:val>
+                                        </p:tav>
+                                      </p:tavLst>
+                                    </p:anim>
+                                  </p:childTnLst>
+                                </p:cTn>
+                              </p:par>
+                            </p:childTnLst>
+                          </p:cTn>
+                        </p:par>
+                        <p:par>
+                          <p:cTn id="16" fill="hold">
+                            <p:stCondLst>
+                              <p:cond delay="3000"/>
+                            </p:stCondLst>
+                            <p:childTnLst>
+                              <p:par>
+                                <p:cTn id="17" presetID="42" presetClass="entr" presetSubtype="0" fill="hold" grpId="0" nodeType="afterEffect">
+                                  <p:stCondLst>
+                                    <p:cond delay="0"/>
+                                  </p:stCondLst>
+                                  <p:childTnLst>
+                                    <p:set>
+                                      <p:cBhvr>
+                                        <p:cTn id="18" dur="1" fill="hold">
+                                          <p:stCondLst>
+                                            <p:cond delay="0"/>
+                                          </p:stCondLst>
+                                        </p:cTn>
+                                        <p:tgtEl>
+                                          <p:spTgt spid="19"/>
+                                        </p:tgtEl>
+                                        <p:attrNameLst>
+                                          <p:attrName>style.visibility</p:attrName>
+                                        </p:attrNameLst>
+                                      </p:cBhvr>
+                                      <p:to>
+                                        <p:strVal val="visible"/>
+                                      </p:to>
+                                    </p:set>
+                                    <p:animEffect transition="in" filter="fade">
+                                      <p:cBhvr>
+                                        <p:cTn id="19" dur="1000"/>
+                                        <p:tgtEl>
+                                          <p:spTgt spid="19"/>
+                                        </p:tgtEl>
+                                      </p:cBhvr>
+                                    </p:animEffect>
+                                    <p:anim calcmode="lin" valueType="num">
+                                      <p:cBhvr>
+                                        <p:cTn id="20" dur="1000" fill="hold"/>
+                                        <p:tgtEl>
+                                          <p:spTgt spid="19"/>
+                                        </p:tgtEl>
+                                        <p:attrNameLst>
+                                          <p:attrName>ppt_x</p:attrName>
+                                        </p:attrNameLst>
+                                      </p:cBhvr>
+                                      <p:tavLst>
+                                        <p:tav tm="0">
+                                          <p:val>
+                                            <p:strVal val="#ppt_x"/>
+                                          </p:val>
+                                        </p:tav>
+                                        <p:tav tm="100000">
+                                          <p:val>
+                                            <p:strVal val="#ppt_x"/>
+                                          </p:val>
+                                        </p:tav>
+                                      </p:tavLst>
+                                    </p:anim>
+                                    <p:anim calcmode="lin" valueType="num">
+                                      <p:cBhvr>
+                                        <p:cTn id="21" dur="1000" fill="hold"/>
+                                        <p:tgtEl>
+                                          <p:spTgt spid="19"/>
+                                        </p:tgtEl>
+                                        <p:attrNameLst>
+                                          <p:attrName>ppt_y</p:attrName>
+                                        </p:attrNameLst>
+                                      </p:cBhvr>
+                                      <p:tavLst>
+                                        <p:tav tm="0">
+                                          <p:val>
+                                            <p:strVal val="#ppt_y+.1"/>
+                                          </p:val>
+                                        </p:tav>
+                                        <p:tav tm="100000">
+                                          <p:val>
+                                            <p:strVal val="#ppt_y"/>
+                                          </p:val>
+                                        </p:tav>
+                                      </p:tavLst>
+                                    </p:anim>
+                                  </p:childTnLst>
+                                </p:cTn>
+                              </p:par>
+                            </p:childTnLst>
+                          </p:cTn>
+                        </p:par>
+                        <p:par>
+                          <p:cTn id="22" fill="hold">
+                            <p:stCondLst>
+                              <p:cond delay="4000"/>
+                            </p:stCondLst>
+                            <p:childTnLst>
+                              <p:par>
+                                <p:cTn id="23" presetID="42" presetClass="entr" presetSubtype="0" fill="hold" grpId="0" nodeType="afterEffect">
+                                  <p:stCondLst>
+                                    <p:cond delay="0"/>
+                                  </p:stCondLst>
+                                  <p:childTnLst>
+                                    <p:set>
+                                      <p:cBhvr>
+                                        <p:cTn id="24" dur="1" fill="hold">
+                                          <p:stCondLst>
+                                            <p:cond delay="0"/>
+                                          </p:stCondLst>
+                                        </p:cTn>
+                                        <p:tgtEl>
+                                          <p:spTgt spid="20"/>
+                                        </p:tgtEl>
+                                        <p:attrNameLst>
+                                          <p:attrName>style.visibility</p:attrName>
+                                        </p:attrNameLst>
+                                      </p:cBhvr>
+                                      <p:to>
+                                        <p:strVal val="visible"/>
+                                      </p:to>
+                                    </p:set>
+                                    <p:animEffect transition="in" filter="fade">
+                                      <p:cBhvr>
+                                        <p:cTn id="25" dur="1000"/>
+                                        <p:tgtEl>
+                                          <p:spTgt spid="20"/>
+                                        </p:tgtEl>
+                                      </p:cBhvr>
+                                    </p:animEffect>
+                                    <p:anim calcmode="lin" valueType="num">
+                                      <p:cBhvr>
+                                        <p:cTn id="26" dur="1000" fill="hold"/>
+                                        <p:tgtEl>
+                                          <p:spTgt spid="20"/>
+                                        </p:tgtEl>
+                                        <p:attrNameLst>
+                                          <p:attrName>ppt_x</p:attrName>
+                                        </p:attrNameLst>
+                                      </p:cBhvr>
+                                      <p:tavLst>
+                                        <p:tav tm="0">
+                                          <p:val>
+                                            <p:strVal val="#ppt_x"/>
+                                          </p:val>
+                                        </p:tav>
+                                        <p:tav tm="100000">
+                                          <p:val>
+                                            <p:strVal val="#ppt_x"/>
+                                          </p:val>
+                                        </p:tav>
+                                      </p:tavLst>
+                                    </p:anim>
+                                    <p:anim calcmode="lin" valueType="num">
+                                      <p:cBhvr>
+                                        <p:cTn id="27" dur="1000" fill="hold"/>
+                                        <p:tgtEl>
+                                          <p:spTgt spid="20"/>
+                                        </p:tgtEl>
+                                        <p:attrNameLst>
+                                          <p:attrName>ppt_y</p:attrName>
+                                        </p:attrNameLst>
+                                      </p:cBhvr>
+                                      <p:tavLst>
+                                        <p:tav tm="0">
+                                          <p:val>
+                                            <p:strVal val="#ppt_y+.1"/>
+                                          </p:val>
+                                        </p:tav>
+                                        <p:tav tm="100000">
+                                          <p:val>
+                                            <p:strVal val="#ppt_y"/>
+                                          </p:val>
+                                        </p:tav>
+                                      </p:tavLst>
+                                    </p:anim>
+                                  </p:childTnLst>
+                                </p:cTn>
+                              </p:par>
+                            </p:childTnLst>
+                          </p:cTn>
+                        </p:par>
+                        <p:par>
+                          <p:cTn id="28" fill="hold">
+                            <p:stCondLst>
+                              <p:cond delay="5000"/>
+                            </p:stCondLst>
+                            <p:childTnLst>
+                              <p:par>
+                                <p:cTn id="29" presetID="45" presetClass="entr" presetSubtype="0" fill="hold" grpId="0" nodeType="afterEffect">
+                                  <p:stCondLst>
+                                    <p:cond delay="1000"/>
+                                  </p:stCondLst>
+                                  <p:childTnLst>
+                                    <p:set>
+                                      <p:cBhvr>
+                                        <p:cTn id="30" dur="1" fill="hold">
+                                          <p:stCondLst>
+                                            <p:cond delay="0"/>
+                                          </p:stCondLst>
+                                        </p:cTn>
+                                        <p:tgtEl>
+                                          <p:spTgt spid="17"/>
+                                        </p:tgtEl>
+                                        <p:attrNameLst>
+                                          <p:attrName>style.visibility</p:attrName>
+                                        </p:attrNameLst>
+                                      </p:cBhvr>
+                                      <p:to>
+                                        <p:strVal val="visible"/>
+                                      </p:to>
+                                    </p:set>
+                                    <p:animEffect transition="in" filter="fade">
+                                      <p:cBhvr>
+                                        <p:cTn id="31" dur="2000"/>
+                                        <p:tgtEl>
+                                          <p:spTgt spid="17"/>
+                                        </p:tgtEl>
+                                      </p:cBhvr>
+                                    </p:animEffect>
+                                    <p:anim calcmode="lin" valueType="num">
+                                      <p:cBhvr>
+                                        <p:cTn id="32" dur="2000" fill="hold"/>
+                                        <p:tgtEl>
+                                          <p:spTgt spid="17"/>
+                                        </p:tgtEl>
+                                        <p:attrNameLst>
+                                          <p:attrName>ppt_w</p:attrName>
+                                        </p:attrNameLst>
+                                      </p:cBhvr>
+                                      <p:tavLst>
+                                        <p:tav tm="0" fmla="#ppt_w*sin(2.5*pi*$)">
+                                          <p:val>
+                                            <p:fltVal val="0"/>
+                                          </p:val>
+                                        </p:tav>
+                                        <p:tav tm="100000">
+                                          <p:val>
+                                            <p:fltVal val="1"/>
+                                          </p:val>
+                                        </p:tav>
+                                      </p:tavLst>
+                                    </p:anim>
+                                    <p:anim calcmode="lin" valueType="num">
+                                      <p:cBhvr>
+                                        <p:cTn id="33" dur="2000" fill="hold"/>
+                                        <p:tgtEl>
+                                          <p:spTgt spid="17"/>
+                                        </p:tgtEl>
+                                        <p:attrNameLst>
+                                          <p:attrName>ppt_h</p:attrName>
+                                        </p:attrNameLst>
+                                      </p:cBhvr>
+                                      <p:tavLst>
+                                        <p:tav tm="0">
+                                          <p:val>
+                                            <p:strVal val="#ppt_h"/>
+                                          </p:val>
+                                        </p:tav>
+                                        <p:tav tm="100000">
+                                          <p:val>
+                                            <p:strVal val="#ppt_h"/>
+                                          </p:val>
+                                        </p:tav>
+                                      </p:tavLst>
+                                    </p:anim>
+                                  </p:childTnLst>
+                                </p:cTn>
+                              </p:par>
+                            </p:childTnLst>
+                          </p:cTn>
+                        </p:par>
+                      </p:childTnLst>
+                    </p:cTn>
+                  </p:par>
+                </p:childTnLst>
+              </p:cTn>
+              <p:prevCondLst>
+                <p:cond evt="onPrev" delay="0">
+                  <p:tgtEl>
+                    <p:sldTgt/>
+                  </p:tgtEl>
+                </p:cond>
+              </p:prevCondLst>
+              <p:nextCondLst>
+                <p:cond evt="onNext" delay="0">
+                  <p:tgtEl>
+                    <p:sldTgt/>
+                  </p:tgtEl>
+                </p:cond>
+              </p:nextCondLst>
+            </p:seq>
+          </p:childTnLst>
+        </p:cTn>
+      </p:par>
+    </p:tnLst>
+    <p:bldLst>
+      <p:bldP spid="5" grpId="0"/>
+      <p:bldP spid="17" grpId="0" animBg="1"/>
+      <p:bldP spid="18" grpId="0"/>
+      <p:bldP spid="19" grpId="0"/>
+      <p:bldP spid="20" grpId="0"/>
+    </p:bldLst>
+  </p:timing>
+</p:sld>
+</file>
+
+<file path=ppt/slides/slide8.xml><?xml version="1.0" encoding="utf-8"?>
 <p:sld xmlns:a="http://schemas.openxmlformats.org/drawingml/2006/main" xmlns:r="http://schemas.openxmlformats.org/officeDocument/2006/relationships" xmlns:p="http://schemas.openxmlformats.org/presentationml/2006/main">
   <p:cSld>
     <p:spTree>
@@ -8912,114 +13224,6 @@
       </p:sp>
       <p:grpSp>
         <p:nvGrpSpPr>
-          <p:cNvPr id="10" name="Group 9">
-            <a:extLst>
-              <a:ext uri="{FF2B5EF4-FFF2-40B4-BE49-F238E27FC236}">
-                <a16:creationId xmlns:a16="http://schemas.microsoft.com/office/drawing/2014/main" id="{AA6B9364-7924-45E0-814B-8ADE712292C2}"/>
-              </a:ext>
-            </a:extLst>
-          </p:cNvPr>
-          <p:cNvGrpSpPr/>
-          <p:nvPr/>
-        </p:nvGrpSpPr>
-        <p:grpSpPr>
-          <a:xfrm>
-            <a:off x="401067" y="1064592"/>
-            <a:ext cx="5114925" cy="5133975"/>
-            <a:chOff x="401067" y="1064592"/>
-            <a:chExt cx="5114925" cy="5133975"/>
-          </a:xfrm>
-        </p:grpSpPr>
-        <p:pic>
-          <p:nvPicPr>
-            <p:cNvPr id="3" name="Picture 2">
-              <a:extLst>
-                <a:ext uri="{FF2B5EF4-FFF2-40B4-BE49-F238E27FC236}">
-                  <a16:creationId xmlns:a16="http://schemas.microsoft.com/office/drawing/2014/main" id="{EE478CBA-2FF4-421C-97AE-B9942CA50D8B}"/>
-                </a:ext>
-              </a:extLst>
-            </p:cNvPr>
-            <p:cNvPicPr>
-              <a:picLocks noChangeAspect="1"/>
-            </p:cNvPicPr>
-            <p:nvPr/>
-          </p:nvPicPr>
-          <p:blipFill>
-            <a:blip r:embed="rId2"/>
-            <a:stretch>
-              <a:fillRect/>
-            </a:stretch>
-          </p:blipFill>
-          <p:spPr>
-            <a:xfrm>
-              <a:off x="401067" y="1064592"/>
-              <a:ext cx="5114925" cy="5133975"/>
-            </a:xfrm>
-            <a:prstGeom prst="rect">
-              <a:avLst/>
-            </a:prstGeom>
-          </p:spPr>
-        </p:pic>
-        <p:sp>
-          <p:nvSpPr>
-            <p:cNvPr id="9" name="TextBox 8">
-              <a:extLst>
-                <a:ext uri="{FF2B5EF4-FFF2-40B4-BE49-F238E27FC236}">
-                  <a16:creationId xmlns:a16="http://schemas.microsoft.com/office/drawing/2014/main" id="{5D123B4D-ABF2-4D71-9BD3-B9760955A099}"/>
-                </a:ext>
-              </a:extLst>
-            </p:cNvPr>
-            <p:cNvSpPr txBox="1"/>
-            <p:nvPr/>
-          </p:nvSpPr>
-          <p:spPr>
-            <a:xfrm>
-              <a:off x="2079121" y="3169914"/>
-              <a:ext cx="1758815" cy="923330"/>
-            </a:xfrm>
-            <a:prstGeom prst="rect">
-              <a:avLst/>
-            </a:prstGeom>
-            <a:noFill/>
-            <a:effectLst>
-              <a:outerShdw blurRad="50800" dist="38100" dir="2700000" algn="tl" rotWithShape="0">
-                <a:prstClr val="black">
-                  <a:alpha val="40000"/>
-                </a:prstClr>
-              </a:outerShdw>
-            </a:effectLst>
-          </p:spPr>
-          <p:txBody>
-            <a:bodyPr wrap="none" rtlCol="0">
-              <a:spAutoFit/>
-            </a:bodyPr>
-            <a:lstStyle/>
-            <a:p>
-              <a:pPr algn="ctr"/>
-              <a:r>
-                <a:rPr lang="en-US" dirty="0"/>
-                <a:t>Trained by</a:t>
-              </a:r>
-            </a:p>
-            <a:p>
-              <a:pPr algn="ctr"/>
-              <a:r>
-                <a:rPr lang="en-US" dirty="0"/>
-                <a:t>10,000 testing </a:t>
-              </a:r>
-            </a:p>
-            <a:p>
-              <a:pPr algn="ctr"/>
-              <a:r>
-                <a:rPr lang="en-US" dirty="0"/>
-                <a:t>cycles</a:t>
-              </a:r>
-            </a:p>
-          </p:txBody>
-        </p:sp>
-      </p:grpSp>
-      <p:grpSp>
-        <p:nvGrpSpPr>
           <p:cNvPr id="12" name="Group 11">
             <a:extLst>
               <a:ext uri="{FF2B5EF4-FFF2-40B4-BE49-F238E27FC236}">
@@ -9053,7 +13257,7 @@
             <p:nvPr/>
           </p:nvPicPr>
           <p:blipFill rotWithShape="1">
-            <a:blip r:embed="rId3">
+            <a:blip r:embed="rId2">
               <a:extLst>
                 <a:ext uri="{28A0092B-C50C-407E-A947-70E740481C1C}">
                   <a14:useLocalDpi xmlns:a14="http://schemas.microsoft.com/office/drawing/2010/main" val="0"/>
@@ -9126,6 +13330,36 @@
           </p:txBody>
         </p:sp>
       </p:grpSp>
+      <p:pic>
+        <p:nvPicPr>
+          <p:cNvPr id="5" name="Picture 4">
+            <a:extLst>
+              <a:ext uri="{FF2B5EF4-FFF2-40B4-BE49-F238E27FC236}">
+                <a16:creationId xmlns:a16="http://schemas.microsoft.com/office/drawing/2014/main" id="{0507E446-CD5B-4832-AFFA-C3F93DC10001}"/>
+              </a:ext>
+            </a:extLst>
+          </p:cNvPr>
+          <p:cNvPicPr>
+            <a:picLocks noChangeAspect="1"/>
+          </p:cNvPicPr>
+          <p:nvPr/>
+        </p:nvPicPr>
+        <p:blipFill>
+          <a:blip r:embed="rId3"/>
+          <a:stretch>
+            <a:fillRect/>
+          </a:stretch>
+        </p:blipFill>
+        <p:spPr>
+          <a:xfrm>
+            <a:off x="318903" y="890587"/>
+            <a:ext cx="5114925" cy="5076825"/>
+          </a:xfrm>
+          <a:prstGeom prst="rect">
+            <a:avLst/>
+          </a:prstGeom>
+        </p:spPr>
+      </p:pic>
     </p:spTree>
     <p:extLst>
       <p:ext uri="{BB962C8B-B14F-4D97-AF65-F5344CB8AC3E}">
@@ -9148,10 +13382,81 @@
       </p:transition>
     </mc:Fallback>
   </mc:AlternateContent>
+  <p:timing>
+    <p:tnLst>
+      <p:par>
+        <p:cTn id="1" dur="indefinite" restart="never" nodeType="tmRoot">
+          <p:childTnLst>
+            <p:seq concurrent="1" nextAc="seek">
+              <p:cTn id="2" dur="indefinite" nodeType="mainSeq">
+                <p:childTnLst>
+                  <p:par>
+                    <p:cTn id="3" fill="hold">
+                      <p:stCondLst>
+                        <p:cond delay="indefinite"/>
+                        <p:cond evt="onBegin" delay="0">
+                          <p:tn val="2"/>
+                        </p:cond>
+                      </p:stCondLst>
+                      <p:childTnLst>
+                        <p:par>
+                          <p:cTn id="4" fill="hold">
+                            <p:stCondLst>
+                              <p:cond delay="0"/>
+                            </p:stCondLst>
+                            <p:childTnLst>
+                              <p:par>
+                                <p:cTn id="5" presetID="8" presetClass="emph" presetSubtype="0" fill="hold" nodeType="afterEffect">
+                                  <p:stCondLst>
+                                    <p:cond delay="500"/>
+                                  </p:stCondLst>
+                                  <p:childTnLst>
+                                    <p:animRot by="21600000">
+                                      <p:cBhvr>
+                                        <p:cTn id="6" dur="2000" fill="hold"/>
+                                        <p:tgtEl>
+                                          <p:spTgt spid="5"/>
+                                        </p:tgtEl>
+                                        <p:attrNameLst>
+                                          <p:attrName>r</p:attrName>
+                                        </p:attrNameLst>
+                                      </p:cBhvr>
+                                    </p:animRot>
+                                  </p:childTnLst>
+                                </p:cTn>
+                              </p:par>
+                            </p:childTnLst>
+                          </p:cTn>
+                        </p:par>
+                      </p:childTnLst>
+                    </p:cTn>
+                  </p:par>
+                </p:childTnLst>
+              </p:cTn>
+              <p:prevCondLst>
+                <p:cond evt="onPrev" delay="0">
+                  <p:tgtEl>
+                    <p:sldTgt/>
+                  </p:tgtEl>
+                </p:cond>
+              </p:prevCondLst>
+              <p:nextCondLst>
+                <p:cond evt="onNext" delay="0">
+                  <p:tgtEl>
+                    <p:sldTgt/>
+                  </p:tgtEl>
+                </p:cond>
+              </p:nextCondLst>
+            </p:seq>
+          </p:childTnLst>
+        </p:cTn>
+      </p:par>
+    </p:tnLst>
+  </p:timing>
 </p:sld>
 </file>
 
-<file path=ppt/slides/slide8.xml><?xml version="1.0" encoding="utf-8"?>
+<file path=ppt/slides/slide9.xml><?xml version="1.0" encoding="utf-8"?>
 <p:sld xmlns:a="http://schemas.openxmlformats.org/drawingml/2006/main" xmlns:r="http://schemas.openxmlformats.org/officeDocument/2006/relationships" xmlns:p="http://schemas.openxmlformats.org/presentationml/2006/main">
   <p:cSld>
     <p:spTree>
@@ -9308,7 +13613,7 @@
             </a:r>
             <a:r>
               <a:rPr lang="en-US" dirty="0"/>
-              <a:t>, King County grade, and the number of times it has been viewed, then you can estimate it’s sale price within a margin of $126,700.</a:t>
+              <a:t>, King County grade, and the number of times it has been viewed, then you can estimate it’s sale price within an error margin of $126,700.</a:t>
             </a:r>
             <a:r>
               <a:rPr lang="en-US" baseline="30000" dirty="0"/>
@@ -9317,6 +13622,240 @@
             <a:r>
               <a:rPr lang="en-US" dirty="0"/>
               <a:t>.</a:t>
+            </a:r>
+          </a:p>
+        </p:txBody>
+      </p:sp>
+      <p:sp>
+        <p:nvSpPr>
+          <p:cNvPr id="8" name="TextBox 7">
+            <a:extLst>
+              <a:ext uri="{FF2B5EF4-FFF2-40B4-BE49-F238E27FC236}">
+                <a16:creationId xmlns:a16="http://schemas.microsoft.com/office/drawing/2014/main" id="{CFA78E45-F0CD-4C5F-8754-D30DE71A49BA}"/>
+              </a:ext>
+            </a:extLst>
+          </p:cNvPr>
+          <p:cNvSpPr txBox="1"/>
+          <p:nvPr/>
+        </p:nvSpPr>
+        <p:spPr>
+          <a:xfrm>
+            <a:off x="5785743" y="1355689"/>
+            <a:ext cx="6294555" cy="5016758"/>
+          </a:xfrm>
+          <a:prstGeom prst="rect">
+            <a:avLst/>
+          </a:prstGeom>
+          <a:noFill/>
+        </p:spPr>
+        <p:txBody>
+          <a:bodyPr wrap="square" rtlCol="0" anchor="ctr">
+            <a:spAutoFit/>
+          </a:bodyPr>
+          <a:lstStyle/>
+          <a:p>
+            <a:pPr algn="ctr"/>
+            <a:r>
+              <a:rPr lang="en-US" sz="4800" b="1" dirty="0">
+                <a:solidFill>
+                  <a:schemeClr val="bg2">
+                    <a:lumMod val="50000"/>
+                  </a:schemeClr>
+                </a:solidFill>
+                <a:effectLst>
+                  <a:outerShdw blurRad="38100" dist="38100" dir="2700000" algn="tl">
+                    <a:srgbClr val="000000">
+                      <a:alpha val="43137"/>
+                    </a:srgbClr>
+                  </a:outerShdw>
+                </a:effectLst>
+              </a:rPr>
+              <a:t>Price = </a:t>
+            </a:r>
+          </a:p>
+          <a:p>
+            <a:pPr algn="ctr"/>
+            <a:endParaRPr lang="en-US" sz="2000" b="1" dirty="0">
+              <a:solidFill>
+                <a:schemeClr val="bg2">
+                  <a:lumMod val="50000"/>
+                </a:schemeClr>
+              </a:solidFill>
+              <a:effectLst>
+                <a:outerShdw blurRad="38100" dist="38100" dir="2700000" algn="tl">
+                  <a:srgbClr val="000000">
+                    <a:alpha val="43137"/>
+                  </a:srgbClr>
+                </a:outerShdw>
+              </a:effectLst>
+            </a:endParaRPr>
+          </a:p>
+          <a:p>
+            <a:pPr algn="ctr"/>
+            <a:r>
+              <a:rPr lang="en-US" sz="4800" b="1" dirty="0">
+                <a:solidFill>
+                  <a:schemeClr val="bg2">
+                    <a:lumMod val="50000"/>
+                  </a:schemeClr>
+                </a:solidFill>
+                <a:effectLst>
+                  <a:outerShdw blurRad="38100" dist="38100" dir="2700000" algn="tl">
+                    <a:srgbClr val="000000">
+                      <a:alpha val="43137"/>
+                    </a:srgbClr>
+                  </a:outerShdw>
+                </a:effectLst>
+              </a:rPr>
+              <a:t>Latitude + </a:t>
+            </a:r>
+          </a:p>
+          <a:p>
+            <a:pPr algn="ctr"/>
+            <a:r>
+              <a:rPr lang="en-US" sz="4800" b="1" dirty="0">
+                <a:solidFill>
+                  <a:schemeClr val="bg2">
+                    <a:lumMod val="50000"/>
+                  </a:schemeClr>
+                </a:solidFill>
+                <a:effectLst>
+                  <a:outerShdw blurRad="38100" dist="38100" dir="2700000" algn="tl">
+                    <a:srgbClr val="000000">
+                      <a:alpha val="43137"/>
+                    </a:srgbClr>
+                  </a:outerShdw>
+                </a:effectLst>
+              </a:rPr>
+              <a:t>Views + </a:t>
+            </a:r>
+          </a:p>
+          <a:p>
+            <a:pPr algn="ctr"/>
+            <a:r>
+              <a:rPr lang="en-US" sz="4800" b="1" dirty="0">
+                <a:solidFill>
+                  <a:schemeClr val="bg2">
+                    <a:lumMod val="50000"/>
+                  </a:schemeClr>
+                </a:solidFill>
+                <a:effectLst>
+                  <a:outerShdw blurRad="38100" dist="38100" dir="2700000" algn="tl">
+                    <a:srgbClr val="000000">
+                      <a:alpha val="43137"/>
+                    </a:srgbClr>
+                  </a:outerShdw>
+                </a:effectLst>
+              </a:rPr>
+              <a:t>Basement </a:t>
+            </a:r>
+            <a:r>
+              <a:rPr lang="en-US" sz="4800" b="1" dirty="0" err="1">
+                <a:solidFill>
+                  <a:schemeClr val="bg2">
+                    <a:lumMod val="50000"/>
+                  </a:schemeClr>
+                </a:solidFill>
+                <a:effectLst>
+                  <a:outerShdw blurRad="38100" dist="38100" dir="2700000" algn="tl">
+                    <a:srgbClr val="000000">
+                      <a:alpha val="43137"/>
+                    </a:srgbClr>
+                  </a:outerShdw>
+                </a:effectLst>
+              </a:rPr>
+              <a:t>sq</a:t>
+            </a:r>
+            <a:r>
+              <a:rPr lang="en-US" sz="4800" b="1" dirty="0">
+                <a:solidFill>
+                  <a:schemeClr val="bg2">
+                    <a:lumMod val="50000"/>
+                  </a:schemeClr>
+                </a:solidFill>
+                <a:effectLst>
+                  <a:outerShdw blurRad="38100" dist="38100" dir="2700000" algn="tl">
+                    <a:srgbClr val="000000">
+                      <a:alpha val="43137"/>
+                    </a:srgbClr>
+                  </a:outerShdw>
+                </a:effectLst>
+              </a:rPr>
+              <a:t> ft + </a:t>
+            </a:r>
+          </a:p>
+          <a:p>
+            <a:pPr algn="ctr"/>
+            <a:r>
+              <a:rPr lang="en-US" sz="4800" b="1" dirty="0">
+                <a:solidFill>
+                  <a:schemeClr val="bg2">
+                    <a:lumMod val="50000"/>
+                  </a:schemeClr>
+                </a:solidFill>
+                <a:effectLst>
+                  <a:outerShdw blurRad="38100" dist="38100" dir="2700000" algn="tl">
+                    <a:srgbClr val="000000">
+                      <a:alpha val="43137"/>
+                    </a:srgbClr>
+                  </a:outerShdw>
+                </a:effectLst>
+              </a:rPr>
+              <a:t>King County grade + </a:t>
+            </a:r>
+          </a:p>
+          <a:p>
+            <a:pPr algn="ctr"/>
+            <a:r>
+              <a:rPr lang="en-US" sz="4800" b="1" dirty="0">
+                <a:solidFill>
+                  <a:schemeClr val="bg2">
+                    <a:lumMod val="50000"/>
+                  </a:schemeClr>
+                </a:solidFill>
+                <a:effectLst>
+                  <a:outerShdw blurRad="38100" dist="38100" dir="2700000" algn="tl">
+                    <a:srgbClr val="000000">
+                      <a:alpha val="43137"/>
+                    </a:srgbClr>
+                  </a:outerShdw>
+                </a:effectLst>
+              </a:rPr>
+              <a:t>Total </a:t>
+            </a:r>
+            <a:r>
+              <a:rPr lang="en-US" sz="4800" b="1" dirty="0" err="1">
+                <a:solidFill>
+                  <a:schemeClr val="bg2">
+                    <a:lumMod val="50000"/>
+                  </a:schemeClr>
+                </a:solidFill>
+                <a:effectLst>
+                  <a:outerShdw blurRad="38100" dist="38100" dir="2700000" algn="tl">
+                    <a:srgbClr val="000000">
+                      <a:alpha val="43137"/>
+                    </a:srgbClr>
+                  </a:outerShdw>
+                </a:effectLst>
+              </a:rPr>
+              <a:t>sq</a:t>
+            </a:r>
+            <a:r>
+              <a:rPr lang="en-US" sz="4800" b="1" dirty="0">
+                <a:solidFill>
+                  <a:schemeClr val="bg2">
+                    <a:lumMod val="50000"/>
+                  </a:schemeClr>
+                </a:solidFill>
+                <a:effectLst>
+                  <a:outerShdw blurRad="38100" dist="38100" dir="2700000" algn="tl">
+                    <a:srgbClr val="000000">
+                      <a:alpha val="43137"/>
+                    </a:srgbClr>
+                  </a:outerShdw>
+                </a:effectLst>
+              </a:rPr>
+              <a:t> ft</a:t>
             </a:r>
           </a:p>
         </p:txBody>
@@ -9630,370 +14169,27 @@
                             </p:childTnLst>
                           </p:cTn>
                         </p:par>
-                      </p:childTnLst>
-                    </p:cTn>
-                  </p:par>
-                </p:childTnLst>
-              </p:cTn>
-              <p:prevCondLst>
-                <p:cond evt="onPrev" delay="0">
-                  <p:tgtEl>
-                    <p:sldTgt/>
-                  </p:tgtEl>
-                </p:cond>
-              </p:prevCondLst>
-              <p:nextCondLst>
-                <p:cond evt="onNext" delay="0">
-                  <p:tgtEl>
-                    <p:sldTgt/>
-                  </p:tgtEl>
-                </p:cond>
-              </p:nextCondLst>
-            </p:seq>
-          </p:childTnLst>
-        </p:cTn>
-      </p:par>
-    </p:tnLst>
-    <p:bldLst>
-      <p:bldP spid="7" grpId="0"/>
-    </p:bldLst>
-  </p:timing>
-</p:sld>
-</file>
-
-<file path=ppt/slides/slide9.xml><?xml version="1.0" encoding="utf-8"?>
-<p:sld xmlns:a="http://schemas.openxmlformats.org/drawingml/2006/main" xmlns:r="http://schemas.openxmlformats.org/officeDocument/2006/relationships" xmlns:p="http://schemas.openxmlformats.org/presentationml/2006/main">
-  <p:cSld>
-    <p:spTree>
-      <p:nvGrpSpPr>
-        <p:cNvPr id="1" name=""/>
-        <p:cNvGrpSpPr/>
-        <p:nvPr/>
-      </p:nvGrpSpPr>
-      <p:grpSpPr>
-        <a:xfrm>
-          <a:off x="0" y="0"/>
-          <a:ext cx="0" cy="0"/>
-          <a:chOff x="0" y="0"/>
-          <a:chExt cx="0" cy="0"/>
-        </a:xfrm>
-      </p:grpSpPr>
-      <p:sp>
-        <p:nvSpPr>
-          <p:cNvPr id="2" name="Title 1">
-            <a:extLst>
-              <a:ext uri="{FF2B5EF4-FFF2-40B4-BE49-F238E27FC236}">
-                <a16:creationId xmlns:a16="http://schemas.microsoft.com/office/drawing/2014/main" id="{AECDA23B-A9DB-4176-B947-B31BE5051237}"/>
-              </a:ext>
-            </a:extLst>
-          </p:cNvPr>
-          <p:cNvSpPr>
-            <a:spLocks noGrp="1"/>
-          </p:cNvSpPr>
-          <p:nvPr>
-            <p:ph type="title"/>
-          </p:nvPr>
-        </p:nvSpPr>
-        <p:spPr>
-          <a:xfrm>
-            <a:off x="524415" y="3777814"/>
-            <a:ext cx="8534400" cy="925250"/>
-          </a:xfrm>
-        </p:spPr>
-        <p:txBody>
-          <a:bodyPr/>
-          <a:lstStyle/>
-          <a:p>
-            <a:r>
-              <a:rPr lang="en-US" dirty="0"/>
-              <a:t>Further Investigation</a:t>
-            </a:r>
-          </a:p>
-        </p:txBody>
-      </p:sp>
-      <p:sp>
-        <p:nvSpPr>
-          <p:cNvPr id="4" name="TextBox 3">
-            <a:extLst>
-              <a:ext uri="{FF2B5EF4-FFF2-40B4-BE49-F238E27FC236}">
-                <a16:creationId xmlns:a16="http://schemas.microsoft.com/office/drawing/2014/main" id="{23A22EFA-755B-4F22-9D84-236866AC2C9D}"/>
-              </a:ext>
-            </a:extLst>
-          </p:cNvPr>
-          <p:cNvSpPr txBox="1"/>
-          <p:nvPr/>
-        </p:nvSpPr>
-        <p:spPr>
-          <a:xfrm>
-            <a:off x="1963445" y="4703064"/>
-            <a:ext cx="8265110" cy="1754326"/>
-          </a:xfrm>
-          <a:prstGeom prst="rect">
-            <a:avLst/>
-          </a:prstGeom>
-          <a:noFill/>
-        </p:spPr>
-        <p:txBody>
-          <a:bodyPr wrap="square" rtlCol="0">
-            <a:spAutoFit/>
-          </a:bodyPr>
-          <a:lstStyle/>
-          <a:p>
-            <a:r>
-              <a:rPr lang="en-US" dirty="0"/>
-              <a:t>The current model could likely be enhanced by the addition of more variables. </a:t>
-            </a:r>
-          </a:p>
-          <a:p>
-            <a:endParaRPr lang="en-US" dirty="0"/>
-          </a:p>
-          <a:p>
-            <a:r>
-              <a:rPr lang="en-US" dirty="0"/>
-              <a:t>In particular, information on crime rates, transportation accessibility, school district ratings, etc. would be useful as these factors have in the past been shown to influence real estate pricing.</a:t>
-            </a:r>
-          </a:p>
-        </p:txBody>
-      </p:sp>
-      <p:sp>
-        <p:nvSpPr>
-          <p:cNvPr id="5" name="Title 1">
-            <a:extLst>
-              <a:ext uri="{FF2B5EF4-FFF2-40B4-BE49-F238E27FC236}">
-                <a16:creationId xmlns:a16="http://schemas.microsoft.com/office/drawing/2014/main" id="{1A4CC0FA-5C76-4B51-815D-5A657C5F0F9B}"/>
-              </a:ext>
-            </a:extLst>
-          </p:cNvPr>
-          <p:cNvSpPr txBox="1">
-            <a:spLocks/>
-          </p:cNvSpPr>
-          <p:nvPr/>
-        </p:nvSpPr>
-        <p:spPr>
-          <a:xfrm>
-            <a:off x="524415" y="0"/>
-            <a:ext cx="5571585" cy="925250"/>
-          </a:xfrm>
-          <a:prstGeom prst="rect">
-            <a:avLst/>
-          </a:prstGeom>
-          <a:effectLst/>
-        </p:spPr>
-        <p:txBody>
-          <a:bodyPr vert="horz" lIns="91440" tIns="45720" rIns="91440" bIns="45720" rtlCol="0" anchor="ctr">
-            <a:normAutofit/>
-          </a:bodyPr>
-          <a:lstStyle>
-            <a:lvl1pPr algn="l" defTabSz="457200" rtl="0" eaLnBrk="1" latinLnBrk="0" hangingPunct="1">
-              <a:spcBef>
-                <a:spcPct val="0"/>
-              </a:spcBef>
-              <a:buNone/>
-              <a:defRPr sz="3600" kern="1200" cap="all">
-                <a:ln w="3175" cmpd="sng">
-                  <a:noFill/>
-                </a:ln>
-                <a:solidFill>
-                  <a:schemeClr val="tx1"/>
-                </a:solidFill>
-                <a:effectLst/>
-                <a:latin typeface="+mj-lt"/>
-                <a:ea typeface="+mj-ea"/>
-                <a:cs typeface="+mj-cs"/>
-              </a:defRPr>
-            </a:lvl1pPr>
-            <a:lvl2pPr eaLnBrk="1" hangingPunct="1">
-              <a:defRPr>
-                <a:solidFill>
-                  <a:schemeClr val="tx2"/>
-                </a:solidFill>
-              </a:defRPr>
-            </a:lvl2pPr>
-            <a:lvl3pPr eaLnBrk="1" hangingPunct="1">
-              <a:defRPr>
-                <a:solidFill>
-                  <a:schemeClr val="tx2"/>
-                </a:solidFill>
-              </a:defRPr>
-            </a:lvl3pPr>
-            <a:lvl4pPr eaLnBrk="1" hangingPunct="1">
-              <a:defRPr>
-                <a:solidFill>
-                  <a:schemeClr val="tx2"/>
-                </a:solidFill>
-              </a:defRPr>
-            </a:lvl4pPr>
-            <a:lvl5pPr eaLnBrk="1" hangingPunct="1">
-              <a:defRPr>
-                <a:solidFill>
-                  <a:schemeClr val="tx2"/>
-                </a:solidFill>
-              </a:defRPr>
-            </a:lvl5pPr>
-            <a:lvl6pPr eaLnBrk="1" hangingPunct="1">
-              <a:defRPr>
-                <a:solidFill>
-                  <a:schemeClr val="tx2"/>
-                </a:solidFill>
-              </a:defRPr>
-            </a:lvl6pPr>
-            <a:lvl7pPr eaLnBrk="1" hangingPunct="1">
-              <a:defRPr>
-                <a:solidFill>
-                  <a:schemeClr val="tx2"/>
-                </a:solidFill>
-              </a:defRPr>
-            </a:lvl7pPr>
-            <a:lvl8pPr eaLnBrk="1" hangingPunct="1">
-              <a:defRPr>
-                <a:solidFill>
-                  <a:schemeClr val="tx2"/>
-                </a:solidFill>
-              </a:defRPr>
-            </a:lvl8pPr>
-            <a:lvl9pPr eaLnBrk="1" hangingPunct="1">
-              <a:defRPr>
-                <a:solidFill>
-                  <a:schemeClr val="tx2"/>
-                </a:solidFill>
-              </a:defRPr>
-            </a:lvl9pPr>
-          </a:lstStyle>
-          <a:p>
-            <a:r>
-              <a:rPr lang="en-US" dirty="0"/>
-              <a:t>Recommendations</a:t>
-            </a:r>
-          </a:p>
-        </p:txBody>
-      </p:sp>
-      <p:sp>
-        <p:nvSpPr>
-          <p:cNvPr id="6" name="TextBox 5">
-            <a:extLst>
-              <a:ext uri="{FF2B5EF4-FFF2-40B4-BE49-F238E27FC236}">
-                <a16:creationId xmlns:a16="http://schemas.microsoft.com/office/drawing/2014/main" id="{BF290046-9D27-4C9F-B797-B42A7B8A3EDA}"/>
-              </a:ext>
-            </a:extLst>
-          </p:cNvPr>
-          <p:cNvSpPr txBox="1"/>
-          <p:nvPr/>
-        </p:nvSpPr>
-        <p:spPr>
-          <a:xfrm>
-            <a:off x="1963445" y="925250"/>
-            <a:ext cx="8265110" cy="2554545"/>
-          </a:xfrm>
-          <a:prstGeom prst="rect">
-            <a:avLst/>
-          </a:prstGeom>
-          <a:noFill/>
-        </p:spPr>
-        <p:txBody>
-          <a:bodyPr wrap="square" rtlCol="0">
-            <a:spAutoFit/>
-          </a:bodyPr>
-          <a:lstStyle/>
-          <a:p>
-            <a:pPr marL="342900" indent="-342900">
-              <a:buFont typeface="+mj-lt"/>
-              <a:buAutoNum type="arabicPeriod"/>
-            </a:pPr>
-            <a:r>
-              <a:rPr lang="en-US" sz="2000" dirty="0"/>
-              <a:t>If you can purchase a house for $126,700 less than the price predicted by our model, you will definitely make a profit.</a:t>
-            </a:r>
-            <a:br>
-              <a:rPr lang="en-US" sz="2000" dirty="0"/>
-            </a:br>
-            <a:endParaRPr lang="en-US" sz="2000" dirty="0"/>
-          </a:p>
-          <a:p>
-            <a:pPr marL="342900" indent="-342900">
-              <a:buFont typeface="+mj-lt"/>
-              <a:buAutoNum type="arabicPeriod"/>
-            </a:pPr>
-            <a:r>
-              <a:rPr lang="en-US" sz="2000" dirty="0"/>
-              <a:t>Houses in the northern half of Kings County fetch higher prices, try to sell northern properties</a:t>
-            </a:r>
-            <a:br>
-              <a:rPr lang="en-US" sz="2000" dirty="0"/>
-            </a:br>
-            <a:endParaRPr lang="en-US" sz="2000" dirty="0"/>
-          </a:p>
-          <a:p>
-            <a:pPr marL="342900" indent="-342900">
-              <a:buFont typeface="+mj-lt"/>
-              <a:buAutoNum type="arabicPeriod"/>
-            </a:pPr>
-            <a:r>
-              <a:rPr lang="en-US" sz="2000" dirty="0"/>
-              <a:t>The more times a house has been viewed, the higher it’s final selling price is likely to be. Invest in advertising your properties.</a:t>
-            </a:r>
-          </a:p>
-        </p:txBody>
-      </p:sp>
-    </p:spTree>
-    <p:extLst>
-      <p:ext uri="{BB962C8B-B14F-4D97-AF65-F5344CB8AC3E}">
-        <p14:creationId xmlns:p14="http://schemas.microsoft.com/office/powerpoint/2010/main" val="1510063357"/>
-      </p:ext>
-    </p:extLst>
-  </p:cSld>
-  <p:clrMapOvr>
-    <a:masterClrMapping/>
-  </p:clrMapOvr>
-  <mc:AlternateContent xmlns:mc="http://schemas.openxmlformats.org/markup-compatibility/2006" xmlns:p14="http://schemas.microsoft.com/office/powerpoint/2010/main">
-    <mc:Choice Requires="p14">
-      <p:transition spd="slow" p14:dur="1500">
-        <p:pull/>
-      </p:transition>
-    </mc:Choice>
-    <mc:Fallback xmlns="">
-      <p:transition spd="slow">
-        <p:pull/>
-      </p:transition>
-    </mc:Fallback>
-  </mc:AlternateContent>
-  <p:timing>
-    <p:tnLst>
-      <p:par>
-        <p:cTn id="1" dur="indefinite" restart="never" nodeType="tmRoot">
-          <p:childTnLst>
-            <p:seq concurrent="1" nextAc="seek">
-              <p:cTn id="2" dur="indefinite" nodeType="mainSeq">
-                <p:childTnLst>
-                  <p:par>
-                    <p:cTn id="3" fill="hold">
-                      <p:stCondLst>
-                        <p:cond delay="indefinite"/>
-                        <p:cond evt="onBegin" delay="0">
-                          <p:tn val="2"/>
-                        </p:cond>
-                      </p:stCondLst>
-                      <p:childTnLst>
                         <p:par>
-                          <p:cTn id="4" fill="hold">
+                          <p:cTn id="22" fill="hold">
                             <p:stCondLst>
-                              <p:cond delay="0"/>
+                              <p:cond delay="4500"/>
                             </p:stCondLst>
                             <p:childTnLst>
                               <p:par>
-                                <p:cTn id="5" presetID="42" presetClass="entr" presetSubtype="0" fill="hold" grpId="0" nodeType="afterEffect">
+                                <p:cTn id="23" presetID="42" presetClass="entr" presetSubtype="0" fill="hold" grpId="0" nodeType="afterEffect">
                                   <p:stCondLst>
-                                    <p:cond delay="1000"/>
+                                    <p:cond delay="500"/>
                                   </p:stCondLst>
                                   <p:childTnLst>
                                     <p:set>
                                       <p:cBhvr>
-                                        <p:cTn id="6" dur="1" fill="hold">
+                                        <p:cTn id="24" dur="1" fill="hold">
                                           <p:stCondLst>
                                             <p:cond delay="0"/>
                                           </p:stCondLst>
                                         </p:cTn>
                                         <p:tgtEl>
-                                          <p:spTgt spid="6"/>
+                                          <p:spTgt spid="8"/>
                                         </p:tgtEl>
                                         <p:attrNameLst>
                                           <p:attrName>style.visibility</p:attrName>
@@ -10005,17 +14201,17 @@
                                     </p:set>
                                     <p:animEffect transition="in" filter="fade">
                                       <p:cBhvr>
-                                        <p:cTn id="7" dur="1000"/>
-                                        <p:tgtEl>
-                                          <p:spTgt spid="6"/>
+                                        <p:cTn id="25" dur="1000"/>
+                                        <p:tgtEl>
+                                          <p:spTgt spid="8"/>
                                         </p:tgtEl>
                                       </p:cBhvr>
                                     </p:animEffect>
                                     <p:anim calcmode="lin" valueType="num">
                                       <p:cBhvr>
-                                        <p:cTn id="8" dur="1000" fill="hold"/>
-                                        <p:tgtEl>
-                                          <p:spTgt spid="6"/>
+                                        <p:cTn id="26" dur="1000" fill="hold"/>
+                                        <p:tgtEl>
+                                          <p:spTgt spid="8"/>
                                         </p:tgtEl>
                                         <p:attrNameLst>
                                           <p:attrName>ppt_x</p:attrName>
@@ -10036,189 +14232,9 @@
                                     </p:anim>
                                     <p:anim calcmode="lin" valueType="num">
                                       <p:cBhvr>
-                                        <p:cTn id="9" dur="1000" fill="hold"/>
-                                        <p:tgtEl>
-                                          <p:spTgt spid="6"/>
-                                        </p:tgtEl>
-                                        <p:attrNameLst>
-                                          <p:attrName>ppt_y</p:attrName>
-                                        </p:attrNameLst>
-                                      </p:cBhvr>
-                                      <p:tavLst>
-                                        <p:tav tm="0">
-                                          <p:val>
-                                            <p:strVal val="#ppt_y+.1"/>
-                                          </p:val>
-                                        </p:tav>
-                                        <p:tav tm="100000">
-                                          <p:val>
-                                            <p:strVal val="#ppt_y"/>
-                                          </p:val>
-                                        </p:tav>
-                                      </p:tavLst>
-                                    </p:anim>
-                                  </p:childTnLst>
-                                </p:cTn>
-                              </p:par>
-                            </p:childTnLst>
-                          </p:cTn>
-                        </p:par>
-                        <p:par>
-                          <p:cTn id="10" fill="hold">
-                            <p:stCondLst>
-                              <p:cond delay="2000"/>
-                            </p:stCondLst>
-                            <p:childTnLst>
-                              <p:par>
-                                <p:cTn id="11" presetID="42" presetClass="entr" presetSubtype="0" fill="hold" grpId="0" nodeType="afterEffect">
-                                  <p:stCondLst>
-                                    <p:cond delay="1000"/>
-                                  </p:stCondLst>
-                                  <p:childTnLst>
-                                    <p:set>
-                                      <p:cBhvr>
-                                        <p:cTn id="12" dur="1" fill="hold">
-                                          <p:stCondLst>
-                                            <p:cond delay="0"/>
-                                          </p:stCondLst>
-                                        </p:cTn>
-                                        <p:tgtEl>
-                                          <p:spTgt spid="2"/>
-                                        </p:tgtEl>
-                                        <p:attrNameLst>
-                                          <p:attrName>style.visibility</p:attrName>
-                                        </p:attrNameLst>
-                                      </p:cBhvr>
-                                      <p:to>
-                                        <p:strVal val="visible"/>
-                                      </p:to>
-                                    </p:set>
-                                    <p:animEffect transition="in" filter="fade">
-                                      <p:cBhvr>
-                                        <p:cTn id="13" dur="1000"/>
-                                        <p:tgtEl>
-                                          <p:spTgt spid="2"/>
-                                        </p:tgtEl>
-                                      </p:cBhvr>
-                                    </p:animEffect>
-                                    <p:anim calcmode="lin" valueType="num">
-                                      <p:cBhvr>
-                                        <p:cTn id="14" dur="1000" fill="hold"/>
-                                        <p:tgtEl>
-                                          <p:spTgt spid="2"/>
-                                        </p:tgtEl>
-                                        <p:attrNameLst>
-                                          <p:attrName>ppt_x</p:attrName>
-                                        </p:attrNameLst>
-                                      </p:cBhvr>
-                                      <p:tavLst>
-                                        <p:tav tm="0">
-                                          <p:val>
-                                            <p:strVal val="#ppt_x"/>
-                                          </p:val>
-                                        </p:tav>
-                                        <p:tav tm="100000">
-                                          <p:val>
-                                            <p:strVal val="#ppt_x"/>
-                                          </p:val>
-                                        </p:tav>
-                                      </p:tavLst>
-                                    </p:anim>
-                                    <p:anim calcmode="lin" valueType="num">
-                                      <p:cBhvr>
-                                        <p:cTn id="15" dur="1000" fill="hold"/>
-                                        <p:tgtEl>
-                                          <p:spTgt spid="2"/>
-                                        </p:tgtEl>
-                                        <p:attrNameLst>
-                                          <p:attrName>ppt_y</p:attrName>
-                                        </p:attrNameLst>
-                                      </p:cBhvr>
-                                      <p:tavLst>
-                                        <p:tav tm="0">
-                                          <p:val>
-                                            <p:strVal val="#ppt_y+.1"/>
-                                          </p:val>
-                                        </p:tav>
-                                        <p:tav tm="100000">
-                                          <p:val>
-                                            <p:strVal val="#ppt_y"/>
-                                          </p:val>
-                                        </p:tav>
-                                      </p:tavLst>
-                                    </p:anim>
-                                  </p:childTnLst>
-                                </p:cTn>
-                              </p:par>
-                            </p:childTnLst>
-                          </p:cTn>
-                        </p:par>
-                        <p:par>
-                          <p:cTn id="16" fill="hold">
-                            <p:stCondLst>
-                              <p:cond delay="4000"/>
-                            </p:stCondLst>
-                            <p:childTnLst>
-                              <p:par>
-                                <p:cTn id="17" presetID="42" presetClass="entr" presetSubtype="0" fill="hold" grpId="0" nodeType="afterEffect">
-                                  <p:stCondLst>
-                                    <p:cond delay="1000"/>
-                                  </p:stCondLst>
-                                  <p:childTnLst>
-                                    <p:set>
-                                      <p:cBhvr>
-                                        <p:cTn id="18" dur="1" fill="hold">
-                                          <p:stCondLst>
-                                            <p:cond delay="0"/>
-                                          </p:stCondLst>
-                                        </p:cTn>
-                                        <p:tgtEl>
-                                          <p:spTgt spid="4"/>
-                                        </p:tgtEl>
-                                        <p:attrNameLst>
-                                          <p:attrName>style.visibility</p:attrName>
-                                        </p:attrNameLst>
-                                      </p:cBhvr>
-                                      <p:to>
-                                        <p:strVal val="visible"/>
-                                      </p:to>
-                                    </p:set>
-                                    <p:animEffect transition="in" filter="fade">
-                                      <p:cBhvr>
-                                        <p:cTn id="19" dur="1000"/>
-                                        <p:tgtEl>
-                                          <p:spTgt spid="4"/>
-                                        </p:tgtEl>
-                                      </p:cBhvr>
-                                    </p:animEffect>
-                                    <p:anim calcmode="lin" valueType="num">
-                                      <p:cBhvr>
-                                        <p:cTn id="20" dur="1000" fill="hold"/>
-                                        <p:tgtEl>
-                                          <p:spTgt spid="4"/>
-                                        </p:tgtEl>
-                                        <p:attrNameLst>
-                                          <p:attrName>ppt_x</p:attrName>
-                                        </p:attrNameLst>
-                                      </p:cBhvr>
-                                      <p:tavLst>
-                                        <p:tav tm="0">
-                                          <p:val>
-                                            <p:strVal val="#ppt_x"/>
-                                          </p:val>
-                                        </p:tav>
-                                        <p:tav tm="100000">
-                                          <p:val>
-                                            <p:strVal val="#ppt_x"/>
-                                          </p:val>
-                                        </p:tav>
-                                      </p:tavLst>
-                                    </p:anim>
-                                    <p:anim calcmode="lin" valueType="num">
-                                      <p:cBhvr>
-                                        <p:cTn id="21" dur="1000" fill="hold"/>
-                                        <p:tgtEl>
-                                          <p:spTgt spid="4"/>
+                                        <p:cTn id="27" dur="1000" fill="hold"/>
+                                        <p:tgtEl>
+                                          <p:spTgt spid="8"/>
                                         </p:tgtEl>
                                         <p:attrNameLst>
                                           <p:attrName>ppt_y</p:attrName>
@@ -10268,9 +14284,8 @@
       </p:par>
     </p:tnLst>
     <p:bldLst>
-      <p:bldP spid="2" grpId="0"/>
-      <p:bldP spid="4" grpId="0"/>
-      <p:bldP spid="6" grpId="0"/>
+      <p:bldP spid="7" grpId="0"/>
+      <p:bldP spid="8" grpId="0"/>
     </p:bldLst>
   </p:timing>
 </p:sld>

--- a/presentation_v02.pptx
+++ b/presentation_v02.pptx
@@ -326,7 +326,7 @@
             <a:fld id="{B61BEF0D-F0BB-DE4B-95CE-6DB70DBA9567}" type="datetimeFigureOut">
               <a:rPr lang="en-US" dirty="0"/>
               <a:pPr/>
-              <a:t>6/5/2019</a:t>
+              <a:t>6/13/2019</a:t>
             </a:fld>
             <a:endParaRPr lang="en-US" dirty="0"/>
           </a:p>
@@ -759,7 +759,7 @@
             <a:fld id="{B61BEF0D-F0BB-DE4B-95CE-6DB70DBA9567}" type="datetimeFigureOut">
               <a:rPr lang="en-US" dirty="0"/>
               <a:pPr/>
-              <a:t>6/5/2019</a:t>
+              <a:t>6/13/2019</a:t>
             </a:fld>
             <a:endParaRPr lang="en-US" dirty="0"/>
           </a:p>
@@ -1006,7 +1006,7 @@
             <a:fld id="{B61BEF0D-F0BB-DE4B-95CE-6DB70DBA9567}" type="datetimeFigureOut">
               <a:rPr lang="en-US" dirty="0"/>
               <a:pPr/>
-              <a:t>6/5/2019</a:t>
+              <a:t>6/13/2019</a:t>
             </a:fld>
             <a:endParaRPr lang="en-US" dirty="0"/>
           </a:p>
@@ -1311,7 +1311,7 @@
             <a:fld id="{B61BEF0D-F0BB-DE4B-95CE-6DB70DBA9567}" type="datetimeFigureOut">
               <a:rPr lang="en-US" dirty="0"/>
               <a:pPr/>
-              <a:t>6/5/2019</a:t>
+              <a:t>6/13/2019</a:t>
             </a:fld>
             <a:endParaRPr lang="en-US" dirty="0"/>
           </a:p>
@@ -1626,7 +1626,7 @@
             <a:fld id="{B61BEF0D-F0BB-DE4B-95CE-6DB70DBA9567}" type="datetimeFigureOut">
               <a:rPr lang="en-US" dirty="0"/>
               <a:pPr/>
-              <a:t>6/5/2019</a:t>
+              <a:t>6/13/2019</a:t>
             </a:fld>
             <a:endParaRPr lang="en-US" dirty="0"/>
           </a:p>
@@ -1925,7 +1925,7 @@
             <a:fld id="{B61BEF0D-F0BB-DE4B-95CE-6DB70DBA9567}" type="datetimeFigureOut">
               <a:rPr lang="en-US" dirty="0"/>
               <a:pPr/>
-              <a:t>6/5/2019</a:t>
+              <a:t>6/13/2019</a:t>
             </a:fld>
             <a:endParaRPr lang="en-US" dirty="0"/>
           </a:p>
@@ -2289,7 +2289,7 @@
             <a:fld id="{B61BEF0D-F0BB-DE4B-95CE-6DB70DBA9567}" type="datetimeFigureOut">
               <a:rPr lang="en-US" dirty="0"/>
               <a:pPr/>
-              <a:t>6/5/2019</a:t>
+              <a:t>6/13/2019</a:t>
             </a:fld>
             <a:endParaRPr lang="en-US" dirty="0"/>
           </a:p>
@@ -2460,7 +2460,7 @@
             <a:fld id="{B61BEF0D-F0BB-DE4B-95CE-6DB70DBA9567}" type="datetimeFigureOut">
               <a:rPr lang="en-US" dirty="0"/>
               <a:pPr/>
-              <a:t>6/5/2019</a:t>
+              <a:t>6/13/2019</a:t>
             </a:fld>
             <a:endParaRPr lang="en-US" dirty="0"/>
           </a:p>
@@ -2637,7 +2637,7 @@
             <a:fld id="{B61BEF0D-F0BB-DE4B-95CE-6DB70DBA9567}" type="datetimeFigureOut">
               <a:rPr lang="en-US" dirty="0"/>
               <a:pPr/>
-              <a:t>6/5/2019</a:t>
+              <a:t>6/13/2019</a:t>
             </a:fld>
             <a:endParaRPr lang="en-US" dirty="0"/>
           </a:p>
@@ -2804,7 +2804,7 @@
             <a:fld id="{B61BEF0D-F0BB-DE4B-95CE-6DB70DBA9567}" type="datetimeFigureOut">
               <a:rPr lang="en-US" dirty="0"/>
               <a:pPr/>
-              <a:t>6/5/2019</a:t>
+              <a:t>6/13/2019</a:t>
             </a:fld>
             <a:endParaRPr lang="en-US" dirty="0"/>
           </a:p>
@@ -3051,7 +3051,7 @@
             <a:fld id="{B61BEF0D-F0BB-DE4B-95CE-6DB70DBA9567}" type="datetimeFigureOut">
               <a:rPr lang="en-US" dirty="0"/>
               <a:pPr/>
-              <a:t>6/5/2019</a:t>
+              <a:t>6/13/2019</a:t>
             </a:fld>
             <a:endParaRPr lang="en-US" dirty="0"/>
           </a:p>
@@ -3284,7 +3284,7 @@
             <a:fld id="{B61BEF0D-F0BB-DE4B-95CE-6DB70DBA9567}" type="datetimeFigureOut">
               <a:rPr lang="en-US" dirty="0"/>
               <a:pPr/>
-              <a:t>6/5/2019</a:t>
+              <a:t>6/13/2019</a:t>
             </a:fld>
             <a:endParaRPr lang="en-US" dirty="0"/>
           </a:p>
@@ -3663,7 +3663,7 @@
             <a:fld id="{B61BEF0D-F0BB-DE4B-95CE-6DB70DBA9567}" type="datetimeFigureOut">
               <a:rPr lang="en-US" dirty="0"/>
               <a:pPr/>
-              <a:t>6/5/2019</a:t>
+              <a:t>6/13/2019</a:t>
             </a:fld>
             <a:endParaRPr lang="en-US" dirty="0"/>
           </a:p>
@@ -3778,7 +3778,7 @@
             <a:fld id="{B61BEF0D-F0BB-DE4B-95CE-6DB70DBA9567}" type="datetimeFigureOut">
               <a:rPr lang="en-US" dirty="0"/>
               <a:pPr/>
-              <a:t>6/5/2019</a:t>
+              <a:t>6/13/2019</a:t>
             </a:fld>
             <a:endParaRPr lang="en-US" dirty="0"/>
           </a:p>
@@ -3870,7 +3870,7 @@
             <a:fld id="{B61BEF0D-F0BB-DE4B-95CE-6DB70DBA9567}" type="datetimeFigureOut">
               <a:rPr lang="en-US" dirty="0"/>
               <a:pPr/>
-              <a:t>6/5/2019</a:t>
+              <a:t>6/13/2019</a:t>
             </a:fld>
             <a:endParaRPr lang="en-US" dirty="0"/>
           </a:p>
@@ -4122,7 +4122,7 @@
             <a:fld id="{B61BEF0D-F0BB-DE4B-95CE-6DB70DBA9567}" type="datetimeFigureOut">
               <a:rPr lang="en-US" dirty="0"/>
               <a:pPr/>
-              <a:t>6/5/2019</a:t>
+              <a:t>6/13/2019</a:t>
             </a:fld>
             <a:endParaRPr lang="en-US" dirty="0"/>
           </a:p>
@@ -4402,7 +4402,7 @@
             <a:fld id="{B61BEF0D-F0BB-DE4B-95CE-6DB70DBA9567}" type="datetimeFigureOut">
               <a:rPr lang="en-US" dirty="0"/>
               <a:pPr/>
-              <a:t>6/5/2019</a:t>
+              <a:t>6/13/2019</a:t>
             </a:fld>
             <a:endParaRPr lang="en-US" dirty="0"/>
           </a:p>
@@ -4805,7 +4805,7 @@
             <a:fld id="{B61BEF0D-F0BB-DE4B-95CE-6DB70DBA9567}" type="datetimeFigureOut">
               <a:rPr lang="en-US" dirty="0"/>
               <a:pPr/>
-              <a:t>6/5/2019</a:t>
+              <a:t>6/13/2019</a:t>
             </a:fld>
             <a:endParaRPr lang="en-US" dirty="0"/>
           </a:p>
@@ -6395,7 +6395,7 @@
                   <a:schemeClr val="tx1"/>
                 </a:solidFill>
               </a:rPr>
-              <a:t>Identify significant variables and build model around them</a:t>
+              <a:t>Identify significant variables and build a model around them</a:t>
             </a:r>
           </a:p>
           <a:p>
@@ -12657,13 +12657,13 @@
   <p:clrMapOvr>
     <a:masterClrMapping/>
   </p:clrMapOvr>
-  <mc:AlternateContent xmlns:mc="http://schemas.openxmlformats.org/markup-compatibility/2006">
-    <mc:Choice xmlns:p14="http://schemas.microsoft.com/office/powerpoint/2010/main" Requires="p14">
+  <mc:AlternateContent xmlns:mc="http://schemas.openxmlformats.org/markup-compatibility/2006" xmlns:p14="http://schemas.microsoft.com/office/powerpoint/2010/main">
+    <mc:Choice Requires="p14">
       <p:transition spd="med" p14:dur="700">
         <p:fade/>
       </p:transition>
     </mc:Choice>
-    <mc:Fallback>
+    <mc:Fallback xmlns="">
       <p:transition spd="med">
         <p:fade/>
       </p:transition>
@@ -13301,8 +13301,8 @@
           </p:nvSpPr>
           <p:spPr>
             <a:xfrm>
-              <a:off x="7194046" y="2985248"/>
-              <a:ext cx="1382110" cy="369332"/>
+              <a:off x="7478131" y="2985248"/>
+              <a:ext cx="907621" cy="646331"/>
             </a:xfrm>
             <a:prstGeom prst="rect">
               <a:avLst/>
@@ -13322,9 +13322,17 @@
             </a:bodyPr>
             <a:lstStyle/>
             <a:p>
+              <a:pPr algn="ctr"/>
               <a:r>
                 <a:rPr lang="en-US" dirty="0"/>
-                <a:t>Our model</a:t>
+                <a:t>Our</a:t>
+              </a:r>
+            </a:p>
+            <a:p>
+              <a:pPr algn="ctr"/>
+              <a:r>
+                <a:rPr lang="en-US" dirty="0"/>
+                <a:t>model</a:t>
               </a:r>
             </a:p>
           </p:txBody>
